--- a/FRAMEWORK fOUNDATION.pptx
+++ b/FRAMEWORK fOUNDATION.pptx
@@ -2,14 +2,22 @@
 <file path=ppt/presentation.xml><?xml version="1.0" encoding="utf-8"?>
 <p:presentation xmlns:a="http://schemas.openxmlformats.org/drawingml/2006/main" xmlns:r="http://schemas.openxmlformats.org/officeDocument/2006/relationships" xmlns:p="http://schemas.openxmlformats.org/presentationml/2006/main" saveSubsetFonts="1">
   <p:sldMasterIdLst>
-    <p:sldMasterId id="2147483648" r:id="rId1"/>
+    <p:sldMasterId id="2147483731" r:id="rId1"/>
   </p:sldMasterIdLst>
+  <p:notesMasterIdLst>
+    <p:notesMasterId r:id="rId12"/>
+  </p:notesMasterIdLst>
   <p:sldIdLst>
     <p:sldId id="256" r:id="rId2"/>
-    <p:sldId id="257" r:id="rId3"/>
-    <p:sldId id="258" r:id="rId4"/>
-    <p:sldId id="259" r:id="rId5"/>
-    <p:sldId id="260" r:id="rId6"/>
+    <p:sldId id="263" r:id="rId3"/>
+    <p:sldId id="257" r:id="rId4"/>
+    <p:sldId id="261" r:id="rId5"/>
+    <p:sldId id="258" r:id="rId6"/>
+    <p:sldId id="259" r:id="rId7"/>
+    <p:sldId id="260" r:id="rId8"/>
+    <p:sldId id="265" r:id="rId9"/>
+    <p:sldId id="264" r:id="rId10"/>
+    <p:sldId id="266" r:id="rId11"/>
   </p:sldIdLst>
   <p:sldSz cx="12192000" cy="6858000"/>
   <p:notesSz cx="6858000" cy="9144000"/>
@@ -116,8 +124,442 @@
 </p:presentation>
 </file>
 
+<file path=ppt/notesMasters/notesMaster1.xml><?xml version="1.0" encoding="utf-8"?>
+<p:notesMaster xmlns:a="http://schemas.openxmlformats.org/drawingml/2006/main" xmlns:r="http://schemas.openxmlformats.org/officeDocument/2006/relationships" xmlns:p="http://schemas.openxmlformats.org/presentationml/2006/main">
+  <p:cSld>
+    <p:bg>
+      <p:bgRef idx="1001">
+        <a:schemeClr val="bg1"/>
+      </p:bgRef>
+    </p:bg>
+    <p:spTree>
+      <p:nvGrpSpPr>
+        <p:cNvPr id="1" name=""/>
+        <p:cNvGrpSpPr/>
+        <p:nvPr/>
+      </p:nvGrpSpPr>
+      <p:grpSpPr>
+        <a:xfrm>
+          <a:off x="0" y="0"/>
+          <a:ext cx="0" cy="0"/>
+          <a:chOff x="0" y="0"/>
+          <a:chExt cx="0" cy="0"/>
+        </a:xfrm>
+      </p:grpSpPr>
+      <p:sp>
+        <p:nvSpPr>
+          <p:cNvPr id="2" name="Espace réservé de l'en-tête 1"/>
+          <p:cNvSpPr>
+            <a:spLocks noGrp="1"/>
+          </p:cNvSpPr>
+          <p:nvPr>
+            <p:ph type="hdr" sz="quarter"/>
+          </p:nvPr>
+        </p:nvSpPr>
+        <p:spPr>
+          <a:xfrm>
+            <a:off x="0" y="0"/>
+            <a:ext cx="2971800" cy="458788"/>
+          </a:xfrm>
+          <a:prstGeom prst="rect">
+            <a:avLst/>
+          </a:prstGeom>
+        </p:spPr>
+        <p:txBody>
+          <a:bodyPr vert="horz" lIns="91440" tIns="45720" rIns="91440" bIns="45720" rtlCol="0"/>
+          <a:lstStyle>
+            <a:lvl1pPr algn="l">
+              <a:defRPr sz="1200"/>
+            </a:lvl1pPr>
+          </a:lstStyle>
+          <a:p>
+            <a:endParaRPr lang="fr-FR"/>
+          </a:p>
+        </p:txBody>
+      </p:sp>
+      <p:sp>
+        <p:nvSpPr>
+          <p:cNvPr id="3" name="Espace réservé de la date 2"/>
+          <p:cNvSpPr>
+            <a:spLocks noGrp="1"/>
+          </p:cNvSpPr>
+          <p:nvPr>
+            <p:ph type="dt" idx="1"/>
+          </p:nvPr>
+        </p:nvSpPr>
+        <p:spPr>
+          <a:xfrm>
+            <a:off x="3884613" y="0"/>
+            <a:ext cx="2971800" cy="458788"/>
+          </a:xfrm>
+          <a:prstGeom prst="rect">
+            <a:avLst/>
+          </a:prstGeom>
+        </p:spPr>
+        <p:txBody>
+          <a:bodyPr vert="horz" lIns="91440" tIns="45720" rIns="91440" bIns="45720" rtlCol="0"/>
+          <a:lstStyle>
+            <a:lvl1pPr algn="r">
+              <a:defRPr sz="1200"/>
+            </a:lvl1pPr>
+          </a:lstStyle>
+          <a:p>
+            <a:fld id="{79691CC1-CFEF-42AE-AA8B-5B4BC0880D95}" type="datetimeFigureOut">
+              <a:rPr lang="fr-FR" smtClean="0"/>
+              <a:t>02/12/2024</a:t>
+            </a:fld>
+            <a:endParaRPr lang="fr-FR"/>
+          </a:p>
+        </p:txBody>
+      </p:sp>
+      <p:sp>
+        <p:nvSpPr>
+          <p:cNvPr id="4" name="Espace réservé de l'image des diapositives 3"/>
+          <p:cNvSpPr>
+            <a:spLocks noGrp="1" noRot="1" noChangeAspect="1"/>
+          </p:cNvSpPr>
+          <p:nvPr>
+            <p:ph type="sldImg" idx="2"/>
+          </p:nvPr>
+        </p:nvSpPr>
+        <p:spPr>
+          <a:xfrm>
+            <a:off x="685800" y="1143000"/>
+            <a:ext cx="5486400" cy="3086100"/>
+          </a:xfrm>
+          <a:prstGeom prst="rect">
+            <a:avLst/>
+          </a:prstGeom>
+          <a:noFill/>
+          <a:ln w="12700">
+            <a:solidFill>
+              <a:prstClr val="black"/>
+            </a:solidFill>
+          </a:ln>
+        </p:spPr>
+        <p:txBody>
+          <a:bodyPr vert="horz" lIns="91440" tIns="45720" rIns="91440" bIns="45720" rtlCol="0" anchor="ctr"/>
+          <a:lstStyle/>
+          <a:p>
+            <a:endParaRPr lang="fr-FR"/>
+          </a:p>
+        </p:txBody>
+      </p:sp>
+      <p:sp>
+        <p:nvSpPr>
+          <p:cNvPr id="5" name="Espace réservé des commentaires 4"/>
+          <p:cNvSpPr>
+            <a:spLocks noGrp="1"/>
+          </p:cNvSpPr>
+          <p:nvPr>
+            <p:ph type="body" sz="quarter" idx="3"/>
+          </p:nvPr>
+        </p:nvSpPr>
+        <p:spPr>
+          <a:xfrm>
+            <a:off x="685800" y="4400550"/>
+            <a:ext cx="5486400" cy="3600450"/>
+          </a:xfrm>
+          <a:prstGeom prst="rect">
+            <a:avLst/>
+          </a:prstGeom>
+        </p:spPr>
+        <p:txBody>
+          <a:bodyPr vert="horz" lIns="91440" tIns="45720" rIns="91440" bIns="45720" rtlCol="0"/>
+          <a:lstStyle/>
+          <a:p>
+            <a:pPr lvl="0"/>
+            <a:r>
+              <a:rPr lang="fr-FR" smtClean="0"/>
+              <a:t>Modifiez les styles du texte du masque</a:t>
+            </a:r>
+          </a:p>
+          <a:p>
+            <a:pPr lvl="1"/>
+            <a:r>
+              <a:rPr lang="fr-FR" smtClean="0"/>
+              <a:t>Deuxième niveau</a:t>
+            </a:r>
+          </a:p>
+          <a:p>
+            <a:pPr lvl="2"/>
+            <a:r>
+              <a:rPr lang="fr-FR" smtClean="0"/>
+              <a:t>Troisième niveau</a:t>
+            </a:r>
+          </a:p>
+          <a:p>
+            <a:pPr lvl="3"/>
+            <a:r>
+              <a:rPr lang="fr-FR" smtClean="0"/>
+              <a:t>Quatrième niveau</a:t>
+            </a:r>
+          </a:p>
+          <a:p>
+            <a:pPr lvl="4"/>
+            <a:r>
+              <a:rPr lang="fr-FR" smtClean="0"/>
+              <a:t>Cinquième niveau</a:t>
+            </a:r>
+            <a:endParaRPr lang="fr-FR"/>
+          </a:p>
+        </p:txBody>
+      </p:sp>
+      <p:sp>
+        <p:nvSpPr>
+          <p:cNvPr id="6" name="Espace réservé du pied de page 5"/>
+          <p:cNvSpPr>
+            <a:spLocks noGrp="1"/>
+          </p:cNvSpPr>
+          <p:nvPr>
+            <p:ph type="ftr" sz="quarter" idx="4"/>
+          </p:nvPr>
+        </p:nvSpPr>
+        <p:spPr>
+          <a:xfrm>
+            <a:off x="0" y="8685213"/>
+            <a:ext cx="2971800" cy="458787"/>
+          </a:xfrm>
+          <a:prstGeom prst="rect">
+            <a:avLst/>
+          </a:prstGeom>
+        </p:spPr>
+        <p:txBody>
+          <a:bodyPr vert="horz" lIns="91440" tIns="45720" rIns="91440" bIns="45720" rtlCol="0" anchor="b"/>
+          <a:lstStyle>
+            <a:lvl1pPr algn="l">
+              <a:defRPr sz="1200"/>
+            </a:lvl1pPr>
+          </a:lstStyle>
+          <a:p>
+            <a:endParaRPr lang="fr-FR"/>
+          </a:p>
+        </p:txBody>
+      </p:sp>
+      <p:sp>
+        <p:nvSpPr>
+          <p:cNvPr id="7" name="Espace réservé du numéro de diapositive 6"/>
+          <p:cNvSpPr>
+            <a:spLocks noGrp="1"/>
+          </p:cNvSpPr>
+          <p:nvPr>
+            <p:ph type="sldNum" sz="quarter" idx="5"/>
+          </p:nvPr>
+        </p:nvSpPr>
+        <p:spPr>
+          <a:xfrm>
+            <a:off x="3884613" y="8685213"/>
+            <a:ext cx="2971800" cy="458787"/>
+          </a:xfrm>
+          <a:prstGeom prst="rect">
+            <a:avLst/>
+          </a:prstGeom>
+        </p:spPr>
+        <p:txBody>
+          <a:bodyPr vert="horz" lIns="91440" tIns="45720" rIns="91440" bIns="45720" rtlCol="0" anchor="b"/>
+          <a:lstStyle>
+            <a:lvl1pPr algn="r">
+              <a:defRPr sz="1200"/>
+            </a:lvl1pPr>
+          </a:lstStyle>
+          <a:p>
+            <a:fld id="{ECAE7B24-D1A3-484A-8EE5-1FAFA324433B}" type="slidenum">
+              <a:rPr lang="fr-FR" smtClean="0"/>
+              <a:t>‹N°›</a:t>
+            </a:fld>
+            <a:endParaRPr lang="fr-FR"/>
+          </a:p>
+        </p:txBody>
+      </p:sp>
+    </p:spTree>
+    <p:extLst>
+      <p:ext uri="{BB962C8B-B14F-4D97-AF65-F5344CB8AC3E}">
+        <p14:creationId xmlns:p14="http://schemas.microsoft.com/office/powerpoint/2010/main" val="416927732"/>
+      </p:ext>
+    </p:extLst>
+  </p:cSld>
+  <p:clrMap bg1="lt1" tx1="dk1" bg2="lt2" tx2="dk2" accent1="accent1" accent2="accent2" accent3="accent3" accent4="accent4" accent5="accent5" accent6="accent6" hlink="hlink" folHlink="folHlink"/>
+  <p:notesStyle>
+    <a:lvl1pPr marL="0" algn="l" defTabSz="914400" rtl="0" eaLnBrk="1" latinLnBrk="0" hangingPunct="1">
+      <a:defRPr sz="1200" kern="1200">
+        <a:solidFill>
+          <a:schemeClr val="tx1"/>
+        </a:solidFill>
+        <a:latin typeface="+mn-lt"/>
+        <a:ea typeface="+mn-ea"/>
+        <a:cs typeface="+mn-cs"/>
+      </a:defRPr>
+    </a:lvl1pPr>
+    <a:lvl2pPr marL="457200" algn="l" defTabSz="914400" rtl="0" eaLnBrk="1" latinLnBrk="0" hangingPunct="1">
+      <a:defRPr sz="1200" kern="1200">
+        <a:solidFill>
+          <a:schemeClr val="tx1"/>
+        </a:solidFill>
+        <a:latin typeface="+mn-lt"/>
+        <a:ea typeface="+mn-ea"/>
+        <a:cs typeface="+mn-cs"/>
+      </a:defRPr>
+    </a:lvl2pPr>
+    <a:lvl3pPr marL="914400" algn="l" defTabSz="914400" rtl="0" eaLnBrk="1" latinLnBrk="0" hangingPunct="1">
+      <a:defRPr sz="1200" kern="1200">
+        <a:solidFill>
+          <a:schemeClr val="tx1"/>
+        </a:solidFill>
+        <a:latin typeface="+mn-lt"/>
+        <a:ea typeface="+mn-ea"/>
+        <a:cs typeface="+mn-cs"/>
+      </a:defRPr>
+    </a:lvl3pPr>
+    <a:lvl4pPr marL="1371600" algn="l" defTabSz="914400" rtl="0" eaLnBrk="1" latinLnBrk="0" hangingPunct="1">
+      <a:defRPr sz="1200" kern="1200">
+        <a:solidFill>
+          <a:schemeClr val="tx1"/>
+        </a:solidFill>
+        <a:latin typeface="+mn-lt"/>
+        <a:ea typeface="+mn-ea"/>
+        <a:cs typeface="+mn-cs"/>
+      </a:defRPr>
+    </a:lvl4pPr>
+    <a:lvl5pPr marL="1828800" algn="l" defTabSz="914400" rtl="0" eaLnBrk="1" latinLnBrk="0" hangingPunct="1">
+      <a:defRPr sz="1200" kern="1200">
+        <a:solidFill>
+          <a:schemeClr val="tx1"/>
+        </a:solidFill>
+        <a:latin typeface="+mn-lt"/>
+        <a:ea typeface="+mn-ea"/>
+        <a:cs typeface="+mn-cs"/>
+      </a:defRPr>
+    </a:lvl5pPr>
+    <a:lvl6pPr marL="2286000" algn="l" defTabSz="914400" rtl="0" eaLnBrk="1" latinLnBrk="0" hangingPunct="1">
+      <a:defRPr sz="1200" kern="1200">
+        <a:solidFill>
+          <a:schemeClr val="tx1"/>
+        </a:solidFill>
+        <a:latin typeface="+mn-lt"/>
+        <a:ea typeface="+mn-ea"/>
+        <a:cs typeface="+mn-cs"/>
+      </a:defRPr>
+    </a:lvl6pPr>
+    <a:lvl7pPr marL="2743200" algn="l" defTabSz="914400" rtl="0" eaLnBrk="1" latinLnBrk="0" hangingPunct="1">
+      <a:defRPr sz="1200" kern="1200">
+        <a:solidFill>
+          <a:schemeClr val="tx1"/>
+        </a:solidFill>
+        <a:latin typeface="+mn-lt"/>
+        <a:ea typeface="+mn-ea"/>
+        <a:cs typeface="+mn-cs"/>
+      </a:defRPr>
+    </a:lvl7pPr>
+    <a:lvl8pPr marL="3200400" algn="l" defTabSz="914400" rtl="0" eaLnBrk="1" latinLnBrk="0" hangingPunct="1">
+      <a:defRPr sz="1200" kern="1200">
+        <a:solidFill>
+          <a:schemeClr val="tx1"/>
+        </a:solidFill>
+        <a:latin typeface="+mn-lt"/>
+        <a:ea typeface="+mn-ea"/>
+        <a:cs typeface="+mn-cs"/>
+      </a:defRPr>
+    </a:lvl8pPr>
+    <a:lvl9pPr marL="3657600" algn="l" defTabSz="914400" rtl="0" eaLnBrk="1" latinLnBrk="0" hangingPunct="1">
+      <a:defRPr sz="1200" kern="1200">
+        <a:solidFill>
+          <a:schemeClr val="tx1"/>
+        </a:solidFill>
+        <a:latin typeface="+mn-lt"/>
+        <a:ea typeface="+mn-ea"/>
+        <a:cs typeface="+mn-cs"/>
+      </a:defRPr>
+    </a:lvl9pPr>
+  </p:notesStyle>
+</p:notesMaster>
+</file>
+
+<file path=ppt/notesSlides/notesSlide1.xml><?xml version="1.0" encoding="utf-8"?>
+<p:notes xmlns:a="http://schemas.openxmlformats.org/drawingml/2006/main" xmlns:r="http://schemas.openxmlformats.org/officeDocument/2006/relationships" xmlns:p="http://schemas.openxmlformats.org/presentationml/2006/main">
+  <p:cSld>
+    <p:spTree>
+      <p:nvGrpSpPr>
+        <p:cNvPr id="1" name=""/>
+        <p:cNvGrpSpPr/>
+        <p:nvPr/>
+      </p:nvGrpSpPr>
+      <p:grpSpPr>
+        <a:xfrm>
+          <a:off x="0" y="0"/>
+          <a:ext cx="0" cy="0"/>
+          <a:chOff x="0" y="0"/>
+          <a:chExt cx="0" cy="0"/>
+        </a:xfrm>
+      </p:grpSpPr>
+      <p:sp>
+        <p:nvSpPr>
+          <p:cNvPr id="2" name="Espace réservé de l'image des diapositives 1"/>
+          <p:cNvSpPr>
+            <a:spLocks noGrp="1" noRot="1" noChangeAspect="1"/>
+          </p:cNvSpPr>
+          <p:nvPr>
+            <p:ph type="sldImg"/>
+          </p:nvPr>
+        </p:nvSpPr>
+        <p:spPr/>
+      </p:sp>
+      <p:sp>
+        <p:nvSpPr>
+          <p:cNvPr id="3" name="Espace réservé des commentaires 2"/>
+          <p:cNvSpPr>
+            <a:spLocks noGrp="1"/>
+          </p:cNvSpPr>
+          <p:nvPr>
+            <p:ph type="body" idx="1"/>
+          </p:nvPr>
+        </p:nvSpPr>
+        <p:spPr/>
+        <p:txBody>
+          <a:bodyPr/>
+          <a:lstStyle/>
+          <a:p>
+            <a:endParaRPr lang="fr-FR" dirty="0"/>
+          </a:p>
+        </p:txBody>
+      </p:sp>
+      <p:sp>
+        <p:nvSpPr>
+          <p:cNvPr id="4" name="Espace réservé du numéro de diapositive 3"/>
+          <p:cNvSpPr>
+            <a:spLocks noGrp="1"/>
+          </p:cNvSpPr>
+          <p:nvPr>
+            <p:ph type="sldNum" sz="quarter" idx="10"/>
+          </p:nvPr>
+        </p:nvSpPr>
+        <p:spPr/>
+        <p:txBody>
+          <a:bodyPr/>
+          <a:lstStyle/>
+          <a:p>
+            <a:fld id="{ECAE7B24-D1A3-484A-8EE5-1FAFA324433B}" type="slidenum">
+              <a:rPr lang="fr-FR" smtClean="0"/>
+              <a:t>3</a:t>
+            </a:fld>
+            <a:endParaRPr lang="fr-FR"/>
+          </a:p>
+        </p:txBody>
+      </p:sp>
+    </p:spTree>
+    <p:extLst>
+      <p:ext uri="{BB962C8B-B14F-4D97-AF65-F5344CB8AC3E}">
+        <p14:creationId xmlns:p14="http://schemas.microsoft.com/office/powerpoint/2010/main" val="3438502305"/>
+      </p:ext>
+    </p:extLst>
+  </p:cSld>
+  <p:clrMapOvr>
+    <a:masterClrMapping/>
+  </p:clrMapOvr>
+</p:notes>
+</file>
+
 <file path=ppt/slideLayouts/slideLayout1.xml><?xml version="1.0" encoding="utf-8"?>
-<p:sldLayout xmlns:a="http://schemas.openxmlformats.org/drawingml/2006/main" xmlns:r="http://schemas.openxmlformats.org/officeDocument/2006/relationships" xmlns:p="http://schemas.openxmlformats.org/presentationml/2006/main" type="title" preserve="1">
+<p:sldLayout xmlns:a="http://schemas.openxmlformats.org/drawingml/2006/main" xmlns:r="http://schemas.openxmlformats.org/officeDocument/2006/relationships" xmlns:p="http://schemas.openxmlformats.org/presentationml/2006/main" showMasterSp="0" type="title" preserve="1">
   <p:cSld name="Diapositive de titre">
     <p:spTree>
       <p:nvGrpSpPr>
@@ -133,27 +575,326 @@
           <a:chExt cx="0" cy="0"/>
         </a:xfrm>
       </p:grpSpPr>
-      <p:sp>
-        <p:nvSpPr>
-          <p:cNvPr id="2" name="Titre 1"/>
-          <p:cNvSpPr>
-            <a:spLocks noGrp="1"/>
-          </p:cNvSpPr>
-          <p:nvPr>
-            <p:ph type="ctrTitle"/>
-          </p:nvPr>
-        </p:nvSpPr>
+      <p:pic>
+        <p:nvPicPr>
+          <p:cNvPr id="7" name="Picture 6" descr="Brickwork-HD-R1a.jpg"/>
+          <p:cNvPicPr>
+            <a:picLocks noChangeAspect="1"/>
+          </p:cNvPicPr>
+          <p:nvPr/>
+        </p:nvPicPr>
+        <p:blipFill>
+          <a:blip r:embed="rId2">
+            <a:extLst>
+              <a:ext uri="{28A0092B-C50C-407E-A947-70E740481C1C}">
+                <a14:useLocalDpi xmlns:a14="http://schemas.microsoft.com/office/drawing/2010/main" val="0"/>
+              </a:ext>
+            </a:extLst>
+          </a:blip>
+          <a:stretch>
+            <a:fillRect/>
+          </a:stretch>
+        </p:blipFill>
         <p:spPr>
           <a:xfrm>
-            <a:off x="1524000" y="1122363"/>
-            <a:ext cx="9144000" cy="2387600"/>
+            <a:off x="0" y="0"/>
+            <a:ext cx="12192000" cy="6858000"/>
+          </a:xfrm>
+          <a:prstGeom prst="rect">
+            <a:avLst/>
+          </a:prstGeom>
+        </p:spPr>
+      </p:pic>
+      <p:sp useBgFill="1">
+        <p:nvSpPr>
+          <p:cNvPr id="12" name="Freeform 11"/>
+          <p:cNvSpPr/>
+          <p:nvPr/>
+        </p:nvSpPr>
+        <p:spPr>
+          <a:xfrm>
+            <a:off x="-15875" y="0"/>
+            <a:ext cx="11683810" cy="6588125"/>
+          </a:xfrm>
+          <a:custGeom>
+            <a:avLst/>
+            <a:gdLst/>
+            <a:ahLst/>
+            <a:cxnLst/>
+            <a:rect l="l" t="t" r="r" b="b"/>
+            <a:pathLst>
+              <a:path w="11683810" h="6588125">
+                <a:moveTo>
+                  <a:pt x="0" y="0"/>
+                </a:moveTo>
+                <a:lnTo>
+                  <a:pt x="11318691" y="0"/>
+                </a:lnTo>
+                <a:lnTo>
+                  <a:pt x="11683810" y="5976938"/>
+                </a:lnTo>
+                <a:lnTo>
+                  <a:pt x="15875" y="6588125"/>
+                </a:lnTo>
+                <a:cubicBezTo>
+                  <a:pt x="10583" y="4386792"/>
+                  <a:pt x="5292" y="2185458"/>
+                  <a:pt x="0" y="0"/>
+                </a:cubicBezTo>
+                <a:close/>
+              </a:path>
+            </a:pathLst>
+          </a:custGeom>
+          <a:ln>
+            <a:noFill/>
+          </a:ln>
+          <a:effectLst>
+            <a:outerShdw blurRad="101600" dist="152400" dir="4380000" algn="tl" rotWithShape="0">
+              <a:srgbClr val="000000">
+                <a:alpha val="43000"/>
+              </a:srgbClr>
+            </a:outerShdw>
+          </a:effectLst>
+        </p:spPr>
+        <p:style>
+          <a:lnRef idx="1">
+            <a:schemeClr val="accent1"/>
+          </a:lnRef>
+          <a:fillRef idx="3">
+            <a:schemeClr val="accent1"/>
+          </a:fillRef>
+          <a:effectRef idx="2">
+            <a:schemeClr val="accent1"/>
+          </a:effectRef>
+          <a:fontRef idx="minor">
+            <a:schemeClr val="lt1"/>
+          </a:fontRef>
+        </p:style>
+      </p:sp>
+      <p:sp>
+        <p:nvSpPr>
+          <p:cNvPr id="14" name="Freeform 13"/>
+          <p:cNvSpPr/>
+          <p:nvPr/>
+        </p:nvSpPr>
+        <p:spPr>
+          <a:xfrm>
+            <a:off x="0" y="4282257"/>
+            <a:ext cx="11329257" cy="2028845"/>
+          </a:xfrm>
+          <a:custGeom>
+            <a:avLst/>
+            <a:gdLst/>
+            <a:ahLst/>
+            <a:cxnLst/>
+            <a:rect l="l" t="t" r="r" b="b"/>
+            <a:pathLst>
+              <a:path w="11329257" h="2028845">
+                <a:moveTo>
+                  <a:pt x="0" y="588520"/>
+                </a:moveTo>
+                <a:lnTo>
+                  <a:pt x="11244075" y="0"/>
+                </a:lnTo>
+                <a:lnTo>
+                  <a:pt x="11329257" y="1424838"/>
+                </a:lnTo>
+                <a:lnTo>
+                  <a:pt x="0" y="2028845"/>
+                </a:lnTo>
+                <a:lnTo>
+                  <a:pt x="0" y="588520"/>
+                </a:lnTo>
+                <a:close/>
+              </a:path>
+            </a:pathLst>
+          </a:custGeom>
+          <a:gradFill flip="none" rotWithShape="1">
+            <a:gsLst>
+              <a:gs pos="34000">
+                <a:schemeClr val="accent1"/>
+              </a:gs>
+              <a:gs pos="100000">
+                <a:schemeClr val="accent1">
+                  <a:lumMod val="50000"/>
+                </a:schemeClr>
+              </a:gs>
+            </a:gsLst>
+            <a:path path="circle">
+              <a:fillToRect l="50000" t="50000" r="50000" b="50000"/>
+            </a:path>
+            <a:tileRect/>
+          </a:gradFill>
+          <a:ln>
+            <a:noFill/>
+          </a:ln>
+        </p:spPr>
+        <p:style>
+          <a:lnRef idx="1">
+            <a:schemeClr val="accent1"/>
+          </a:lnRef>
+          <a:fillRef idx="3">
+            <a:schemeClr val="accent1"/>
+          </a:fillRef>
+          <a:effectRef idx="2">
+            <a:schemeClr val="accent1"/>
+          </a:effectRef>
+          <a:fontRef idx="minor">
+            <a:schemeClr val="lt1"/>
+          </a:fontRef>
+        </p:style>
+      </p:sp>
+      <p:sp>
+        <p:nvSpPr>
+          <p:cNvPr id="26" name="Freeform 25"/>
+          <p:cNvSpPr/>
+          <p:nvPr/>
+        </p:nvSpPr>
+        <p:spPr>
+          <a:xfrm>
+            <a:off x="0" y="0"/>
+            <a:ext cx="8719579" cy="456877"/>
+          </a:xfrm>
+          <a:custGeom>
+            <a:avLst/>
+            <a:gdLst/>
+            <a:ahLst/>
+            <a:cxnLst/>
+            <a:rect l="l" t="t" r="r" b="b"/>
+            <a:pathLst>
+              <a:path w="8719579" h="456877">
+                <a:moveTo>
+                  <a:pt x="0" y="0"/>
+                </a:moveTo>
+                <a:lnTo>
+                  <a:pt x="8719579" y="0"/>
+                </a:lnTo>
+                <a:lnTo>
+                  <a:pt x="0" y="456877"/>
+                </a:lnTo>
+                <a:lnTo>
+                  <a:pt x="0" y="0"/>
+                </a:lnTo>
+                <a:close/>
+              </a:path>
+            </a:pathLst>
+          </a:custGeom>
+          <a:gradFill flip="none" rotWithShape="1">
+            <a:gsLst>
+              <a:gs pos="34000">
+                <a:schemeClr val="accent1"/>
+              </a:gs>
+              <a:gs pos="100000">
+                <a:schemeClr val="accent1">
+                  <a:lumMod val="50000"/>
+                </a:schemeClr>
+              </a:gs>
+            </a:gsLst>
+            <a:path path="circle">
+              <a:fillToRect l="50000" t="50000" r="50000" b="50000"/>
+            </a:path>
+            <a:tileRect/>
+          </a:gradFill>
+          <a:ln>
+            <a:noFill/>
+          </a:ln>
+        </p:spPr>
+        <p:style>
+          <a:lnRef idx="1">
+            <a:schemeClr val="accent1"/>
+          </a:lnRef>
+          <a:fillRef idx="3">
+            <a:schemeClr val="accent1"/>
+          </a:fillRef>
+          <a:effectRef idx="2">
+            <a:schemeClr val="accent1"/>
+          </a:effectRef>
+          <a:fontRef idx="minor">
+            <a:schemeClr val="lt1"/>
+          </a:fontRef>
+        </p:style>
+      </p:sp>
+      <p:sp>
+        <p:nvSpPr>
+          <p:cNvPr id="15" name="Freeform 14"/>
+          <p:cNvSpPr/>
+          <p:nvPr/>
+        </p:nvSpPr>
+        <p:spPr>
+          <a:xfrm rot="21420000">
+            <a:off x="-161800" y="293317"/>
+            <a:ext cx="11367116" cy="5751804"/>
+          </a:xfrm>
+          <a:custGeom>
+            <a:avLst/>
+            <a:gdLst/>
+            <a:ahLst/>
+            <a:cxnLst/>
+            <a:rect l="l" t="t" r="r" b="b"/>
+            <a:pathLst>
+              <a:path w="11367116" h="5751804">
+                <a:moveTo>
+                  <a:pt x="11346705" y="0"/>
+                </a:moveTo>
+                <a:cubicBezTo>
+                  <a:pt x="11353509" y="1915114"/>
+                  <a:pt x="11360312" y="3830229"/>
+                  <a:pt x="11367116" y="5745343"/>
+                </a:cubicBezTo>
+                <a:lnTo>
+                  <a:pt x="0" y="5751804"/>
+                </a:lnTo>
+              </a:path>
+            </a:pathLst>
+          </a:custGeom>
+          <a:ln w="82550">
+            <a:solidFill>
+              <a:schemeClr val="tx1">
+                <a:lumMod val="50000"/>
+                <a:lumOff val="50000"/>
+              </a:schemeClr>
+            </a:solidFill>
+            <a:miter lim="800000"/>
+          </a:ln>
+        </p:spPr>
+        <p:style>
+          <a:lnRef idx="2">
+            <a:schemeClr val="accent1"/>
+          </a:lnRef>
+          <a:fillRef idx="0">
+            <a:schemeClr val="accent1"/>
+          </a:fillRef>
+          <a:effectRef idx="1">
+            <a:schemeClr val="accent1"/>
+          </a:effectRef>
+          <a:fontRef idx="minor">
+            <a:schemeClr val="tx1"/>
+          </a:fontRef>
+        </p:style>
+      </p:sp>
+      <p:sp>
+        <p:nvSpPr>
+          <p:cNvPr id="2" name="Title 1"/>
+          <p:cNvSpPr>
+            <a:spLocks noGrp="1"/>
+          </p:cNvSpPr>
+          <p:nvPr>
+            <p:ph type="ctrTitle"/>
+          </p:nvPr>
+        </p:nvSpPr>
+        <p:spPr>
+          <a:xfrm rot="21420000">
+            <a:off x="891201" y="662656"/>
+            <a:ext cx="9755187" cy="2766528"/>
           </a:xfrm>
         </p:spPr>
         <p:txBody>
-          <a:bodyPr anchor="b"/>
+          <a:bodyPr anchor="b">
+            <a:normAutofit/>
+          </a:bodyPr>
           <a:lstStyle>
-            <a:lvl1pPr algn="ctr">
-              <a:defRPr sz="6000"/>
+            <a:lvl1pPr algn="r">
+              <a:defRPr sz="8000"/>
             </a:lvl1pPr>
           </a:lstStyle>
           <a:p>
@@ -161,13 +902,13 @@
               <a:rPr lang="fr-FR" smtClean="0"/>
               <a:t>Modifiez le style du titre</a:t>
             </a:r>
-            <a:endParaRPr lang="fr-FR"/>
-          </a:p>
-        </p:txBody>
-      </p:sp>
-      <p:sp>
-        <p:nvSpPr>
-          <p:cNvPr id="3" name="Sous-titre 2"/>
+            <a:endParaRPr lang="en-US" dirty="0"/>
+          </a:p>
+        </p:txBody>
+      </p:sp>
+      <p:sp>
+        <p:nvSpPr>
+          <p:cNvPr id="3" name="Subtitle 2"/>
           <p:cNvSpPr>
             <a:spLocks noGrp="1"/>
           </p:cNvSpPr>
@@ -176,17 +917,25 @@
           </p:nvPr>
         </p:nvSpPr>
         <p:spPr>
-          <a:xfrm>
-            <a:off x="1524000" y="3602038"/>
-            <a:ext cx="9144000" cy="1655762"/>
+          <a:xfrm rot="21420000">
+            <a:off x="983062" y="3505209"/>
+            <a:ext cx="9755187" cy="550333"/>
           </a:xfrm>
         </p:spPr>
         <p:txBody>
-          <a:bodyPr/>
+          <a:bodyPr anchor="t">
+            <a:noAutofit/>
+          </a:bodyPr>
           <a:lstStyle>
-            <a:lvl1pPr marL="0" indent="0" algn="ctr">
-              <a:buNone/>
-              <a:defRPr sz="2400"/>
+            <a:lvl1pPr marL="0" indent="0" algn="r">
+              <a:buNone/>
+              <a:defRPr sz="2800">
+                <a:solidFill>
+                  <a:schemeClr val="bg1">
+                    <a:lumMod val="50000"/>
+                  </a:schemeClr>
+                </a:solidFill>
+              </a:defRPr>
             </a:lvl1pPr>
             <a:lvl2pPr marL="457200" indent="0" algn="ctr">
               <a:buNone/>
@@ -226,13 +975,13 @@
               <a:rPr lang="fr-FR" smtClean="0"/>
               <a:t>Modifiez le style des sous-titres du masque</a:t>
             </a:r>
-            <a:endParaRPr lang="fr-FR"/>
-          </a:p>
-        </p:txBody>
-      </p:sp>
-      <p:sp>
-        <p:nvSpPr>
-          <p:cNvPr id="4" name="Espace réservé de la date 3"/>
+            <a:endParaRPr lang="en-US" dirty="0"/>
+          </a:p>
+        </p:txBody>
+      </p:sp>
+      <p:sp>
+        <p:nvSpPr>
+          <p:cNvPr id="4" name="Date Placeholder 3"/>
           <p:cNvSpPr>
             <a:spLocks noGrp="1"/>
           </p:cNvSpPr>
@@ -240,14 +989,29 @@
             <p:ph type="dt" sz="half" idx="10"/>
           </p:nvPr>
         </p:nvSpPr>
-        <p:spPr/>
+        <p:spPr>
+          <a:xfrm rot="21420000">
+            <a:off x="4948541" y="4578463"/>
+            <a:ext cx="6143653" cy="1163112"/>
+          </a:xfrm>
+        </p:spPr>
         <p:txBody>
           <a:bodyPr/>
-          <a:lstStyle/>
+          <a:lstStyle>
+            <a:lvl1pPr algn="ctr">
+              <a:defRPr sz="5400">
+                <a:solidFill>
+                  <a:schemeClr val="accent1">
+                    <a:lumMod val="50000"/>
+                  </a:schemeClr>
+                </a:solidFill>
+              </a:defRPr>
+            </a:lvl1pPr>
+          </a:lstStyle>
           <a:p>
             <a:fld id="{B7587B24-865D-4771-9029-786DFBF8CB56}" type="datetimeFigureOut">
               <a:rPr lang="fr-FR" smtClean="0"/>
-              <a:t>23/11/2024</a:t>
+              <a:t>02/12/2024</a:t>
             </a:fld>
             <a:endParaRPr lang="fr-FR"/>
           </a:p>
@@ -255,7 +1019,7 @@
       </p:sp>
       <p:sp>
         <p:nvSpPr>
-          <p:cNvPr id="5" name="Espace réservé du pied de page 4"/>
+          <p:cNvPr id="5" name="Footer Placeholder 4"/>
           <p:cNvSpPr>
             <a:spLocks noGrp="1"/>
           </p:cNvSpPr>
@@ -263,29 +1027,54 @@
             <p:ph type="ftr" sz="quarter" idx="11"/>
           </p:nvPr>
         </p:nvSpPr>
-        <p:spPr/>
+        <p:spPr>
+          <a:xfrm rot="21420000">
+            <a:off x="-5560" y="4883024"/>
+            <a:ext cx="4047239" cy="1195538"/>
+          </a:xfrm>
+        </p:spPr>
+        <p:txBody>
+          <a:bodyPr vert="horz" lIns="91440" tIns="45720" rIns="91440" bIns="45720" rtlCol="0" anchor="ctr"/>
+          <a:lstStyle>
+            <a:lvl1pPr algn="r">
+              <a:defRPr lang="en-US" sz="5400" dirty="0"/>
+            </a:lvl1pPr>
+          </a:lstStyle>
+          <a:p>
+            <a:endParaRPr lang="fr-FR"/>
+          </a:p>
+        </p:txBody>
+      </p:sp>
+      <p:sp>
+        <p:nvSpPr>
+          <p:cNvPr id="6" name="Slide Number Placeholder 5"/>
+          <p:cNvSpPr>
+            <a:spLocks noGrp="1"/>
+          </p:cNvSpPr>
+          <p:nvPr>
+            <p:ph type="sldNum" sz="quarter" idx="12"/>
+          </p:nvPr>
+        </p:nvSpPr>
+        <p:spPr>
+          <a:xfrm rot="21420000">
+            <a:off x="9851758" y="3832648"/>
+            <a:ext cx="907186" cy="498470"/>
+          </a:xfrm>
+        </p:spPr>
         <p:txBody>
           <a:bodyPr/>
-          <a:lstStyle/>
-          <a:p>
-            <a:endParaRPr lang="fr-FR"/>
-          </a:p>
-        </p:txBody>
-      </p:sp>
-      <p:sp>
-        <p:nvSpPr>
-          <p:cNvPr id="6" name="Espace réservé du numéro de diapositive 5"/>
-          <p:cNvSpPr>
-            <a:spLocks noGrp="1"/>
-          </p:cNvSpPr>
-          <p:nvPr>
-            <p:ph type="sldNum" sz="quarter" idx="12"/>
-          </p:nvPr>
-        </p:nvSpPr>
-        <p:spPr/>
-        <p:txBody>
-          <a:bodyPr/>
-          <a:lstStyle/>
+          <a:lstStyle>
+            <a:lvl1pPr>
+              <a:defRPr sz="2400">
+                <a:solidFill>
+                  <a:schemeClr val="tx1">
+                    <a:lumMod val="75000"/>
+                    <a:lumOff val="25000"/>
+                  </a:schemeClr>
+                </a:solidFill>
+              </a:defRPr>
+            </a:lvl1pPr>
+          </a:lstStyle>
           <a:p>
             <a:fld id="{EB98EBDD-5AB4-45F0-9CFB-984F93C41A25}" type="slidenum">
               <a:rPr lang="fr-FR" smtClean="0"/>
@@ -295,10 +1084,52 @@
           </a:p>
         </p:txBody>
       </p:sp>
+      <p:sp>
+        <p:nvSpPr>
+          <p:cNvPr id="25" name="5-Point Star 24"/>
+          <p:cNvSpPr/>
+          <p:nvPr/>
+        </p:nvSpPr>
+        <p:spPr>
+          <a:xfrm rot="21420000">
+            <a:off x="4221385" y="5111356"/>
+            <a:ext cx="515386" cy="515386"/>
+          </a:xfrm>
+          <a:prstGeom prst="star5">
+            <a:avLst>
+              <a:gd name="adj" fmla="val 26693"/>
+              <a:gd name="hf" fmla="val 105146"/>
+              <a:gd name="vf" fmla="val 110557"/>
+            </a:avLst>
+          </a:prstGeom>
+          <a:solidFill>
+            <a:schemeClr val="tx1">
+              <a:alpha val="40000"/>
+            </a:schemeClr>
+          </a:solidFill>
+          <a:ln>
+            <a:noFill/>
+          </a:ln>
+        </p:spPr>
+        <p:style>
+          <a:lnRef idx="1">
+            <a:schemeClr val="accent1"/>
+          </a:lnRef>
+          <a:fillRef idx="3">
+            <a:schemeClr val="accent1"/>
+          </a:fillRef>
+          <a:effectRef idx="2">
+            <a:schemeClr val="accent1"/>
+          </a:effectRef>
+          <a:fontRef idx="minor">
+            <a:schemeClr val="lt1"/>
+          </a:fontRef>
+        </p:style>
+      </p:sp>
     </p:spTree>
     <p:extLst>
       <p:ext uri="{BB962C8B-B14F-4D97-AF65-F5344CB8AC3E}">
-        <p14:creationId xmlns:p14="http://schemas.microsoft.com/office/powerpoint/2010/main" val="2304807455"/>
+        <p14:creationId xmlns:p14="http://schemas.microsoft.com/office/powerpoint/2010/main" val="2103156512"/>
       </p:ext>
     </p:extLst>
   </p:cSld>
@@ -309,6 +1140,2505 @@
 </file>
 
 <file path=ppt/slideLayouts/slideLayout10.xml><?xml version="1.0" encoding="utf-8"?>
+<p:sldLayout xmlns:a="http://schemas.openxmlformats.org/drawingml/2006/main" xmlns:r="http://schemas.openxmlformats.org/officeDocument/2006/relationships" xmlns:p="http://schemas.openxmlformats.org/presentationml/2006/main" preserve="1">
+  <p:cSld name="Image panoramique avec légende">
+    <p:spTree>
+      <p:nvGrpSpPr>
+        <p:cNvPr id="1" name=""/>
+        <p:cNvGrpSpPr/>
+        <p:nvPr/>
+      </p:nvGrpSpPr>
+      <p:grpSpPr>
+        <a:xfrm>
+          <a:off x="0" y="0"/>
+          <a:ext cx="0" cy="0"/>
+          <a:chOff x="0" y="0"/>
+          <a:chExt cx="0" cy="0"/>
+        </a:xfrm>
+      </p:grpSpPr>
+      <p:sp>
+        <p:nvSpPr>
+          <p:cNvPr id="2" name="Title 1"/>
+          <p:cNvSpPr>
+            <a:spLocks noGrp="1"/>
+          </p:cNvSpPr>
+          <p:nvPr>
+            <p:ph type="title"/>
+          </p:nvPr>
+        </p:nvSpPr>
+        <p:spPr>
+          <a:xfrm>
+            <a:off x="685800" y="4106333"/>
+            <a:ext cx="10394708" cy="588846"/>
+          </a:xfrm>
+        </p:spPr>
+        <p:txBody>
+          <a:bodyPr anchor="b"/>
+          <a:lstStyle>
+            <a:lvl1pPr>
+              <a:defRPr sz="3200"/>
+            </a:lvl1pPr>
+          </a:lstStyle>
+          <a:p>
+            <a:r>
+              <a:rPr lang="fr-FR" smtClean="0"/>
+              <a:t>Modifiez le style du titre</a:t>
+            </a:r>
+            <a:endParaRPr lang="en-US" dirty="0"/>
+          </a:p>
+        </p:txBody>
+      </p:sp>
+      <p:sp>
+        <p:nvSpPr>
+          <p:cNvPr id="3" name="Picture Placeholder 2"/>
+          <p:cNvSpPr>
+            <a:spLocks noGrp="1" noChangeAspect="1"/>
+          </p:cNvSpPr>
+          <p:nvPr>
+            <p:ph type="pic" idx="1"/>
+          </p:nvPr>
+        </p:nvSpPr>
+        <p:spPr>
+          <a:xfrm>
+            <a:off x="685801" y="685799"/>
+            <a:ext cx="10392513" cy="3194903"/>
+          </a:xfrm>
+          <a:ln w="57150" cmpd="thinThick">
+            <a:solidFill>
+              <a:schemeClr val="bg1">
+                <a:lumMod val="50000"/>
+              </a:schemeClr>
+            </a:solidFill>
+            <a:miter lim="800000"/>
+          </a:ln>
+        </p:spPr>
+        <p:txBody>
+          <a:bodyPr anchor="t"/>
+          <a:lstStyle>
+            <a:lvl1pPr marL="0" indent="0" algn="ctr">
+              <a:buNone/>
+              <a:defRPr sz="3200"/>
+            </a:lvl1pPr>
+            <a:lvl2pPr marL="457200" indent="0">
+              <a:buNone/>
+              <a:defRPr sz="2800"/>
+            </a:lvl2pPr>
+            <a:lvl3pPr marL="914400" indent="0">
+              <a:buNone/>
+              <a:defRPr sz="2400"/>
+            </a:lvl3pPr>
+            <a:lvl4pPr marL="1371600" indent="0">
+              <a:buNone/>
+              <a:defRPr sz="2000"/>
+            </a:lvl4pPr>
+            <a:lvl5pPr marL="1828800" indent="0">
+              <a:buNone/>
+              <a:defRPr sz="2000"/>
+            </a:lvl5pPr>
+            <a:lvl6pPr marL="2286000" indent="0">
+              <a:buNone/>
+              <a:defRPr sz="2000"/>
+            </a:lvl6pPr>
+            <a:lvl7pPr marL="2743200" indent="0">
+              <a:buNone/>
+              <a:defRPr sz="2000"/>
+            </a:lvl7pPr>
+            <a:lvl8pPr marL="3200400" indent="0">
+              <a:buNone/>
+              <a:defRPr sz="2000"/>
+            </a:lvl8pPr>
+            <a:lvl9pPr marL="3657600" indent="0">
+              <a:buNone/>
+              <a:defRPr sz="2000"/>
+            </a:lvl9pPr>
+          </a:lstStyle>
+          <a:p>
+            <a:r>
+              <a:rPr lang="fr-FR" smtClean="0"/>
+              <a:t>Cliquez sur l'icône pour ajouter une image</a:t>
+            </a:r>
+            <a:endParaRPr lang="en-US" dirty="0"/>
+          </a:p>
+        </p:txBody>
+      </p:sp>
+      <p:sp>
+        <p:nvSpPr>
+          <p:cNvPr id="4" name="Text Placeholder 3"/>
+          <p:cNvSpPr>
+            <a:spLocks noGrp="1"/>
+          </p:cNvSpPr>
+          <p:nvPr>
+            <p:ph type="body" sz="half" idx="2"/>
+          </p:nvPr>
+        </p:nvSpPr>
+        <p:spPr>
+          <a:xfrm>
+            <a:off x="685780" y="4702923"/>
+            <a:ext cx="10394728" cy="682472"/>
+          </a:xfrm>
+        </p:spPr>
+        <p:txBody>
+          <a:bodyPr anchor="t"/>
+          <a:lstStyle>
+            <a:lvl1pPr marL="0" indent="0" algn="l">
+              <a:buNone/>
+              <a:defRPr sz="1600"/>
+            </a:lvl1pPr>
+            <a:lvl2pPr marL="457200" indent="0">
+              <a:buNone/>
+              <a:defRPr sz="1400"/>
+            </a:lvl2pPr>
+            <a:lvl3pPr marL="914400" indent="0">
+              <a:buNone/>
+              <a:defRPr sz="1200"/>
+            </a:lvl3pPr>
+            <a:lvl4pPr marL="1371600" indent="0">
+              <a:buNone/>
+              <a:defRPr sz="1000"/>
+            </a:lvl4pPr>
+            <a:lvl5pPr marL="1828800" indent="0">
+              <a:buNone/>
+              <a:defRPr sz="1000"/>
+            </a:lvl5pPr>
+            <a:lvl6pPr marL="2286000" indent="0">
+              <a:buNone/>
+              <a:defRPr sz="1000"/>
+            </a:lvl6pPr>
+            <a:lvl7pPr marL="2743200" indent="0">
+              <a:buNone/>
+              <a:defRPr sz="1000"/>
+            </a:lvl7pPr>
+            <a:lvl8pPr marL="3200400" indent="0">
+              <a:buNone/>
+              <a:defRPr sz="1000"/>
+            </a:lvl8pPr>
+            <a:lvl9pPr marL="3657600" indent="0">
+              <a:buNone/>
+              <a:defRPr sz="1000"/>
+            </a:lvl9pPr>
+          </a:lstStyle>
+          <a:p>
+            <a:pPr lvl="0"/>
+            <a:r>
+              <a:rPr lang="fr-FR" smtClean="0"/>
+              <a:t>Modifiez les styles du texte du masque</a:t>
+            </a:r>
+          </a:p>
+        </p:txBody>
+      </p:sp>
+      <p:sp>
+        <p:nvSpPr>
+          <p:cNvPr id="5" name="Date Placeholder 4"/>
+          <p:cNvSpPr>
+            <a:spLocks noGrp="1"/>
+          </p:cNvSpPr>
+          <p:nvPr>
+            <p:ph type="dt" sz="half" idx="10"/>
+          </p:nvPr>
+        </p:nvSpPr>
+        <p:spPr/>
+        <p:txBody>
+          <a:bodyPr/>
+          <a:lstStyle/>
+          <a:p>
+            <a:fld id="{B7587B24-865D-4771-9029-786DFBF8CB56}" type="datetimeFigureOut">
+              <a:rPr lang="fr-FR" smtClean="0"/>
+              <a:t>02/12/2024</a:t>
+            </a:fld>
+            <a:endParaRPr lang="fr-FR"/>
+          </a:p>
+        </p:txBody>
+      </p:sp>
+      <p:sp>
+        <p:nvSpPr>
+          <p:cNvPr id="6" name="Footer Placeholder 5"/>
+          <p:cNvSpPr>
+            <a:spLocks noGrp="1"/>
+          </p:cNvSpPr>
+          <p:nvPr>
+            <p:ph type="ftr" sz="quarter" idx="11"/>
+          </p:nvPr>
+        </p:nvSpPr>
+        <p:spPr/>
+        <p:txBody>
+          <a:bodyPr/>
+          <a:lstStyle/>
+          <a:p>
+            <a:endParaRPr lang="fr-FR"/>
+          </a:p>
+        </p:txBody>
+      </p:sp>
+      <p:sp>
+        <p:nvSpPr>
+          <p:cNvPr id="7" name="Slide Number Placeholder 6"/>
+          <p:cNvSpPr>
+            <a:spLocks noGrp="1"/>
+          </p:cNvSpPr>
+          <p:nvPr>
+            <p:ph type="sldNum" sz="quarter" idx="12"/>
+          </p:nvPr>
+        </p:nvSpPr>
+        <p:spPr/>
+        <p:txBody>
+          <a:bodyPr/>
+          <a:lstStyle/>
+          <a:p>
+            <a:fld id="{EB98EBDD-5AB4-45F0-9CFB-984F93C41A25}" type="slidenum">
+              <a:rPr lang="fr-FR" smtClean="0"/>
+              <a:t>‹N°›</a:t>
+            </a:fld>
+            <a:endParaRPr lang="fr-FR"/>
+          </a:p>
+        </p:txBody>
+      </p:sp>
+    </p:spTree>
+    <p:extLst>
+      <p:ext uri="{BB962C8B-B14F-4D97-AF65-F5344CB8AC3E}">
+        <p14:creationId xmlns:p14="http://schemas.microsoft.com/office/powerpoint/2010/main" val="3653428586"/>
+      </p:ext>
+    </p:extLst>
+  </p:cSld>
+  <p:clrMapOvr>
+    <a:masterClrMapping/>
+  </p:clrMapOvr>
+</p:sldLayout>
+</file>
+
+<file path=ppt/slideLayouts/slideLayout11.xml><?xml version="1.0" encoding="utf-8"?>
+<p:sldLayout xmlns:a="http://schemas.openxmlformats.org/drawingml/2006/main" xmlns:r="http://schemas.openxmlformats.org/officeDocument/2006/relationships" xmlns:p="http://schemas.openxmlformats.org/presentationml/2006/main" preserve="1">
+  <p:cSld name="Titre et légende">
+    <p:spTree>
+      <p:nvGrpSpPr>
+        <p:cNvPr id="1" name=""/>
+        <p:cNvGrpSpPr/>
+        <p:nvPr/>
+      </p:nvGrpSpPr>
+      <p:grpSpPr>
+        <a:xfrm>
+          <a:off x="0" y="0"/>
+          <a:ext cx="0" cy="0"/>
+          <a:chOff x="0" y="0"/>
+          <a:chExt cx="0" cy="0"/>
+        </a:xfrm>
+      </p:grpSpPr>
+      <p:sp>
+        <p:nvSpPr>
+          <p:cNvPr id="2" name="Title 1"/>
+          <p:cNvSpPr>
+            <a:spLocks noGrp="1"/>
+          </p:cNvSpPr>
+          <p:nvPr>
+            <p:ph type="title"/>
+          </p:nvPr>
+        </p:nvSpPr>
+        <p:spPr>
+          <a:xfrm>
+            <a:off x="685801" y="685800"/>
+            <a:ext cx="10396902" cy="3194903"/>
+          </a:xfrm>
+        </p:spPr>
+        <p:txBody>
+          <a:bodyPr anchor="ctr">
+            <a:normAutofit/>
+          </a:bodyPr>
+          <a:lstStyle>
+            <a:lvl1pPr algn="ctr">
+              <a:defRPr sz="4800"/>
+            </a:lvl1pPr>
+          </a:lstStyle>
+          <a:p>
+            <a:r>
+              <a:rPr lang="fr-FR" smtClean="0"/>
+              <a:t>Modifiez le style du titre</a:t>
+            </a:r>
+            <a:endParaRPr lang="en-US" dirty="0"/>
+          </a:p>
+        </p:txBody>
+      </p:sp>
+      <p:sp>
+        <p:nvSpPr>
+          <p:cNvPr id="4" name="Text Placeholder 3"/>
+          <p:cNvSpPr>
+            <a:spLocks noGrp="1"/>
+          </p:cNvSpPr>
+          <p:nvPr>
+            <p:ph type="body" sz="half" idx="2"/>
+          </p:nvPr>
+        </p:nvSpPr>
+        <p:spPr>
+          <a:xfrm>
+            <a:off x="685779" y="4106333"/>
+            <a:ext cx="10394729" cy="1273606"/>
+          </a:xfrm>
+        </p:spPr>
+        <p:txBody>
+          <a:bodyPr anchor="ctr">
+            <a:normAutofit/>
+          </a:bodyPr>
+          <a:lstStyle>
+            <a:lvl1pPr marL="0" indent="0" algn="ctr">
+              <a:buNone/>
+              <a:defRPr sz="1800"/>
+            </a:lvl1pPr>
+            <a:lvl2pPr marL="457200" indent="0">
+              <a:buNone/>
+              <a:defRPr sz="1400"/>
+            </a:lvl2pPr>
+            <a:lvl3pPr marL="914400" indent="0">
+              <a:buNone/>
+              <a:defRPr sz="1200"/>
+            </a:lvl3pPr>
+            <a:lvl4pPr marL="1371600" indent="0">
+              <a:buNone/>
+              <a:defRPr sz="1000"/>
+            </a:lvl4pPr>
+            <a:lvl5pPr marL="1828800" indent="0">
+              <a:buNone/>
+              <a:defRPr sz="1000"/>
+            </a:lvl5pPr>
+            <a:lvl6pPr marL="2286000" indent="0">
+              <a:buNone/>
+              <a:defRPr sz="1000"/>
+            </a:lvl6pPr>
+            <a:lvl7pPr marL="2743200" indent="0">
+              <a:buNone/>
+              <a:defRPr sz="1000"/>
+            </a:lvl7pPr>
+            <a:lvl8pPr marL="3200400" indent="0">
+              <a:buNone/>
+              <a:defRPr sz="1000"/>
+            </a:lvl8pPr>
+            <a:lvl9pPr marL="3657600" indent="0">
+              <a:buNone/>
+              <a:defRPr sz="1000"/>
+            </a:lvl9pPr>
+          </a:lstStyle>
+          <a:p>
+            <a:pPr lvl="0"/>
+            <a:r>
+              <a:rPr lang="fr-FR" smtClean="0"/>
+              <a:t>Modifiez les styles du texte du masque</a:t>
+            </a:r>
+          </a:p>
+        </p:txBody>
+      </p:sp>
+      <p:sp>
+        <p:nvSpPr>
+          <p:cNvPr id="5" name="Date Placeholder 4"/>
+          <p:cNvSpPr>
+            <a:spLocks noGrp="1"/>
+          </p:cNvSpPr>
+          <p:nvPr>
+            <p:ph type="dt" sz="half" idx="10"/>
+          </p:nvPr>
+        </p:nvSpPr>
+        <p:spPr/>
+        <p:txBody>
+          <a:bodyPr/>
+          <a:lstStyle/>
+          <a:p>
+            <a:fld id="{B7587B24-865D-4771-9029-786DFBF8CB56}" type="datetimeFigureOut">
+              <a:rPr lang="fr-FR" smtClean="0"/>
+              <a:t>02/12/2024</a:t>
+            </a:fld>
+            <a:endParaRPr lang="fr-FR"/>
+          </a:p>
+        </p:txBody>
+      </p:sp>
+      <p:sp>
+        <p:nvSpPr>
+          <p:cNvPr id="6" name="Footer Placeholder 5"/>
+          <p:cNvSpPr>
+            <a:spLocks noGrp="1"/>
+          </p:cNvSpPr>
+          <p:nvPr>
+            <p:ph type="ftr" sz="quarter" idx="11"/>
+          </p:nvPr>
+        </p:nvSpPr>
+        <p:spPr/>
+        <p:txBody>
+          <a:bodyPr/>
+          <a:lstStyle/>
+          <a:p>
+            <a:endParaRPr lang="fr-FR"/>
+          </a:p>
+        </p:txBody>
+      </p:sp>
+      <p:sp>
+        <p:nvSpPr>
+          <p:cNvPr id="7" name="Slide Number Placeholder 6"/>
+          <p:cNvSpPr>
+            <a:spLocks noGrp="1"/>
+          </p:cNvSpPr>
+          <p:nvPr>
+            <p:ph type="sldNum" sz="quarter" idx="12"/>
+          </p:nvPr>
+        </p:nvSpPr>
+        <p:spPr/>
+        <p:txBody>
+          <a:bodyPr/>
+          <a:lstStyle/>
+          <a:p>
+            <a:fld id="{EB98EBDD-5AB4-45F0-9CFB-984F93C41A25}" type="slidenum">
+              <a:rPr lang="fr-FR" smtClean="0"/>
+              <a:t>‹N°›</a:t>
+            </a:fld>
+            <a:endParaRPr lang="fr-FR"/>
+          </a:p>
+        </p:txBody>
+      </p:sp>
+    </p:spTree>
+    <p:extLst>
+      <p:ext uri="{BB962C8B-B14F-4D97-AF65-F5344CB8AC3E}">
+        <p14:creationId xmlns:p14="http://schemas.microsoft.com/office/powerpoint/2010/main" val="2410813511"/>
+      </p:ext>
+    </p:extLst>
+  </p:cSld>
+  <p:clrMapOvr>
+    <a:masterClrMapping/>
+  </p:clrMapOvr>
+</p:sldLayout>
+</file>
+
+<file path=ppt/slideLayouts/slideLayout12.xml><?xml version="1.0" encoding="utf-8"?>
+<p:sldLayout xmlns:a="http://schemas.openxmlformats.org/drawingml/2006/main" xmlns:r="http://schemas.openxmlformats.org/officeDocument/2006/relationships" xmlns:p="http://schemas.openxmlformats.org/presentationml/2006/main" preserve="1">
+  <p:cSld name="Citation avec légende">
+    <p:spTree>
+      <p:nvGrpSpPr>
+        <p:cNvPr id="1" name=""/>
+        <p:cNvGrpSpPr/>
+        <p:nvPr/>
+      </p:nvGrpSpPr>
+      <p:grpSpPr>
+        <a:xfrm>
+          <a:off x="0" y="0"/>
+          <a:ext cx="0" cy="0"/>
+          <a:chOff x="0" y="0"/>
+          <a:chExt cx="0" cy="0"/>
+        </a:xfrm>
+      </p:grpSpPr>
+      <p:sp>
+        <p:nvSpPr>
+          <p:cNvPr id="2" name="Title 1"/>
+          <p:cNvSpPr>
+            <a:spLocks noGrp="1"/>
+          </p:cNvSpPr>
+          <p:nvPr>
+            <p:ph type="title"/>
+          </p:nvPr>
+        </p:nvSpPr>
+        <p:spPr>
+          <a:xfrm>
+            <a:off x="1121732" y="685800"/>
+            <a:ext cx="9525020" cy="2916704"/>
+          </a:xfrm>
+        </p:spPr>
+        <p:txBody>
+          <a:bodyPr anchor="ctr">
+            <a:normAutofit/>
+          </a:bodyPr>
+          <a:lstStyle>
+            <a:lvl1pPr algn="ctr">
+              <a:defRPr sz="4800"/>
+            </a:lvl1pPr>
+          </a:lstStyle>
+          <a:p>
+            <a:r>
+              <a:rPr lang="fr-FR" smtClean="0"/>
+              <a:t>Modifiez le style du titre</a:t>
+            </a:r>
+            <a:endParaRPr lang="en-US" dirty="0"/>
+          </a:p>
+        </p:txBody>
+      </p:sp>
+      <p:sp>
+        <p:nvSpPr>
+          <p:cNvPr id="12" name="Text Placeholder 3"/>
+          <p:cNvSpPr>
+            <a:spLocks noGrp="1"/>
+          </p:cNvSpPr>
+          <p:nvPr>
+            <p:ph type="body" sz="half" idx="13"/>
+          </p:nvPr>
+        </p:nvSpPr>
+        <p:spPr>
+          <a:xfrm>
+            <a:off x="1550264" y="3610032"/>
+            <a:ext cx="8667956" cy="377768"/>
+          </a:xfrm>
+        </p:spPr>
+        <p:txBody>
+          <a:bodyPr anchor="t">
+            <a:normAutofit/>
+          </a:bodyPr>
+          <a:lstStyle>
+            <a:lvl1pPr marL="0" indent="0" algn="r">
+              <a:buNone/>
+              <a:defRPr sz="1400">
+                <a:solidFill>
+                  <a:schemeClr val="tx1">
+                    <a:lumMod val="50000"/>
+                    <a:lumOff val="50000"/>
+                  </a:schemeClr>
+                </a:solidFill>
+              </a:defRPr>
+            </a:lvl1pPr>
+            <a:lvl2pPr marL="457200" indent="0">
+              <a:buNone/>
+              <a:defRPr sz="1400"/>
+            </a:lvl2pPr>
+            <a:lvl3pPr marL="914400" indent="0">
+              <a:buNone/>
+              <a:defRPr sz="1200"/>
+            </a:lvl3pPr>
+            <a:lvl4pPr marL="1371600" indent="0">
+              <a:buNone/>
+              <a:defRPr sz="1000"/>
+            </a:lvl4pPr>
+            <a:lvl5pPr marL="1828800" indent="0">
+              <a:buNone/>
+              <a:defRPr sz="1000"/>
+            </a:lvl5pPr>
+            <a:lvl6pPr marL="2286000" indent="0">
+              <a:buNone/>
+              <a:defRPr sz="1000"/>
+            </a:lvl6pPr>
+            <a:lvl7pPr marL="2743200" indent="0">
+              <a:buNone/>
+              <a:defRPr sz="1000"/>
+            </a:lvl7pPr>
+            <a:lvl8pPr marL="3200400" indent="0">
+              <a:buNone/>
+              <a:defRPr sz="1000"/>
+            </a:lvl8pPr>
+            <a:lvl9pPr marL="3657600" indent="0">
+              <a:buNone/>
+              <a:defRPr sz="1000"/>
+            </a:lvl9pPr>
+          </a:lstStyle>
+          <a:p>
+            <a:pPr lvl="0"/>
+            <a:r>
+              <a:rPr lang="fr-FR" smtClean="0"/>
+              <a:t>Modifiez les styles du texte du masque</a:t>
+            </a:r>
+          </a:p>
+        </p:txBody>
+      </p:sp>
+      <p:sp>
+        <p:nvSpPr>
+          <p:cNvPr id="4" name="Text Placeholder 3"/>
+          <p:cNvSpPr>
+            <a:spLocks noGrp="1"/>
+          </p:cNvSpPr>
+          <p:nvPr>
+            <p:ph type="body" sz="half" idx="2"/>
+          </p:nvPr>
+        </p:nvSpPr>
+        <p:spPr>
+          <a:xfrm>
+            <a:off x="685801" y="4106334"/>
+            <a:ext cx="10396882" cy="1268252"/>
+          </a:xfrm>
+        </p:spPr>
+        <p:txBody>
+          <a:bodyPr anchor="ctr">
+            <a:normAutofit/>
+          </a:bodyPr>
+          <a:lstStyle>
+            <a:lvl1pPr marL="0" indent="0" algn="ctr">
+              <a:buNone/>
+              <a:defRPr sz="1800"/>
+            </a:lvl1pPr>
+            <a:lvl2pPr marL="457200" indent="0">
+              <a:buNone/>
+              <a:defRPr sz="1400"/>
+            </a:lvl2pPr>
+            <a:lvl3pPr marL="914400" indent="0">
+              <a:buNone/>
+              <a:defRPr sz="1200"/>
+            </a:lvl3pPr>
+            <a:lvl4pPr marL="1371600" indent="0">
+              <a:buNone/>
+              <a:defRPr sz="1000"/>
+            </a:lvl4pPr>
+            <a:lvl5pPr marL="1828800" indent="0">
+              <a:buNone/>
+              <a:defRPr sz="1000"/>
+            </a:lvl5pPr>
+            <a:lvl6pPr marL="2286000" indent="0">
+              <a:buNone/>
+              <a:defRPr sz="1000"/>
+            </a:lvl6pPr>
+            <a:lvl7pPr marL="2743200" indent="0">
+              <a:buNone/>
+              <a:defRPr sz="1000"/>
+            </a:lvl7pPr>
+            <a:lvl8pPr marL="3200400" indent="0">
+              <a:buNone/>
+              <a:defRPr sz="1000"/>
+            </a:lvl8pPr>
+            <a:lvl9pPr marL="3657600" indent="0">
+              <a:buNone/>
+              <a:defRPr sz="1000"/>
+            </a:lvl9pPr>
+          </a:lstStyle>
+          <a:p>
+            <a:pPr lvl="0"/>
+            <a:r>
+              <a:rPr lang="fr-FR" smtClean="0"/>
+              <a:t>Modifiez les styles du texte du masque</a:t>
+            </a:r>
+          </a:p>
+        </p:txBody>
+      </p:sp>
+      <p:sp>
+        <p:nvSpPr>
+          <p:cNvPr id="5" name="Date Placeholder 4"/>
+          <p:cNvSpPr>
+            <a:spLocks noGrp="1"/>
+          </p:cNvSpPr>
+          <p:nvPr>
+            <p:ph type="dt" sz="half" idx="10"/>
+          </p:nvPr>
+        </p:nvSpPr>
+        <p:spPr/>
+        <p:txBody>
+          <a:bodyPr/>
+          <a:lstStyle/>
+          <a:p>
+            <a:fld id="{B7587B24-865D-4771-9029-786DFBF8CB56}" type="datetimeFigureOut">
+              <a:rPr lang="fr-FR" smtClean="0"/>
+              <a:t>02/12/2024</a:t>
+            </a:fld>
+            <a:endParaRPr lang="fr-FR"/>
+          </a:p>
+        </p:txBody>
+      </p:sp>
+      <p:sp>
+        <p:nvSpPr>
+          <p:cNvPr id="6" name="Footer Placeholder 5"/>
+          <p:cNvSpPr>
+            <a:spLocks noGrp="1"/>
+          </p:cNvSpPr>
+          <p:nvPr>
+            <p:ph type="ftr" sz="quarter" idx="11"/>
+          </p:nvPr>
+        </p:nvSpPr>
+        <p:spPr/>
+        <p:txBody>
+          <a:bodyPr/>
+          <a:lstStyle/>
+          <a:p>
+            <a:endParaRPr lang="fr-FR"/>
+          </a:p>
+        </p:txBody>
+      </p:sp>
+      <p:sp>
+        <p:nvSpPr>
+          <p:cNvPr id="7" name="Slide Number Placeholder 6"/>
+          <p:cNvSpPr>
+            <a:spLocks noGrp="1"/>
+          </p:cNvSpPr>
+          <p:nvPr>
+            <p:ph type="sldNum" sz="quarter" idx="12"/>
+          </p:nvPr>
+        </p:nvSpPr>
+        <p:spPr/>
+        <p:txBody>
+          <a:bodyPr/>
+          <a:lstStyle/>
+          <a:p>
+            <a:fld id="{EB98EBDD-5AB4-45F0-9CFB-984F93C41A25}" type="slidenum">
+              <a:rPr lang="fr-FR" smtClean="0"/>
+              <a:t>‹N°›</a:t>
+            </a:fld>
+            <a:endParaRPr lang="fr-FR"/>
+          </a:p>
+        </p:txBody>
+      </p:sp>
+      <p:sp>
+        <p:nvSpPr>
+          <p:cNvPr id="13" name="TextBox 12"/>
+          <p:cNvSpPr txBox="1"/>
+          <p:nvPr/>
+        </p:nvSpPr>
+        <p:spPr>
+          <a:xfrm>
+            <a:off x="685801" y="892628"/>
+            <a:ext cx="609600" cy="584776"/>
+          </a:xfrm>
+          <a:prstGeom prst="rect">
+            <a:avLst/>
+          </a:prstGeom>
+        </p:spPr>
+        <p:txBody>
+          <a:bodyPr vert="horz" lIns="91440" tIns="45720" rIns="91440" bIns="45720" rtlCol="0" anchor="ctr">
+            <a:noAutofit/>
+          </a:bodyPr>
+          <a:lstStyle>
+            <a:lvl1pPr>
+              <a:spcBef>
+                <a:spcPct val="0"/>
+              </a:spcBef>
+              <a:buNone/>
+              <a:defRPr sz="3200" b="0" cap="all">
+                <a:ln w="3175" cmpd="sng">
+                  <a:noFill/>
+                </a:ln>
+                <a:effectLst>
+                  <a:glow rad="38100">
+                    <a:schemeClr val="bg1">
+                      <a:lumMod val="65000"/>
+                      <a:lumOff val="35000"/>
+                      <a:alpha val="40000"/>
+                    </a:schemeClr>
+                  </a:glow>
+                  <a:outerShdw blurRad="28575" dist="38100" dir="14040000" algn="tl" rotWithShape="0">
+                    <a:srgbClr val="000000">
+                      <a:alpha val="25000"/>
+                    </a:srgbClr>
+                  </a:outerShdw>
+                </a:effectLst>
+              </a:defRPr>
+            </a:lvl1pPr>
+            <a:lvl2pPr>
+              <a:defRPr>
+                <a:solidFill>
+                  <a:schemeClr val="tx2"/>
+                </a:solidFill>
+              </a:defRPr>
+            </a:lvl2pPr>
+            <a:lvl3pPr>
+              <a:defRPr>
+                <a:solidFill>
+                  <a:schemeClr val="tx2"/>
+                </a:solidFill>
+              </a:defRPr>
+            </a:lvl3pPr>
+            <a:lvl4pPr>
+              <a:defRPr>
+                <a:solidFill>
+                  <a:schemeClr val="tx2"/>
+                </a:solidFill>
+              </a:defRPr>
+            </a:lvl4pPr>
+            <a:lvl5pPr>
+              <a:defRPr>
+                <a:solidFill>
+                  <a:schemeClr val="tx2"/>
+                </a:solidFill>
+              </a:defRPr>
+            </a:lvl5pPr>
+            <a:lvl6pPr>
+              <a:defRPr>
+                <a:solidFill>
+                  <a:schemeClr val="tx2"/>
+                </a:solidFill>
+              </a:defRPr>
+            </a:lvl6pPr>
+            <a:lvl7pPr>
+              <a:defRPr>
+                <a:solidFill>
+                  <a:schemeClr val="tx2"/>
+                </a:solidFill>
+              </a:defRPr>
+            </a:lvl7pPr>
+            <a:lvl8pPr>
+              <a:defRPr>
+                <a:solidFill>
+                  <a:schemeClr val="tx2"/>
+                </a:solidFill>
+              </a:defRPr>
+            </a:lvl8pPr>
+            <a:lvl9pPr>
+              <a:defRPr>
+                <a:solidFill>
+                  <a:schemeClr val="tx2"/>
+                </a:solidFill>
+              </a:defRPr>
+            </a:lvl9pPr>
+          </a:lstStyle>
+          <a:p>
+            <a:pPr lvl="0"/>
+            <a:r>
+              <a:rPr lang="en-US" sz="8000" dirty="0">
+                <a:solidFill>
+                  <a:schemeClr val="tx1"/>
+                </a:solidFill>
+                <a:effectLst/>
+              </a:rPr>
+              <a:t>“</a:t>
+            </a:r>
+          </a:p>
+        </p:txBody>
+      </p:sp>
+      <p:sp>
+        <p:nvSpPr>
+          <p:cNvPr id="14" name="TextBox 13"/>
+          <p:cNvSpPr txBox="1"/>
+          <p:nvPr/>
+        </p:nvSpPr>
+        <p:spPr>
+          <a:xfrm>
+            <a:off x="10473083" y="2922827"/>
+            <a:ext cx="609600" cy="584776"/>
+          </a:xfrm>
+          <a:prstGeom prst="rect">
+            <a:avLst/>
+          </a:prstGeom>
+        </p:spPr>
+        <p:txBody>
+          <a:bodyPr vert="horz" lIns="91440" tIns="45720" rIns="91440" bIns="45720" rtlCol="0" anchor="ctr">
+            <a:noAutofit/>
+          </a:bodyPr>
+          <a:lstStyle>
+            <a:lvl1pPr>
+              <a:spcBef>
+                <a:spcPct val="0"/>
+              </a:spcBef>
+              <a:buNone/>
+              <a:defRPr sz="3200" b="0" cap="all">
+                <a:ln w="3175" cmpd="sng">
+                  <a:noFill/>
+                </a:ln>
+                <a:effectLst>
+                  <a:glow rad="38100">
+                    <a:schemeClr val="bg1">
+                      <a:lumMod val="65000"/>
+                      <a:lumOff val="35000"/>
+                      <a:alpha val="40000"/>
+                    </a:schemeClr>
+                  </a:glow>
+                  <a:outerShdw blurRad="28575" dist="38100" dir="14040000" algn="tl" rotWithShape="0">
+                    <a:srgbClr val="000000">
+                      <a:alpha val="25000"/>
+                    </a:srgbClr>
+                  </a:outerShdw>
+                </a:effectLst>
+              </a:defRPr>
+            </a:lvl1pPr>
+            <a:lvl2pPr>
+              <a:defRPr>
+                <a:solidFill>
+                  <a:schemeClr val="tx2"/>
+                </a:solidFill>
+              </a:defRPr>
+            </a:lvl2pPr>
+            <a:lvl3pPr>
+              <a:defRPr>
+                <a:solidFill>
+                  <a:schemeClr val="tx2"/>
+                </a:solidFill>
+              </a:defRPr>
+            </a:lvl3pPr>
+            <a:lvl4pPr>
+              <a:defRPr>
+                <a:solidFill>
+                  <a:schemeClr val="tx2"/>
+                </a:solidFill>
+              </a:defRPr>
+            </a:lvl4pPr>
+            <a:lvl5pPr>
+              <a:defRPr>
+                <a:solidFill>
+                  <a:schemeClr val="tx2"/>
+                </a:solidFill>
+              </a:defRPr>
+            </a:lvl5pPr>
+            <a:lvl6pPr>
+              <a:defRPr>
+                <a:solidFill>
+                  <a:schemeClr val="tx2"/>
+                </a:solidFill>
+              </a:defRPr>
+            </a:lvl6pPr>
+            <a:lvl7pPr>
+              <a:defRPr>
+                <a:solidFill>
+                  <a:schemeClr val="tx2"/>
+                </a:solidFill>
+              </a:defRPr>
+            </a:lvl7pPr>
+            <a:lvl8pPr>
+              <a:defRPr>
+                <a:solidFill>
+                  <a:schemeClr val="tx2"/>
+                </a:solidFill>
+              </a:defRPr>
+            </a:lvl8pPr>
+            <a:lvl9pPr>
+              <a:defRPr>
+                <a:solidFill>
+                  <a:schemeClr val="tx2"/>
+                </a:solidFill>
+              </a:defRPr>
+            </a:lvl9pPr>
+          </a:lstStyle>
+          <a:p>
+            <a:pPr lvl="0" algn="r"/>
+            <a:r>
+              <a:rPr lang="en-US" sz="8000" dirty="0">
+                <a:solidFill>
+                  <a:schemeClr val="tx1"/>
+                </a:solidFill>
+                <a:effectLst/>
+              </a:rPr>
+              <a:t>”</a:t>
+            </a:r>
+          </a:p>
+        </p:txBody>
+      </p:sp>
+    </p:spTree>
+    <p:extLst>
+      <p:ext uri="{BB962C8B-B14F-4D97-AF65-F5344CB8AC3E}">
+        <p14:creationId xmlns:p14="http://schemas.microsoft.com/office/powerpoint/2010/main" val="613462828"/>
+      </p:ext>
+    </p:extLst>
+  </p:cSld>
+  <p:clrMapOvr>
+    <a:masterClrMapping/>
+  </p:clrMapOvr>
+</p:sldLayout>
+</file>
+
+<file path=ppt/slideLayouts/slideLayout13.xml><?xml version="1.0" encoding="utf-8"?>
+<p:sldLayout xmlns:a="http://schemas.openxmlformats.org/drawingml/2006/main" xmlns:r="http://schemas.openxmlformats.org/officeDocument/2006/relationships" xmlns:p="http://schemas.openxmlformats.org/presentationml/2006/main" preserve="1">
+  <p:cSld name="Carte nom">
+    <p:spTree>
+      <p:nvGrpSpPr>
+        <p:cNvPr id="1" name=""/>
+        <p:cNvGrpSpPr/>
+        <p:nvPr/>
+      </p:nvGrpSpPr>
+      <p:grpSpPr>
+        <a:xfrm>
+          <a:off x="0" y="0"/>
+          <a:ext cx="0" cy="0"/>
+          <a:chOff x="0" y="0"/>
+          <a:chExt cx="0" cy="0"/>
+        </a:xfrm>
+      </p:grpSpPr>
+      <p:sp>
+        <p:nvSpPr>
+          <p:cNvPr id="2" name="Title 1"/>
+          <p:cNvSpPr>
+            <a:spLocks noGrp="1"/>
+          </p:cNvSpPr>
+          <p:nvPr>
+            <p:ph type="title"/>
+          </p:nvPr>
+        </p:nvSpPr>
+        <p:spPr>
+          <a:xfrm>
+            <a:off x="685800" y="1723854"/>
+            <a:ext cx="10394707" cy="2511835"/>
+          </a:xfrm>
+        </p:spPr>
+        <p:txBody>
+          <a:bodyPr anchor="b">
+            <a:normAutofit/>
+          </a:bodyPr>
+          <a:lstStyle>
+            <a:lvl1pPr algn="l">
+              <a:defRPr sz="4800"/>
+            </a:lvl1pPr>
+          </a:lstStyle>
+          <a:p>
+            <a:r>
+              <a:rPr lang="fr-FR" smtClean="0"/>
+              <a:t>Modifiez le style du titre</a:t>
+            </a:r>
+            <a:endParaRPr lang="en-US" dirty="0"/>
+          </a:p>
+        </p:txBody>
+      </p:sp>
+      <p:sp>
+        <p:nvSpPr>
+          <p:cNvPr id="4" name="Text Placeholder 3"/>
+          <p:cNvSpPr>
+            <a:spLocks noGrp="1"/>
+          </p:cNvSpPr>
+          <p:nvPr>
+            <p:ph type="body" sz="half" idx="2"/>
+          </p:nvPr>
+        </p:nvSpPr>
+        <p:spPr>
+          <a:xfrm>
+            <a:off x="685800" y="4247468"/>
+            <a:ext cx="10394707" cy="1140644"/>
+          </a:xfrm>
+        </p:spPr>
+        <p:txBody>
+          <a:bodyPr anchor="t">
+            <a:normAutofit/>
+          </a:bodyPr>
+          <a:lstStyle>
+            <a:lvl1pPr marL="0" indent="0" algn="l">
+              <a:buNone/>
+              <a:defRPr sz="1800"/>
+            </a:lvl1pPr>
+            <a:lvl2pPr marL="457200" indent="0">
+              <a:buNone/>
+              <a:defRPr sz="1400"/>
+            </a:lvl2pPr>
+            <a:lvl3pPr marL="914400" indent="0">
+              <a:buNone/>
+              <a:defRPr sz="1200"/>
+            </a:lvl3pPr>
+            <a:lvl4pPr marL="1371600" indent="0">
+              <a:buNone/>
+              <a:defRPr sz="1000"/>
+            </a:lvl4pPr>
+            <a:lvl5pPr marL="1828800" indent="0">
+              <a:buNone/>
+              <a:defRPr sz="1000"/>
+            </a:lvl5pPr>
+            <a:lvl6pPr marL="2286000" indent="0">
+              <a:buNone/>
+              <a:defRPr sz="1000"/>
+            </a:lvl6pPr>
+            <a:lvl7pPr marL="2743200" indent="0">
+              <a:buNone/>
+              <a:defRPr sz="1000"/>
+            </a:lvl7pPr>
+            <a:lvl8pPr marL="3200400" indent="0">
+              <a:buNone/>
+              <a:defRPr sz="1000"/>
+            </a:lvl8pPr>
+            <a:lvl9pPr marL="3657600" indent="0">
+              <a:buNone/>
+              <a:defRPr sz="1000"/>
+            </a:lvl9pPr>
+          </a:lstStyle>
+          <a:p>
+            <a:pPr lvl="0"/>
+            <a:r>
+              <a:rPr lang="fr-FR" smtClean="0"/>
+              <a:t>Modifiez les styles du texte du masque</a:t>
+            </a:r>
+          </a:p>
+        </p:txBody>
+      </p:sp>
+      <p:sp>
+        <p:nvSpPr>
+          <p:cNvPr id="5" name="Date Placeholder 4"/>
+          <p:cNvSpPr>
+            <a:spLocks noGrp="1"/>
+          </p:cNvSpPr>
+          <p:nvPr>
+            <p:ph type="dt" sz="half" idx="10"/>
+          </p:nvPr>
+        </p:nvSpPr>
+        <p:spPr/>
+        <p:txBody>
+          <a:bodyPr/>
+          <a:lstStyle/>
+          <a:p>
+            <a:fld id="{B7587B24-865D-4771-9029-786DFBF8CB56}" type="datetimeFigureOut">
+              <a:rPr lang="fr-FR" smtClean="0"/>
+              <a:t>02/12/2024</a:t>
+            </a:fld>
+            <a:endParaRPr lang="fr-FR"/>
+          </a:p>
+        </p:txBody>
+      </p:sp>
+      <p:sp>
+        <p:nvSpPr>
+          <p:cNvPr id="6" name="Footer Placeholder 5"/>
+          <p:cNvSpPr>
+            <a:spLocks noGrp="1"/>
+          </p:cNvSpPr>
+          <p:nvPr>
+            <p:ph type="ftr" sz="quarter" idx="11"/>
+          </p:nvPr>
+        </p:nvSpPr>
+        <p:spPr/>
+        <p:txBody>
+          <a:bodyPr/>
+          <a:lstStyle/>
+          <a:p>
+            <a:endParaRPr lang="fr-FR"/>
+          </a:p>
+        </p:txBody>
+      </p:sp>
+      <p:sp>
+        <p:nvSpPr>
+          <p:cNvPr id="7" name="Slide Number Placeholder 6"/>
+          <p:cNvSpPr>
+            <a:spLocks noGrp="1"/>
+          </p:cNvSpPr>
+          <p:nvPr>
+            <p:ph type="sldNum" sz="quarter" idx="12"/>
+          </p:nvPr>
+        </p:nvSpPr>
+        <p:spPr/>
+        <p:txBody>
+          <a:bodyPr/>
+          <a:lstStyle/>
+          <a:p>
+            <a:fld id="{EB98EBDD-5AB4-45F0-9CFB-984F93C41A25}" type="slidenum">
+              <a:rPr lang="fr-FR" smtClean="0"/>
+              <a:t>‹N°›</a:t>
+            </a:fld>
+            <a:endParaRPr lang="fr-FR"/>
+          </a:p>
+        </p:txBody>
+      </p:sp>
+    </p:spTree>
+    <p:extLst>
+      <p:ext uri="{BB962C8B-B14F-4D97-AF65-F5344CB8AC3E}">
+        <p14:creationId xmlns:p14="http://schemas.microsoft.com/office/powerpoint/2010/main" val="3583953376"/>
+      </p:ext>
+    </p:extLst>
+  </p:cSld>
+  <p:clrMapOvr>
+    <a:masterClrMapping/>
+  </p:clrMapOvr>
+</p:sldLayout>
+</file>
+
+<file path=ppt/slideLayouts/slideLayout14.xml><?xml version="1.0" encoding="utf-8"?>
+<p:sldLayout xmlns:a="http://schemas.openxmlformats.org/drawingml/2006/main" xmlns:r="http://schemas.openxmlformats.org/officeDocument/2006/relationships" xmlns:p="http://schemas.openxmlformats.org/presentationml/2006/main" preserve="1">
+  <p:cSld name="3 colonnes">
+    <p:spTree>
+      <p:nvGrpSpPr>
+        <p:cNvPr id="1" name=""/>
+        <p:cNvGrpSpPr/>
+        <p:nvPr/>
+      </p:nvGrpSpPr>
+      <p:grpSpPr>
+        <a:xfrm>
+          <a:off x="0" y="0"/>
+          <a:ext cx="0" cy="0"/>
+          <a:chOff x="0" y="0"/>
+          <a:chExt cx="0" cy="0"/>
+        </a:xfrm>
+      </p:grpSpPr>
+      <p:sp>
+        <p:nvSpPr>
+          <p:cNvPr id="15" name="Title 1"/>
+          <p:cNvSpPr>
+            <a:spLocks noGrp="1"/>
+          </p:cNvSpPr>
+          <p:nvPr>
+            <p:ph type="title"/>
+          </p:nvPr>
+        </p:nvSpPr>
+        <p:spPr>
+          <a:xfrm>
+            <a:off x="685802" y="685800"/>
+            <a:ext cx="10394706" cy="1151965"/>
+          </a:xfrm>
+        </p:spPr>
+        <p:txBody>
+          <a:bodyPr/>
+          <a:lstStyle>
+            <a:lvl1pPr algn="ctr">
+              <a:defRPr/>
+            </a:lvl1pPr>
+          </a:lstStyle>
+          <a:p>
+            <a:r>
+              <a:rPr lang="fr-FR" smtClean="0"/>
+              <a:t>Modifiez le style du titre</a:t>
+            </a:r>
+            <a:endParaRPr lang="en-US" dirty="0"/>
+          </a:p>
+        </p:txBody>
+      </p:sp>
+      <p:sp>
+        <p:nvSpPr>
+          <p:cNvPr id="7" name="Text Placeholder 2"/>
+          <p:cNvSpPr>
+            <a:spLocks noGrp="1"/>
+          </p:cNvSpPr>
+          <p:nvPr>
+            <p:ph type="body" idx="1"/>
+          </p:nvPr>
+        </p:nvSpPr>
+        <p:spPr>
+          <a:xfrm>
+            <a:off x="685802" y="2063395"/>
+            <a:ext cx="3310128" cy="576262"/>
+          </a:xfrm>
+        </p:spPr>
+        <p:txBody>
+          <a:bodyPr anchor="b">
+            <a:noAutofit/>
+          </a:bodyPr>
+          <a:lstStyle>
+            <a:lvl1pPr marL="0" indent="0" algn="ctr">
+              <a:lnSpc>
+                <a:spcPct val="90000"/>
+              </a:lnSpc>
+              <a:buNone/>
+              <a:defRPr sz="2400" b="0">
+                <a:solidFill>
+                  <a:schemeClr val="accent1"/>
+                </a:solidFill>
+              </a:defRPr>
+            </a:lvl1pPr>
+            <a:lvl2pPr marL="457200" indent="0">
+              <a:buNone/>
+              <a:defRPr sz="2000" b="1"/>
+            </a:lvl2pPr>
+            <a:lvl3pPr marL="914400" indent="0">
+              <a:buNone/>
+              <a:defRPr sz="1800" b="1"/>
+            </a:lvl3pPr>
+            <a:lvl4pPr marL="1371600" indent="0">
+              <a:buNone/>
+              <a:defRPr sz="1600" b="1"/>
+            </a:lvl4pPr>
+            <a:lvl5pPr marL="1828800" indent="0">
+              <a:buNone/>
+              <a:defRPr sz="1600" b="1"/>
+            </a:lvl5pPr>
+            <a:lvl6pPr marL="2286000" indent="0">
+              <a:buNone/>
+              <a:defRPr sz="1600" b="1"/>
+            </a:lvl6pPr>
+            <a:lvl7pPr marL="2743200" indent="0">
+              <a:buNone/>
+              <a:defRPr sz="1600" b="1"/>
+            </a:lvl7pPr>
+            <a:lvl8pPr marL="3200400" indent="0">
+              <a:buNone/>
+              <a:defRPr sz="1600" b="1"/>
+            </a:lvl8pPr>
+            <a:lvl9pPr marL="3657600" indent="0">
+              <a:buNone/>
+              <a:defRPr sz="1600" b="1"/>
+            </a:lvl9pPr>
+          </a:lstStyle>
+          <a:p>
+            <a:pPr lvl="0"/>
+            <a:r>
+              <a:rPr lang="fr-FR" smtClean="0"/>
+              <a:t>Modifiez les styles du texte du masque</a:t>
+            </a:r>
+          </a:p>
+        </p:txBody>
+      </p:sp>
+      <p:sp>
+        <p:nvSpPr>
+          <p:cNvPr id="8" name="Text Placeholder 3"/>
+          <p:cNvSpPr>
+            <a:spLocks noGrp="1"/>
+          </p:cNvSpPr>
+          <p:nvPr>
+            <p:ph type="body" sz="half" idx="15"/>
+          </p:nvPr>
+        </p:nvSpPr>
+        <p:spPr>
+          <a:xfrm>
+            <a:off x="685802" y="2639658"/>
+            <a:ext cx="3310128" cy="2734928"/>
+          </a:xfrm>
+        </p:spPr>
+        <p:txBody>
+          <a:bodyPr anchor="t">
+            <a:normAutofit/>
+          </a:bodyPr>
+          <a:lstStyle>
+            <a:lvl1pPr marL="0" indent="0" algn="ctr">
+              <a:buNone/>
+              <a:defRPr sz="1400"/>
+            </a:lvl1pPr>
+            <a:lvl2pPr marL="457200" indent="0">
+              <a:buNone/>
+              <a:defRPr sz="1200"/>
+            </a:lvl2pPr>
+            <a:lvl3pPr marL="914400" indent="0">
+              <a:buNone/>
+              <a:defRPr sz="1000"/>
+            </a:lvl3pPr>
+            <a:lvl4pPr marL="1371600" indent="0">
+              <a:buNone/>
+              <a:defRPr sz="900"/>
+            </a:lvl4pPr>
+            <a:lvl5pPr marL="1828800" indent="0">
+              <a:buNone/>
+              <a:defRPr sz="900"/>
+            </a:lvl5pPr>
+            <a:lvl6pPr marL="2286000" indent="0">
+              <a:buNone/>
+              <a:defRPr sz="900"/>
+            </a:lvl6pPr>
+            <a:lvl7pPr marL="2743200" indent="0">
+              <a:buNone/>
+              <a:defRPr sz="900"/>
+            </a:lvl7pPr>
+            <a:lvl8pPr marL="3200400" indent="0">
+              <a:buNone/>
+              <a:defRPr sz="900"/>
+            </a:lvl8pPr>
+            <a:lvl9pPr marL="3657600" indent="0">
+              <a:buNone/>
+              <a:defRPr sz="900"/>
+            </a:lvl9pPr>
+          </a:lstStyle>
+          <a:p>
+            <a:pPr lvl="0"/>
+            <a:r>
+              <a:rPr lang="fr-FR" smtClean="0"/>
+              <a:t>Modifiez les styles du texte du masque</a:t>
+            </a:r>
+          </a:p>
+        </p:txBody>
+      </p:sp>
+      <p:sp>
+        <p:nvSpPr>
+          <p:cNvPr id="9" name="Text Placeholder 4"/>
+          <p:cNvSpPr>
+            <a:spLocks noGrp="1"/>
+          </p:cNvSpPr>
+          <p:nvPr>
+            <p:ph type="body" sz="quarter" idx="3"/>
+          </p:nvPr>
+        </p:nvSpPr>
+        <p:spPr>
+          <a:xfrm>
+            <a:off x="4234622" y="2063395"/>
+            <a:ext cx="3310128" cy="576262"/>
+          </a:xfrm>
+        </p:spPr>
+        <p:txBody>
+          <a:bodyPr anchor="b">
+            <a:noAutofit/>
+          </a:bodyPr>
+          <a:lstStyle>
+            <a:lvl1pPr marL="0" indent="0" algn="ctr">
+              <a:lnSpc>
+                <a:spcPct val="90000"/>
+              </a:lnSpc>
+              <a:buNone/>
+              <a:defRPr sz="2400" b="0">
+                <a:solidFill>
+                  <a:schemeClr val="accent1"/>
+                </a:solidFill>
+              </a:defRPr>
+            </a:lvl1pPr>
+            <a:lvl2pPr marL="457200" indent="0">
+              <a:buNone/>
+              <a:defRPr sz="2000" b="1"/>
+            </a:lvl2pPr>
+            <a:lvl3pPr marL="914400" indent="0">
+              <a:buNone/>
+              <a:defRPr sz="1800" b="1"/>
+            </a:lvl3pPr>
+            <a:lvl4pPr marL="1371600" indent="0">
+              <a:buNone/>
+              <a:defRPr sz="1600" b="1"/>
+            </a:lvl4pPr>
+            <a:lvl5pPr marL="1828800" indent="0">
+              <a:buNone/>
+              <a:defRPr sz="1600" b="1"/>
+            </a:lvl5pPr>
+            <a:lvl6pPr marL="2286000" indent="0">
+              <a:buNone/>
+              <a:defRPr sz="1600" b="1"/>
+            </a:lvl6pPr>
+            <a:lvl7pPr marL="2743200" indent="0">
+              <a:buNone/>
+              <a:defRPr sz="1600" b="1"/>
+            </a:lvl7pPr>
+            <a:lvl8pPr marL="3200400" indent="0">
+              <a:buNone/>
+              <a:defRPr sz="1600" b="1"/>
+            </a:lvl8pPr>
+            <a:lvl9pPr marL="3657600" indent="0">
+              <a:buNone/>
+              <a:defRPr sz="1600" b="1"/>
+            </a:lvl9pPr>
+          </a:lstStyle>
+          <a:p>
+            <a:pPr lvl="0"/>
+            <a:r>
+              <a:rPr lang="fr-FR" smtClean="0"/>
+              <a:t>Modifiez les styles du texte du masque</a:t>
+            </a:r>
+          </a:p>
+        </p:txBody>
+      </p:sp>
+      <p:sp>
+        <p:nvSpPr>
+          <p:cNvPr id="10" name="Text Placeholder 3"/>
+          <p:cNvSpPr>
+            <a:spLocks noGrp="1"/>
+          </p:cNvSpPr>
+          <p:nvPr>
+            <p:ph type="body" sz="half" idx="16"/>
+          </p:nvPr>
+        </p:nvSpPr>
+        <p:spPr>
+          <a:xfrm>
+            <a:off x="4234621" y="2639658"/>
+            <a:ext cx="3310128" cy="2734928"/>
+          </a:xfrm>
+        </p:spPr>
+        <p:txBody>
+          <a:bodyPr anchor="t">
+            <a:normAutofit/>
+          </a:bodyPr>
+          <a:lstStyle>
+            <a:lvl1pPr marL="0" indent="0" algn="ctr">
+              <a:buNone/>
+              <a:defRPr sz="1400"/>
+            </a:lvl1pPr>
+            <a:lvl2pPr marL="457200" indent="0">
+              <a:buNone/>
+              <a:defRPr sz="1200"/>
+            </a:lvl2pPr>
+            <a:lvl3pPr marL="914400" indent="0">
+              <a:buNone/>
+              <a:defRPr sz="1000"/>
+            </a:lvl3pPr>
+            <a:lvl4pPr marL="1371600" indent="0">
+              <a:buNone/>
+              <a:defRPr sz="900"/>
+            </a:lvl4pPr>
+            <a:lvl5pPr marL="1828800" indent="0">
+              <a:buNone/>
+              <a:defRPr sz="900"/>
+            </a:lvl5pPr>
+            <a:lvl6pPr marL="2286000" indent="0">
+              <a:buNone/>
+              <a:defRPr sz="900"/>
+            </a:lvl6pPr>
+            <a:lvl7pPr marL="2743200" indent="0">
+              <a:buNone/>
+              <a:defRPr sz="900"/>
+            </a:lvl7pPr>
+            <a:lvl8pPr marL="3200400" indent="0">
+              <a:buNone/>
+              <a:defRPr sz="900"/>
+            </a:lvl8pPr>
+            <a:lvl9pPr marL="3657600" indent="0">
+              <a:buNone/>
+              <a:defRPr sz="900"/>
+            </a:lvl9pPr>
+          </a:lstStyle>
+          <a:p>
+            <a:pPr lvl="0"/>
+            <a:r>
+              <a:rPr lang="fr-FR" smtClean="0"/>
+              <a:t>Modifiez les styles du texte du masque</a:t>
+            </a:r>
+          </a:p>
+        </p:txBody>
+      </p:sp>
+      <p:sp>
+        <p:nvSpPr>
+          <p:cNvPr id="11" name="Text Placeholder 4"/>
+          <p:cNvSpPr>
+            <a:spLocks noGrp="1"/>
+          </p:cNvSpPr>
+          <p:nvPr>
+            <p:ph type="body" sz="quarter" idx="13"/>
+          </p:nvPr>
+        </p:nvSpPr>
+        <p:spPr>
+          <a:xfrm>
+            <a:off x="7770380" y="2063395"/>
+            <a:ext cx="3310128" cy="576262"/>
+          </a:xfrm>
+        </p:spPr>
+        <p:txBody>
+          <a:bodyPr anchor="b">
+            <a:noAutofit/>
+          </a:bodyPr>
+          <a:lstStyle>
+            <a:lvl1pPr marL="0" indent="0" algn="ctr">
+              <a:lnSpc>
+                <a:spcPct val="90000"/>
+              </a:lnSpc>
+              <a:buNone/>
+              <a:defRPr sz="2400" b="0">
+                <a:solidFill>
+                  <a:schemeClr val="accent1"/>
+                </a:solidFill>
+              </a:defRPr>
+            </a:lvl1pPr>
+            <a:lvl2pPr marL="457200" indent="0">
+              <a:buNone/>
+              <a:defRPr sz="2000" b="1"/>
+            </a:lvl2pPr>
+            <a:lvl3pPr marL="914400" indent="0">
+              <a:buNone/>
+              <a:defRPr sz="1800" b="1"/>
+            </a:lvl3pPr>
+            <a:lvl4pPr marL="1371600" indent="0">
+              <a:buNone/>
+              <a:defRPr sz="1600" b="1"/>
+            </a:lvl4pPr>
+            <a:lvl5pPr marL="1828800" indent="0">
+              <a:buNone/>
+              <a:defRPr sz="1600" b="1"/>
+            </a:lvl5pPr>
+            <a:lvl6pPr marL="2286000" indent="0">
+              <a:buNone/>
+              <a:defRPr sz="1600" b="1"/>
+            </a:lvl6pPr>
+            <a:lvl7pPr marL="2743200" indent="0">
+              <a:buNone/>
+              <a:defRPr sz="1600" b="1"/>
+            </a:lvl7pPr>
+            <a:lvl8pPr marL="3200400" indent="0">
+              <a:buNone/>
+              <a:defRPr sz="1600" b="1"/>
+            </a:lvl8pPr>
+            <a:lvl9pPr marL="3657600" indent="0">
+              <a:buNone/>
+              <a:defRPr sz="1600" b="1"/>
+            </a:lvl9pPr>
+          </a:lstStyle>
+          <a:p>
+            <a:pPr lvl="0"/>
+            <a:r>
+              <a:rPr lang="fr-FR" smtClean="0"/>
+              <a:t>Modifiez les styles du texte du masque</a:t>
+            </a:r>
+          </a:p>
+        </p:txBody>
+      </p:sp>
+      <p:sp>
+        <p:nvSpPr>
+          <p:cNvPr id="12" name="Text Placeholder 3"/>
+          <p:cNvSpPr>
+            <a:spLocks noGrp="1"/>
+          </p:cNvSpPr>
+          <p:nvPr>
+            <p:ph type="body" sz="half" idx="17"/>
+          </p:nvPr>
+        </p:nvSpPr>
+        <p:spPr>
+          <a:xfrm>
+            <a:off x="7770380" y="2639658"/>
+            <a:ext cx="3310128" cy="2734928"/>
+          </a:xfrm>
+        </p:spPr>
+        <p:txBody>
+          <a:bodyPr anchor="t">
+            <a:normAutofit/>
+          </a:bodyPr>
+          <a:lstStyle>
+            <a:lvl1pPr marL="0" indent="0" algn="ctr">
+              <a:buNone/>
+              <a:defRPr sz="1400"/>
+            </a:lvl1pPr>
+            <a:lvl2pPr marL="457200" indent="0">
+              <a:buNone/>
+              <a:defRPr sz="1200"/>
+            </a:lvl2pPr>
+            <a:lvl3pPr marL="914400" indent="0">
+              <a:buNone/>
+              <a:defRPr sz="1000"/>
+            </a:lvl3pPr>
+            <a:lvl4pPr marL="1371600" indent="0">
+              <a:buNone/>
+              <a:defRPr sz="900"/>
+            </a:lvl4pPr>
+            <a:lvl5pPr marL="1828800" indent="0">
+              <a:buNone/>
+              <a:defRPr sz="900"/>
+            </a:lvl5pPr>
+            <a:lvl6pPr marL="2286000" indent="0">
+              <a:buNone/>
+              <a:defRPr sz="900"/>
+            </a:lvl6pPr>
+            <a:lvl7pPr marL="2743200" indent="0">
+              <a:buNone/>
+              <a:defRPr sz="900"/>
+            </a:lvl7pPr>
+            <a:lvl8pPr marL="3200400" indent="0">
+              <a:buNone/>
+              <a:defRPr sz="900"/>
+            </a:lvl8pPr>
+            <a:lvl9pPr marL="3657600" indent="0">
+              <a:buNone/>
+              <a:defRPr sz="900"/>
+            </a:lvl9pPr>
+          </a:lstStyle>
+          <a:p>
+            <a:pPr lvl="0"/>
+            <a:r>
+              <a:rPr lang="fr-FR" smtClean="0"/>
+              <a:t>Modifiez les styles du texte du masque</a:t>
+            </a:r>
+          </a:p>
+        </p:txBody>
+      </p:sp>
+      <p:sp>
+        <p:nvSpPr>
+          <p:cNvPr id="3" name="Date Placeholder 2"/>
+          <p:cNvSpPr>
+            <a:spLocks noGrp="1"/>
+          </p:cNvSpPr>
+          <p:nvPr>
+            <p:ph type="dt" sz="half" idx="10"/>
+          </p:nvPr>
+        </p:nvSpPr>
+        <p:spPr/>
+        <p:txBody>
+          <a:bodyPr/>
+          <a:lstStyle/>
+          <a:p>
+            <a:fld id="{B7587B24-865D-4771-9029-786DFBF8CB56}" type="datetimeFigureOut">
+              <a:rPr lang="fr-FR" smtClean="0"/>
+              <a:t>02/12/2024</a:t>
+            </a:fld>
+            <a:endParaRPr lang="fr-FR"/>
+          </a:p>
+        </p:txBody>
+      </p:sp>
+      <p:sp>
+        <p:nvSpPr>
+          <p:cNvPr id="4" name="Footer Placeholder 3"/>
+          <p:cNvSpPr>
+            <a:spLocks noGrp="1"/>
+          </p:cNvSpPr>
+          <p:nvPr>
+            <p:ph type="ftr" sz="quarter" idx="11"/>
+          </p:nvPr>
+        </p:nvSpPr>
+        <p:spPr/>
+        <p:txBody>
+          <a:bodyPr/>
+          <a:lstStyle/>
+          <a:p>
+            <a:endParaRPr lang="fr-FR"/>
+          </a:p>
+        </p:txBody>
+      </p:sp>
+      <p:sp>
+        <p:nvSpPr>
+          <p:cNvPr id="5" name="Slide Number Placeholder 4"/>
+          <p:cNvSpPr>
+            <a:spLocks noGrp="1"/>
+          </p:cNvSpPr>
+          <p:nvPr>
+            <p:ph type="sldNum" sz="quarter" idx="12"/>
+          </p:nvPr>
+        </p:nvSpPr>
+        <p:spPr/>
+        <p:txBody>
+          <a:bodyPr/>
+          <a:lstStyle/>
+          <a:p>
+            <a:fld id="{EB98EBDD-5AB4-45F0-9CFB-984F93C41A25}" type="slidenum">
+              <a:rPr lang="fr-FR" smtClean="0"/>
+              <a:t>‹N°›</a:t>
+            </a:fld>
+            <a:endParaRPr lang="fr-FR"/>
+          </a:p>
+        </p:txBody>
+      </p:sp>
+    </p:spTree>
+    <p:extLst>
+      <p:ext uri="{BB962C8B-B14F-4D97-AF65-F5344CB8AC3E}">
+        <p14:creationId xmlns:p14="http://schemas.microsoft.com/office/powerpoint/2010/main" val="1788100579"/>
+      </p:ext>
+    </p:extLst>
+  </p:cSld>
+  <p:clrMapOvr>
+    <a:masterClrMapping/>
+  </p:clrMapOvr>
+</p:sldLayout>
+</file>
+
+<file path=ppt/slideLayouts/slideLayout15.xml><?xml version="1.0" encoding="utf-8"?>
+<p:sldLayout xmlns:a="http://schemas.openxmlformats.org/drawingml/2006/main" xmlns:r="http://schemas.openxmlformats.org/officeDocument/2006/relationships" xmlns:p="http://schemas.openxmlformats.org/presentationml/2006/main" preserve="1">
+  <p:cSld name="3 colonnes d’image">
+    <p:spTree>
+      <p:nvGrpSpPr>
+        <p:cNvPr id="1" name=""/>
+        <p:cNvGrpSpPr/>
+        <p:nvPr/>
+      </p:nvGrpSpPr>
+      <p:grpSpPr>
+        <a:xfrm>
+          <a:off x="0" y="0"/>
+          <a:ext cx="0" cy="0"/>
+          <a:chOff x="0" y="0"/>
+          <a:chExt cx="0" cy="0"/>
+        </a:xfrm>
+      </p:grpSpPr>
+      <p:sp>
+        <p:nvSpPr>
+          <p:cNvPr id="30" name="Title 1"/>
+          <p:cNvSpPr>
+            <a:spLocks noGrp="1"/>
+          </p:cNvSpPr>
+          <p:nvPr>
+            <p:ph type="title"/>
+          </p:nvPr>
+        </p:nvSpPr>
+        <p:spPr>
+          <a:xfrm>
+            <a:off x="685801" y="685800"/>
+            <a:ext cx="10396882" cy="1151965"/>
+          </a:xfrm>
+        </p:spPr>
+        <p:txBody>
+          <a:bodyPr/>
+          <a:lstStyle>
+            <a:lvl1pPr algn="ctr">
+              <a:defRPr/>
+            </a:lvl1pPr>
+          </a:lstStyle>
+          <a:p>
+            <a:r>
+              <a:rPr lang="fr-FR" smtClean="0"/>
+              <a:t>Modifiez le style du titre</a:t>
+            </a:r>
+            <a:endParaRPr lang="en-US" dirty="0"/>
+          </a:p>
+        </p:txBody>
+      </p:sp>
+      <p:sp>
+        <p:nvSpPr>
+          <p:cNvPr id="19" name="Text Placeholder 2"/>
+          <p:cNvSpPr>
+            <a:spLocks noGrp="1"/>
+          </p:cNvSpPr>
+          <p:nvPr>
+            <p:ph type="body" idx="1"/>
+          </p:nvPr>
+        </p:nvSpPr>
+        <p:spPr>
+          <a:xfrm>
+            <a:off x="691840" y="3813025"/>
+            <a:ext cx="3310128" cy="576262"/>
+          </a:xfrm>
+        </p:spPr>
+        <p:txBody>
+          <a:bodyPr anchor="b">
+            <a:noAutofit/>
+          </a:bodyPr>
+          <a:lstStyle>
+            <a:lvl1pPr marL="0" indent="0" algn="ctr">
+              <a:lnSpc>
+                <a:spcPct val="90000"/>
+              </a:lnSpc>
+              <a:buNone/>
+              <a:defRPr sz="2200" b="0">
+                <a:solidFill>
+                  <a:schemeClr val="accent1"/>
+                </a:solidFill>
+              </a:defRPr>
+            </a:lvl1pPr>
+            <a:lvl2pPr marL="457200" indent="0">
+              <a:buNone/>
+              <a:defRPr sz="2000" b="1"/>
+            </a:lvl2pPr>
+            <a:lvl3pPr marL="914400" indent="0">
+              <a:buNone/>
+              <a:defRPr sz="1800" b="1"/>
+            </a:lvl3pPr>
+            <a:lvl4pPr marL="1371600" indent="0">
+              <a:buNone/>
+              <a:defRPr sz="1600" b="1"/>
+            </a:lvl4pPr>
+            <a:lvl5pPr marL="1828800" indent="0">
+              <a:buNone/>
+              <a:defRPr sz="1600" b="1"/>
+            </a:lvl5pPr>
+            <a:lvl6pPr marL="2286000" indent="0">
+              <a:buNone/>
+              <a:defRPr sz="1600" b="1"/>
+            </a:lvl6pPr>
+            <a:lvl7pPr marL="2743200" indent="0">
+              <a:buNone/>
+              <a:defRPr sz="1600" b="1"/>
+            </a:lvl7pPr>
+            <a:lvl8pPr marL="3200400" indent="0">
+              <a:buNone/>
+              <a:defRPr sz="1600" b="1"/>
+            </a:lvl8pPr>
+            <a:lvl9pPr marL="3657600" indent="0">
+              <a:buNone/>
+              <a:defRPr sz="1600" b="1"/>
+            </a:lvl9pPr>
+          </a:lstStyle>
+          <a:p>
+            <a:pPr lvl="0"/>
+            <a:r>
+              <a:rPr lang="fr-FR" smtClean="0"/>
+              <a:t>Modifiez les styles du texte du masque</a:t>
+            </a:r>
+          </a:p>
+        </p:txBody>
+      </p:sp>
+      <p:sp>
+        <p:nvSpPr>
+          <p:cNvPr id="20" name="Picture Placeholder 2"/>
+          <p:cNvSpPr>
+            <a:spLocks noGrp="1" noChangeAspect="1"/>
+          </p:cNvSpPr>
+          <p:nvPr>
+            <p:ph type="pic" idx="15"/>
+          </p:nvPr>
+        </p:nvSpPr>
+        <p:spPr>
+          <a:xfrm>
+            <a:off x="685780" y="2063395"/>
+            <a:ext cx="3310128" cy="1536725"/>
+          </a:xfrm>
+          <a:prstGeom prst="roundRect">
+            <a:avLst>
+              <a:gd name="adj" fmla="val 0"/>
+            </a:avLst>
+          </a:prstGeom>
+          <a:ln w="57150" cmpd="thinThick">
+            <a:solidFill>
+              <a:schemeClr val="bg1">
+                <a:lumMod val="50000"/>
+              </a:schemeClr>
+            </a:solidFill>
+            <a:miter lim="800000"/>
+          </a:ln>
+        </p:spPr>
+        <p:txBody>
+          <a:bodyPr anchor="t">
+            <a:normAutofit/>
+          </a:bodyPr>
+          <a:lstStyle>
+            <a:lvl1pPr marL="0" indent="0" algn="ctr">
+              <a:buNone/>
+              <a:defRPr sz="1600"/>
+            </a:lvl1pPr>
+            <a:lvl2pPr marL="457200" indent="0">
+              <a:buNone/>
+              <a:defRPr sz="1600"/>
+            </a:lvl2pPr>
+            <a:lvl3pPr marL="914400" indent="0">
+              <a:buNone/>
+              <a:defRPr sz="1600"/>
+            </a:lvl3pPr>
+            <a:lvl4pPr marL="1371600" indent="0">
+              <a:buNone/>
+              <a:defRPr sz="1600"/>
+            </a:lvl4pPr>
+            <a:lvl5pPr marL="1828800" indent="0">
+              <a:buNone/>
+              <a:defRPr sz="1600"/>
+            </a:lvl5pPr>
+            <a:lvl6pPr marL="2286000" indent="0">
+              <a:buNone/>
+              <a:defRPr sz="1600"/>
+            </a:lvl6pPr>
+            <a:lvl7pPr marL="2743200" indent="0">
+              <a:buNone/>
+              <a:defRPr sz="1600"/>
+            </a:lvl7pPr>
+            <a:lvl8pPr marL="3200400" indent="0">
+              <a:buNone/>
+              <a:defRPr sz="1600"/>
+            </a:lvl8pPr>
+            <a:lvl9pPr marL="3657600" indent="0">
+              <a:buNone/>
+              <a:defRPr sz="1600"/>
+            </a:lvl9pPr>
+          </a:lstStyle>
+          <a:p>
+            <a:r>
+              <a:rPr lang="fr-FR" smtClean="0"/>
+              <a:t>Cliquez sur l'icône pour ajouter une image</a:t>
+            </a:r>
+            <a:endParaRPr lang="en-US" dirty="0"/>
+          </a:p>
+        </p:txBody>
+      </p:sp>
+      <p:sp>
+        <p:nvSpPr>
+          <p:cNvPr id="21" name="Text Placeholder 3"/>
+          <p:cNvSpPr>
+            <a:spLocks noGrp="1"/>
+          </p:cNvSpPr>
+          <p:nvPr>
+            <p:ph type="body" sz="half" idx="18"/>
+          </p:nvPr>
+        </p:nvSpPr>
+        <p:spPr>
+          <a:xfrm>
+            <a:off x="691840" y="4389287"/>
+            <a:ext cx="3310128" cy="985299"/>
+          </a:xfrm>
+        </p:spPr>
+        <p:txBody>
+          <a:bodyPr anchor="t">
+            <a:normAutofit/>
+          </a:bodyPr>
+          <a:lstStyle>
+            <a:lvl1pPr marL="0" indent="0" algn="ctr">
+              <a:buNone/>
+              <a:defRPr sz="1400"/>
+            </a:lvl1pPr>
+            <a:lvl2pPr marL="457200" indent="0">
+              <a:buNone/>
+              <a:defRPr sz="1200"/>
+            </a:lvl2pPr>
+            <a:lvl3pPr marL="914400" indent="0">
+              <a:buNone/>
+              <a:defRPr sz="1000"/>
+            </a:lvl3pPr>
+            <a:lvl4pPr marL="1371600" indent="0">
+              <a:buNone/>
+              <a:defRPr sz="900"/>
+            </a:lvl4pPr>
+            <a:lvl5pPr marL="1828800" indent="0">
+              <a:buNone/>
+              <a:defRPr sz="900"/>
+            </a:lvl5pPr>
+            <a:lvl6pPr marL="2286000" indent="0">
+              <a:buNone/>
+              <a:defRPr sz="900"/>
+            </a:lvl6pPr>
+            <a:lvl7pPr marL="2743200" indent="0">
+              <a:buNone/>
+              <a:defRPr sz="900"/>
+            </a:lvl7pPr>
+            <a:lvl8pPr marL="3200400" indent="0">
+              <a:buNone/>
+              <a:defRPr sz="900"/>
+            </a:lvl8pPr>
+            <a:lvl9pPr marL="3657600" indent="0">
+              <a:buNone/>
+              <a:defRPr sz="900"/>
+            </a:lvl9pPr>
+          </a:lstStyle>
+          <a:p>
+            <a:pPr lvl="0"/>
+            <a:r>
+              <a:rPr lang="fr-FR" smtClean="0"/>
+              <a:t>Modifiez les styles du texte du masque</a:t>
+            </a:r>
+          </a:p>
+        </p:txBody>
+      </p:sp>
+      <p:sp>
+        <p:nvSpPr>
+          <p:cNvPr id="22" name="Text Placeholder 4"/>
+          <p:cNvSpPr>
+            <a:spLocks noGrp="1"/>
+          </p:cNvSpPr>
+          <p:nvPr>
+            <p:ph type="body" sz="quarter" idx="3"/>
+          </p:nvPr>
+        </p:nvSpPr>
+        <p:spPr>
+          <a:xfrm>
+            <a:off x="4237410" y="3813025"/>
+            <a:ext cx="3310128" cy="576262"/>
+          </a:xfrm>
+        </p:spPr>
+        <p:txBody>
+          <a:bodyPr anchor="b">
+            <a:noAutofit/>
+          </a:bodyPr>
+          <a:lstStyle>
+            <a:lvl1pPr marL="0" indent="0" algn="ctr">
+              <a:lnSpc>
+                <a:spcPct val="90000"/>
+              </a:lnSpc>
+              <a:buNone/>
+              <a:defRPr sz="2200" b="0">
+                <a:solidFill>
+                  <a:schemeClr val="accent1"/>
+                </a:solidFill>
+              </a:defRPr>
+            </a:lvl1pPr>
+            <a:lvl2pPr marL="457200" indent="0">
+              <a:buNone/>
+              <a:defRPr sz="2000" b="1"/>
+            </a:lvl2pPr>
+            <a:lvl3pPr marL="914400" indent="0">
+              <a:buNone/>
+              <a:defRPr sz="1800" b="1"/>
+            </a:lvl3pPr>
+            <a:lvl4pPr marL="1371600" indent="0">
+              <a:buNone/>
+              <a:defRPr sz="1600" b="1"/>
+            </a:lvl4pPr>
+            <a:lvl5pPr marL="1828800" indent="0">
+              <a:buNone/>
+              <a:defRPr sz="1600" b="1"/>
+            </a:lvl5pPr>
+            <a:lvl6pPr marL="2286000" indent="0">
+              <a:buNone/>
+              <a:defRPr sz="1600" b="1"/>
+            </a:lvl6pPr>
+            <a:lvl7pPr marL="2743200" indent="0">
+              <a:buNone/>
+              <a:defRPr sz="1600" b="1"/>
+            </a:lvl7pPr>
+            <a:lvl8pPr marL="3200400" indent="0">
+              <a:buNone/>
+              <a:defRPr sz="1600" b="1"/>
+            </a:lvl8pPr>
+            <a:lvl9pPr marL="3657600" indent="0">
+              <a:buNone/>
+              <a:defRPr sz="1600" b="1"/>
+            </a:lvl9pPr>
+          </a:lstStyle>
+          <a:p>
+            <a:pPr lvl="0"/>
+            <a:r>
+              <a:rPr lang="fr-FR" smtClean="0"/>
+              <a:t>Modifiez les styles du texte du masque</a:t>
+            </a:r>
+          </a:p>
+        </p:txBody>
+      </p:sp>
+      <p:sp>
+        <p:nvSpPr>
+          <p:cNvPr id="23" name="Picture Placeholder 2"/>
+          <p:cNvSpPr>
+            <a:spLocks noGrp="1" noChangeAspect="1"/>
+          </p:cNvSpPr>
+          <p:nvPr>
+            <p:ph type="pic" idx="21"/>
+          </p:nvPr>
+        </p:nvSpPr>
+        <p:spPr>
+          <a:xfrm>
+            <a:off x="4235999" y="2063395"/>
+            <a:ext cx="3310128" cy="1535237"/>
+          </a:xfrm>
+          <a:prstGeom prst="roundRect">
+            <a:avLst>
+              <a:gd name="adj" fmla="val 0"/>
+            </a:avLst>
+          </a:prstGeom>
+          <a:ln w="57150" cmpd="thinThick">
+            <a:solidFill>
+              <a:schemeClr val="bg1">
+                <a:lumMod val="50000"/>
+              </a:schemeClr>
+            </a:solidFill>
+            <a:miter lim="800000"/>
+          </a:ln>
+        </p:spPr>
+        <p:txBody>
+          <a:bodyPr anchor="t">
+            <a:normAutofit/>
+          </a:bodyPr>
+          <a:lstStyle>
+            <a:lvl1pPr marL="0" indent="0" algn="ctr">
+              <a:buNone/>
+              <a:defRPr sz="1600"/>
+            </a:lvl1pPr>
+            <a:lvl2pPr marL="457200" indent="0">
+              <a:buNone/>
+              <a:defRPr sz="1600"/>
+            </a:lvl2pPr>
+            <a:lvl3pPr marL="914400" indent="0">
+              <a:buNone/>
+              <a:defRPr sz="1600"/>
+            </a:lvl3pPr>
+            <a:lvl4pPr marL="1371600" indent="0">
+              <a:buNone/>
+              <a:defRPr sz="1600"/>
+            </a:lvl4pPr>
+            <a:lvl5pPr marL="1828800" indent="0">
+              <a:buNone/>
+              <a:defRPr sz="1600"/>
+            </a:lvl5pPr>
+            <a:lvl6pPr marL="2286000" indent="0">
+              <a:buNone/>
+              <a:defRPr sz="1600"/>
+            </a:lvl6pPr>
+            <a:lvl7pPr marL="2743200" indent="0">
+              <a:buNone/>
+              <a:defRPr sz="1600"/>
+            </a:lvl7pPr>
+            <a:lvl8pPr marL="3200400" indent="0">
+              <a:buNone/>
+              <a:defRPr sz="1600"/>
+            </a:lvl8pPr>
+            <a:lvl9pPr marL="3657600" indent="0">
+              <a:buNone/>
+              <a:defRPr sz="1600"/>
+            </a:lvl9pPr>
+          </a:lstStyle>
+          <a:p>
+            <a:r>
+              <a:rPr lang="fr-FR" smtClean="0"/>
+              <a:t>Cliquez sur l'icône pour ajouter une image</a:t>
+            </a:r>
+            <a:endParaRPr lang="en-US" dirty="0"/>
+          </a:p>
+        </p:txBody>
+      </p:sp>
+      <p:sp>
+        <p:nvSpPr>
+          <p:cNvPr id="24" name="Text Placeholder 3"/>
+          <p:cNvSpPr>
+            <a:spLocks noGrp="1"/>
+          </p:cNvSpPr>
+          <p:nvPr>
+            <p:ph type="body" sz="half" idx="19"/>
+          </p:nvPr>
+        </p:nvSpPr>
+        <p:spPr>
+          <a:xfrm>
+            <a:off x="4235999" y="4389286"/>
+            <a:ext cx="3310128" cy="985300"/>
+          </a:xfrm>
+        </p:spPr>
+        <p:txBody>
+          <a:bodyPr anchor="t">
+            <a:normAutofit/>
+          </a:bodyPr>
+          <a:lstStyle>
+            <a:lvl1pPr marL="0" indent="0" algn="ctr">
+              <a:buNone/>
+              <a:defRPr sz="1400"/>
+            </a:lvl1pPr>
+            <a:lvl2pPr marL="457200" indent="0">
+              <a:buNone/>
+              <a:defRPr sz="1200"/>
+            </a:lvl2pPr>
+            <a:lvl3pPr marL="914400" indent="0">
+              <a:buNone/>
+              <a:defRPr sz="1000"/>
+            </a:lvl3pPr>
+            <a:lvl4pPr marL="1371600" indent="0">
+              <a:buNone/>
+              <a:defRPr sz="900"/>
+            </a:lvl4pPr>
+            <a:lvl5pPr marL="1828800" indent="0">
+              <a:buNone/>
+              <a:defRPr sz="900"/>
+            </a:lvl5pPr>
+            <a:lvl6pPr marL="2286000" indent="0">
+              <a:buNone/>
+              <a:defRPr sz="900"/>
+            </a:lvl6pPr>
+            <a:lvl7pPr marL="2743200" indent="0">
+              <a:buNone/>
+              <a:defRPr sz="900"/>
+            </a:lvl7pPr>
+            <a:lvl8pPr marL="3200400" indent="0">
+              <a:buNone/>
+              <a:defRPr sz="900"/>
+            </a:lvl8pPr>
+            <a:lvl9pPr marL="3657600" indent="0">
+              <a:buNone/>
+              <a:defRPr sz="900"/>
+            </a:lvl9pPr>
+          </a:lstStyle>
+          <a:p>
+            <a:pPr lvl="0"/>
+            <a:r>
+              <a:rPr lang="fr-FR" smtClean="0"/>
+              <a:t>Modifiez les styles du texte du masque</a:t>
+            </a:r>
+          </a:p>
+        </p:txBody>
+      </p:sp>
+      <p:sp>
+        <p:nvSpPr>
+          <p:cNvPr id="25" name="Text Placeholder 4"/>
+          <p:cNvSpPr>
+            <a:spLocks noGrp="1"/>
+          </p:cNvSpPr>
+          <p:nvPr>
+            <p:ph type="body" sz="quarter" idx="13"/>
+          </p:nvPr>
+        </p:nvSpPr>
+        <p:spPr>
+          <a:xfrm>
+            <a:off x="7768944" y="3813025"/>
+            <a:ext cx="3310128" cy="576262"/>
+          </a:xfrm>
+        </p:spPr>
+        <p:txBody>
+          <a:bodyPr anchor="b">
+            <a:noAutofit/>
+          </a:bodyPr>
+          <a:lstStyle>
+            <a:lvl1pPr marL="0" indent="0" algn="ctr">
+              <a:lnSpc>
+                <a:spcPct val="90000"/>
+              </a:lnSpc>
+              <a:buNone/>
+              <a:defRPr sz="2200" b="0">
+                <a:solidFill>
+                  <a:schemeClr val="accent1"/>
+                </a:solidFill>
+              </a:defRPr>
+            </a:lvl1pPr>
+            <a:lvl2pPr marL="457200" indent="0">
+              <a:buNone/>
+              <a:defRPr sz="2000" b="1"/>
+            </a:lvl2pPr>
+            <a:lvl3pPr marL="914400" indent="0">
+              <a:buNone/>
+              <a:defRPr sz="1800" b="1"/>
+            </a:lvl3pPr>
+            <a:lvl4pPr marL="1371600" indent="0">
+              <a:buNone/>
+              <a:defRPr sz="1600" b="1"/>
+            </a:lvl4pPr>
+            <a:lvl5pPr marL="1828800" indent="0">
+              <a:buNone/>
+              <a:defRPr sz="1600" b="1"/>
+            </a:lvl5pPr>
+            <a:lvl6pPr marL="2286000" indent="0">
+              <a:buNone/>
+              <a:defRPr sz="1600" b="1"/>
+            </a:lvl6pPr>
+            <a:lvl7pPr marL="2743200" indent="0">
+              <a:buNone/>
+              <a:defRPr sz="1600" b="1"/>
+            </a:lvl7pPr>
+            <a:lvl8pPr marL="3200400" indent="0">
+              <a:buNone/>
+              <a:defRPr sz="1600" b="1"/>
+            </a:lvl8pPr>
+            <a:lvl9pPr marL="3657600" indent="0">
+              <a:buNone/>
+              <a:defRPr sz="1600" b="1"/>
+            </a:lvl9pPr>
+          </a:lstStyle>
+          <a:p>
+            <a:pPr lvl="0"/>
+            <a:r>
+              <a:rPr lang="fr-FR" smtClean="0"/>
+              <a:t>Modifiez les styles du texte du masque</a:t>
+            </a:r>
+          </a:p>
+        </p:txBody>
+      </p:sp>
+      <p:sp>
+        <p:nvSpPr>
+          <p:cNvPr id="26" name="Picture Placeholder 2"/>
+          <p:cNvSpPr>
+            <a:spLocks noGrp="1" noChangeAspect="1"/>
+          </p:cNvSpPr>
+          <p:nvPr>
+            <p:ph type="pic" idx="22"/>
+          </p:nvPr>
+        </p:nvSpPr>
+        <p:spPr>
+          <a:xfrm>
+            <a:off x="7768819" y="2063394"/>
+            <a:ext cx="3310128" cy="1537196"/>
+          </a:xfrm>
+          <a:prstGeom prst="roundRect">
+            <a:avLst>
+              <a:gd name="adj" fmla="val 0"/>
+            </a:avLst>
+          </a:prstGeom>
+          <a:ln w="57150" cmpd="thinThick">
+            <a:solidFill>
+              <a:schemeClr val="bg1">
+                <a:lumMod val="50000"/>
+              </a:schemeClr>
+            </a:solidFill>
+            <a:miter lim="800000"/>
+          </a:ln>
+        </p:spPr>
+        <p:txBody>
+          <a:bodyPr anchor="t">
+            <a:normAutofit/>
+          </a:bodyPr>
+          <a:lstStyle>
+            <a:lvl1pPr marL="0" indent="0" algn="ctr">
+              <a:buNone/>
+              <a:defRPr sz="1600"/>
+            </a:lvl1pPr>
+            <a:lvl2pPr marL="457200" indent="0">
+              <a:buNone/>
+              <a:defRPr sz="1600"/>
+            </a:lvl2pPr>
+            <a:lvl3pPr marL="914400" indent="0">
+              <a:buNone/>
+              <a:defRPr sz="1600"/>
+            </a:lvl3pPr>
+            <a:lvl4pPr marL="1371600" indent="0">
+              <a:buNone/>
+              <a:defRPr sz="1600"/>
+            </a:lvl4pPr>
+            <a:lvl5pPr marL="1828800" indent="0">
+              <a:buNone/>
+              <a:defRPr sz="1600"/>
+            </a:lvl5pPr>
+            <a:lvl6pPr marL="2286000" indent="0">
+              <a:buNone/>
+              <a:defRPr sz="1600"/>
+            </a:lvl6pPr>
+            <a:lvl7pPr marL="2743200" indent="0">
+              <a:buNone/>
+              <a:defRPr sz="1600"/>
+            </a:lvl7pPr>
+            <a:lvl8pPr marL="3200400" indent="0">
+              <a:buNone/>
+              <a:defRPr sz="1600"/>
+            </a:lvl8pPr>
+            <a:lvl9pPr marL="3657600" indent="0">
+              <a:buNone/>
+              <a:defRPr sz="1600"/>
+            </a:lvl9pPr>
+          </a:lstStyle>
+          <a:p>
+            <a:r>
+              <a:rPr lang="fr-FR" smtClean="0"/>
+              <a:t>Cliquez sur l'icône pour ajouter une image</a:t>
+            </a:r>
+            <a:endParaRPr lang="en-US" dirty="0"/>
+          </a:p>
+        </p:txBody>
+      </p:sp>
+      <p:sp>
+        <p:nvSpPr>
+          <p:cNvPr id="27" name="Text Placeholder 3"/>
+          <p:cNvSpPr>
+            <a:spLocks noGrp="1"/>
+          </p:cNvSpPr>
+          <p:nvPr>
+            <p:ph type="body" sz="half" idx="20"/>
+          </p:nvPr>
+        </p:nvSpPr>
+        <p:spPr>
+          <a:xfrm>
+            <a:off x="7768819" y="4389284"/>
+            <a:ext cx="3310128" cy="985302"/>
+          </a:xfrm>
+        </p:spPr>
+        <p:txBody>
+          <a:bodyPr anchor="t">
+            <a:normAutofit/>
+          </a:bodyPr>
+          <a:lstStyle>
+            <a:lvl1pPr marL="0" indent="0" algn="ctr">
+              <a:buNone/>
+              <a:defRPr sz="1400"/>
+            </a:lvl1pPr>
+            <a:lvl2pPr marL="457200" indent="0">
+              <a:buNone/>
+              <a:defRPr sz="1200"/>
+            </a:lvl2pPr>
+            <a:lvl3pPr marL="914400" indent="0">
+              <a:buNone/>
+              <a:defRPr sz="1000"/>
+            </a:lvl3pPr>
+            <a:lvl4pPr marL="1371600" indent="0">
+              <a:buNone/>
+              <a:defRPr sz="900"/>
+            </a:lvl4pPr>
+            <a:lvl5pPr marL="1828800" indent="0">
+              <a:buNone/>
+              <a:defRPr sz="900"/>
+            </a:lvl5pPr>
+            <a:lvl6pPr marL="2286000" indent="0">
+              <a:buNone/>
+              <a:defRPr sz="900"/>
+            </a:lvl6pPr>
+            <a:lvl7pPr marL="2743200" indent="0">
+              <a:buNone/>
+              <a:defRPr sz="900"/>
+            </a:lvl7pPr>
+            <a:lvl8pPr marL="3200400" indent="0">
+              <a:buNone/>
+              <a:defRPr sz="900"/>
+            </a:lvl8pPr>
+            <a:lvl9pPr marL="3657600" indent="0">
+              <a:buNone/>
+              <a:defRPr sz="900"/>
+            </a:lvl9pPr>
+          </a:lstStyle>
+          <a:p>
+            <a:pPr lvl="0"/>
+            <a:r>
+              <a:rPr lang="fr-FR" smtClean="0"/>
+              <a:t>Modifiez les styles du texte du masque</a:t>
+            </a:r>
+          </a:p>
+        </p:txBody>
+      </p:sp>
+      <p:sp>
+        <p:nvSpPr>
+          <p:cNvPr id="3" name="Date Placeholder 2"/>
+          <p:cNvSpPr>
+            <a:spLocks noGrp="1"/>
+          </p:cNvSpPr>
+          <p:nvPr>
+            <p:ph type="dt" sz="half" idx="10"/>
+          </p:nvPr>
+        </p:nvSpPr>
+        <p:spPr/>
+        <p:txBody>
+          <a:bodyPr/>
+          <a:lstStyle/>
+          <a:p>
+            <a:fld id="{B7587B24-865D-4771-9029-786DFBF8CB56}" type="datetimeFigureOut">
+              <a:rPr lang="fr-FR" smtClean="0"/>
+              <a:t>02/12/2024</a:t>
+            </a:fld>
+            <a:endParaRPr lang="fr-FR"/>
+          </a:p>
+        </p:txBody>
+      </p:sp>
+      <p:sp>
+        <p:nvSpPr>
+          <p:cNvPr id="4" name="Footer Placeholder 3"/>
+          <p:cNvSpPr>
+            <a:spLocks noGrp="1"/>
+          </p:cNvSpPr>
+          <p:nvPr>
+            <p:ph type="ftr" sz="quarter" idx="11"/>
+          </p:nvPr>
+        </p:nvSpPr>
+        <p:spPr/>
+        <p:txBody>
+          <a:bodyPr/>
+          <a:lstStyle/>
+          <a:p>
+            <a:endParaRPr lang="fr-FR"/>
+          </a:p>
+        </p:txBody>
+      </p:sp>
+      <p:sp>
+        <p:nvSpPr>
+          <p:cNvPr id="5" name="Slide Number Placeholder 4"/>
+          <p:cNvSpPr>
+            <a:spLocks noGrp="1"/>
+          </p:cNvSpPr>
+          <p:nvPr>
+            <p:ph type="sldNum" sz="quarter" idx="12"/>
+          </p:nvPr>
+        </p:nvSpPr>
+        <p:spPr/>
+        <p:txBody>
+          <a:bodyPr/>
+          <a:lstStyle/>
+          <a:p>
+            <a:fld id="{EB98EBDD-5AB4-45F0-9CFB-984F93C41A25}" type="slidenum">
+              <a:rPr lang="fr-FR" smtClean="0"/>
+              <a:t>‹N°›</a:t>
+            </a:fld>
+            <a:endParaRPr lang="fr-FR"/>
+          </a:p>
+        </p:txBody>
+      </p:sp>
+    </p:spTree>
+    <p:extLst>
+      <p:ext uri="{BB962C8B-B14F-4D97-AF65-F5344CB8AC3E}">
+        <p14:creationId xmlns:p14="http://schemas.microsoft.com/office/powerpoint/2010/main" val="2809645844"/>
+      </p:ext>
+    </p:extLst>
+  </p:cSld>
+  <p:clrMapOvr>
+    <a:masterClrMapping/>
+  </p:clrMapOvr>
+</p:sldLayout>
+</file>
+
+<file path=ppt/slideLayouts/slideLayout16.xml><?xml version="1.0" encoding="utf-8"?>
 <p:sldLayout xmlns:a="http://schemas.openxmlformats.org/drawingml/2006/main" xmlns:r="http://schemas.openxmlformats.org/officeDocument/2006/relationships" xmlns:p="http://schemas.openxmlformats.org/presentationml/2006/main" type="vertTx" preserve="1">
   <p:cSld name="Titre et texte vertical">
     <p:spTree>
@@ -327,12 +3657,96 @@
       </p:grpSpPr>
       <p:sp>
         <p:nvSpPr>
-          <p:cNvPr id="2" name="Titre 1"/>
+          <p:cNvPr id="2" name="Title 1"/>
           <p:cNvSpPr>
             <a:spLocks noGrp="1"/>
           </p:cNvSpPr>
           <p:nvPr>
             <p:ph type="title"/>
+          </p:nvPr>
+        </p:nvSpPr>
+        <p:spPr/>
+        <p:txBody>
+          <a:bodyPr/>
+          <a:lstStyle>
+            <a:lvl1pPr algn="r">
+              <a:defRPr/>
+            </a:lvl1pPr>
+          </a:lstStyle>
+          <a:p>
+            <a:r>
+              <a:rPr lang="fr-FR" smtClean="0"/>
+              <a:t>Modifiez le style du titre</a:t>
+            </a:r>
+            <a:endParaRPr lang="en-US" dirty="0"/>
+          </a:p>
+        </p:txBody>
+      </p:sp>
+      <p:sp>
+        <p:nvSpPr>
+          <p:cNvPr id="11" name="Vertical Text Placeholder 2"/>
+          <p:cNvSpPr>
+            <a:spLocks noGrp="1"/>
+          </p:cNvSpPr>
+          <p:nvPr>
+            <p:ph type="body" orient="vert" sz="quarter" idx="13"/>
+          </p:nvPr>
+        </p:nvSpPr>
+        <p:spPr>
+          <a:xfrm>
+            <a:off x="685800" y="2063396"/>
+            <a:ext cx="10394707" cy="3311190"/>
+          </a:xfrm>
+        </p:spPr>
+        <p:txBody>
+          <a:bodyPr vert="eaVert" anchor="t"/>
+          <a:lstStyle/>
+          <a:p>
+            <a:pPr lvl="0"/>
+            <a:r>
+              <a:rPr lang="fr-FR" smtClean="0"/>
+              <a:t>Modifiez les styles du texte du masque</a:t>
+            </a:r>
+          </a:p>
+          <a:p>
+            <a:pPr lvl="1"/>
+            <a:r>
+              <a:rPr lang="fr-FR" smtClean="0"/>
+              <a:t>Deuxième niveau</a:t>
+            </a:r>
+          </a:p>
+          <a:p>
+            <a:pPr lvl="2"/>
+            <a:r>
+              <a:rPr lang="fr-FR" smtClean="0"/>
+              <a:t>Troisième niveau</a:t>
+            </a:r>
+          </a:p>
+          <a:p>
+            <a:pPr lvl="3"/>
+            <a:r>
+              <a:rPr lang="fr-FR" smtClean="0"/>
+              <a:t>Quatrième niveau</a:t>
+            </a:r>
+          </a:p>
+          <a:p>
+            <a:pPr lvl="4"/>
+            <a:r>
+              <a:rPr lang="fr-FR" smtClean="0"/>
+              <a:t>Cinquième niveau</a:t>
+            </a:r>
+            <a:endParaRPr lang="en-US" dirty="0"/>
+          </a:p>
+        </p:txBody>
+      </p:sp>
+      <p:sp>
+        <p:nvSpPr>
+          <p:cNvPr id="4" name="Date Placeholder 3"/>
+          <p:cNvSpPr>
+            <a:spLocks noGrp="1"/>
+          </p:cNvSpPr>
+          <p:nvPr>
+            <p:ph type="dt" sz="half" idx="10"/>
           </p:nvPr>
         </p:nvSpPr>
         <p:spPr/>
@@ -340,74 +3754,22 @@
           <a:bodyPr/>
           <a:lstStyle/>
           <a:p>
-            <a:r>
-              <a:rPr lang="fr-FR" smtClean="0"/>
-              <a:t>Modifiez le style du titre</a:t>
-            </a:r>
+            <a:fld id="{B7587B24-865D-4771-9029-786DFBF8CB56}" type="datetimeFigureOut">
+              <a:rPr lang="fr-FR" smtClean="0"/>
+              <a:t>02/12/2024</a:t>
+            </a:fld>
             <a:endParaRPr lang="fr-FR"/>
           </a:p>
         </p:txBody>
       </p:sp>
       <p:sp>
         <p:nvSpPr>
-          <p:cNvPr id="3" name="Espace réservé du texte vertical 2"/>
-          <p:cNvSpPr>
-            <a:spLocks noGrp="1"/>
-          </p:cNvSpPr>
-          <p:nvPr>
-            <p:ph type="body" orient="vert" idx="1"/>
-          </p:nvPr>
-        </p:nvSpPr>
-        <p:spPr/>
-        <p:txBody>
-          <a:bodyPr vert="eaVert"/>
-          <a:lstStyle/>
-          <a:p>
-            <a:pPr lvl="0"/>
-            <a:r>
-              <a:rPr lang="fr-FR" smtClean="0"/>
-              <a:t>Modifiez les styles du texte du masque</a:t>
-            </a:r>
-          </a:p>
-          <a:p>
-            <a:pPr lvl="1"/>
-            <a:r>
-              <a:rPr lang="fr-FR" smtClean="0"/>
-              <a:t>Deuxième niveau</a:t>
-            </a:r>
-          </a:p>
-          <a:p>
-            <a:pPr lvl="2"/>
-            <a:r>
-              <a:rPr lang="fr-FR" smtClean="0"/>
-              <a:t>Troisième niveau</a:t>
-            </a:r>
-          </a:p>
-          <a:p>
-            <a:pPr lvl="3"/>
-            <a:r>
-              <a:rPr lang="fr-FR" smtClean="0"/>
-              <a:t>Quatrième niveau</a:t>
-            </a:r>
-          </a:p>
-          <a:p>
-            <a:pPr lvl="4"/>
-            <a:r>
-              <a:rPr lang="fr-FR" smtClean="0"/>
-              <a:t>Cinquième niveau</a:t>
-            </a:r>
-            <a:endParaRPr lang="fr-FR"/>
-          </a:p>
-        </p:txBody>
-      </p:sp>
-      <p:sp>
-        <p:nvSpPr>
-          <p:cNvPr id="4" name="Espace réservé de la date 3"/>
-          <p:cNvSpPr>
-            <a:spLocks noGrp="1"/>
-          </p:cNvSpPr>
-          <p:nvPr>
-            <p:ph type="dt" sz="half" idx="10"/>
+          <p:cNvPr id="5" name="Footer Placeholder 4"/>
+          <p:cNvSpPr>
+            <a:spLocks noGrp="1"/>
+          </p:cNvSpPr>
+          <p:nvPr>
+            <p:ph type="ftr" sz="quarter" idx="11"/>
           </p:nvPr>
         </p:nvSpPr>
         <p:spPr/>
@@ -415,36 +3777,13 @@
           <a:bodyPr/>
           <a:lstStyle/>
           <a:p>
-            <a:fld id="{B7587B24-865D-4771-9029-786DFBF8CB56}" type="datetimeFigureOut">
-              <a:rPr lang="fr-FR" smtClean="0"/>
-              <a:t>23/11/2024</a:t>
-            </a:fld>
             <a:endParaRPr lang="fr-FR"/>
           </a:p>
         </p:txBody>
       </p:sp>
       <p:sp>
         <p:nvSpPr>
-          <p:cNvPr id="5" name="Espace réservé du pied de page 4"/>
-          <p:cNvSpPr>
-            <a:spLocks noGrp="1"/>
-          </p:cNvSpPr>
-          <p:nvPr>
-            <p:ph type="ftr" sz="quarter" idx="11"/>
-          </p:nvPr>
-        </p:nvSpPr>
-        <p:spPr/>
-        <p:txBody>
-          <a:bodyPr/>
-          <a:lstStyle/>
-          <a:p>
-            <a:endParaRPr lang="fr-FR"/>
-          </a:p>
-        </p:txBody>
-      </p:sp>
-      <p:sp>
-        <p:nvSpPr>
-          <p:cNvPr id="6" name="Espace réservé du numéro de diapositive 5"/>
+          <p:cNvPr id="6" name="Slide Number Placeholder 5"/>
           <p:cNvSpPr>
             <a:spLocks noGrp="1"/>
           </p:cNvSpPr>
@@ -468,7 +3807,7 @@
     </p:spTree>
     <p:extLst>
       <p:ext uri="{BB962C8B-B14F-4D97-AF65-F5344CB8AC3E}">
-        <p14:creationId xmlns:p14="http://schemas.microsoft.com/office/powerpoint/2010/main" val="2102792884"/>
+        <p14:creationId xmlns:p14="http://schemas.microsoft.com/office/powerpoint/2010/main" val="4177436276"/>
       </p:ext>
     </p:extLst>
   </p:cSld>
@@ -478,7 +3817,7 @@
 </p:sldLayout>
 </file>
 
-<file path=ppt/slideLayouts/slideLayout11.xml><?xml version="1.0" encoding="utf-8"?>
+<file path=ppt/slideLayouts/slideLayout17.xml><?xml version="1.0" encoding="utf-8"?>
 <p:sldLayout xmlns:a="http://schemas.openxmlformats.org/drawingml/2006/main" xmlns:r="http://schemas.openxmlformats.org/officeDocument/2006/relationships" xmlns:p="http://schemas.openxmlformats.org/presentationml/2006/main" type="vertTitleAndTx" preserve="1">
   <p:cSld name="Titre vertical et texte">
     <p:spTree>
@@ -497,7 +3836,7 @@
       </p:grpSpPr>
       <p:sp>
         <p:nvSpPr>
-          <p:cNvPr id="2" name="Titre vertical 1"/>
+          <p:cNvPr id="2" name="Vertical Title 1"/>
           <p:cNvSpPr>
             <a:spLocks noGrp="1"/>
           </p:cNvSpPr>
@@ -507,40 +3846,44 @@
         </p:nvSpPr>
         <p:spPr>
           <a:xfrm>
-            <a:off x="8724900" y="365125"/>
-            <a:ext cx="2628900" cy="5811838"/>
+            <a:off x="8815862" y="685800"/>
+            <a:ext cx="2264646" cy="4688785"/>
           </a:xfrm>
         </p:spPr>
         <p:txBody>
           <a:bodyPr vert="eaVert"/>
-          <a:lstStyle/>
+          <a:lstStyle>
+            <a:lvl1pPr algn="l">
+              <a:defRPr/>
+            </a:lvl1pPr>
+          </a:lstStyle>
           <a:p>
             <a:r>
               <a:rPr lang="fr-FR" smtClean="0"/>
               <a:t>Modifiez le style du titre</a:t>
             </a:r>
-            <a:endParaRPr lang="fr-FR"/>
-          </a:p>
-        </p:txBody>
-      </p:sp>
-      <p:sp>
-        <p:nvSpPr>
-          <p:cNvPr id="3" name="Espace réservé du texte vertical 2"/>
-          <p:cNvSpPr>
-            <a:spLocks noGrp="1"/>
-          </p:cNvSpPr>
-          <p:nvPr>
-            <p:ph type="body" orient="vert" idx="1"/>
+            <a:endParaRPr lang="en-US" dirty="0"/>
+          </a:p>
+        </p:txBody>
+      </p:sp>
+      <p:sp>
+        <p:nvSpPr>
+          <p:cNvPr id="8" name="Vertical Text Placeholder 2"/>
+          <p:cNvSpPr>
+            <a:spLocks noGrp="1"/>
+          </p:cNvSpPr>
+          <p:nvPr>
+            <p:ph type="body" orient="vert" sz="quarter" idx="13"/>
           </p:nvPr>
         </p:nvSpPr>
         <p:spPr>
           <a:xfrm>
-            <a:off x="838200" y="365125"/>
-            <a:ext cx="7734300" cy="5811838"/>
+            <a:off x="685800" y="685800"/>
+            <a:ext cx="7904431" cy="4688785"/>
           </a:xfrm>
         </p:spPr>
         <p:txBody>
-          <a:bodyPr vert="eaVert"/>
+          <a:bodyPr vert="eaVert" anchor="t"/>
           <a:lstStyle/>
           <a:p>
             <a:pPr lvl="0"/>
@@ -576,13 +3919,13 @@
               <a:rPr lang="fr-FR" smtClean="0"/>
               <a:t>Cinquième niveau</a:t>
             </a:r>
-            <a:endParaRPr lang="fr-FR"/>
-          </a:p>
-        </p:txBody>
-      </p:sp>
-      <p:sp>
-        <p:nvSpPr>
-          <p:cNvPr id="4" name="Espace réservé de la date 3"/>
+            <a:endParaRPr lang="en-US" dirty="0"/>
+          </a:p>
+        </p:txBody>
+      </p:sp>
+      <p:sp>
+        <p:nvSpPr>
+          <p:cNvPr id="4" name="Date Placeholder 3"/>
           <p:cNvSpPr>
             <a:spLocks noGrp="1"/>
           </p:cNvSpPr>
@@ -597,7 +3940,7 @@
           <a:p>
             <a:fld id="{B7587B24-865D-4771-9029-786DFBF8CB56}" type="datetimeFigureOut">
               <a:rPr lang="fr-FR" smtClean="0"/>
-              <a:t>23/11/2024</a:t>
+              <a:t>02/12/2024</a:t>
             </a:fld>
             <a:endParaRPr lang="fr-FR"/>
           </a:p>
@@ -605,7 +3948,7 @@
       </p:sp>
       <p:sp>
         <p:nvSpPr>
-          <p:cNvPr id="5" name="Espace réservé du pied de page 4"/>
+          <p:cNvPr id="5" name="Footer Placeholder 4"/>
           <p:cNvSpPr>
             <a:spLocks noGrp="1"/>
           </p:cNvSpPr>
@@ -624,7 +3967,7 @@
       </p:sp>
       <p:sp>
         <p:nvSpPr>
-          <p:cNvPr id="6" name="Espace réservé du numéro de diapositive 5"/>
+          <p:cNvPr id="6" name="Slide Number Placeholder 5"/>
           <p:cNvSpPr>
             <a:spLocks noGrp="1"/>
           </p:cNvSpPr>
@@ -648,7 +3991,7 @@
     </p:spTree>
     <p:extLst>
       <p:ext uri="{BB962C8B-B14F-4D97-AF65-F5344CB8AC3E}">
-        <p14:creationId xmlns:p14="http://schemas.microsoft.com/office/powerpoint/2010/main" val="2701009467"/>
+        <p14:creationId xmlns:p14="http://schemas.microsoft.com/office/powerpoint/2010/main" val="29526587"/>
       </p:ext>
     </p:extLst>
   </p:cSld>
@@ -677,7 +4020,7 @@
       </p:grpSpPr>
       <p:sp>
         <p:nvSpPr>
-          <p:cNvPr id="2" name="Titre 1"/>
+          <p:cNvPr id="2" name="Title 1"/>
           <p:cNvSpPr>
             <a:spLocks noGrp="1"/>
           </p:cNvSpPr>
@@ -694,21 +4037,26 @@
               <a:rPr lang="fr-FR" smtClean="0"/>
               <a:t>Modifiez le style du titre</a:t>
             </a:r>
-            <a:endParaRPr lang="fr-FR"/>
-          </a:p>
-        </p:txBody>
-      </p:sp>
-      <p:sp>
-        <p:nvSpPr>
-          <p:cNvPr id="3" name="Espace réservé du contenu 2"/>
-          <p:cNvSpPr>
-            <a:spLocks noGrp="1"/>
-          </p:cNvSpPr>
-          <p:nvPr>
-            <p:ph idx="1"/>
-          </p:nvPr>
-        </p:nvSpPr>
-        <p:spPr/>
+            <a:endParaRPr lang="en-US" dirty="0"/>
+          </a:p>
+        </p:txBody>
+      </p:sp>
+      <p:sp>
+        <p:nvSpPr>
+          <p:cNvPr id="12" name="Content Placeholder 2"/>
+          <p:cNvSpPr>
+            <a:spLocks noGrp="1"/>
+          </p:cNvSpPr>
+          <p:nvPr>
+            <p:ph sz="quarter" idx="13"/>
+          </p:nvPr>
+        </p:nvSpPr>
+        <p:spPr>
+          <a:xfrm>
+            <a:off x="685800" y="2063396"/>
+            <a:ext cx="10394707" cy="3311189"/>
+          </a:xfrm>
+        </p:spPr>
         <p:txBody>
           <a:bodyPr/>
           <a:lstStyle/>
@@ -746,13 +4094,13 @@
               <a:rPr lang="fr-FR" smtClean="0"/>
               <a:t>Cinquième niveau</a:t>
             </a:r>
-            <a:endParaRPr lang="fr-FR"/>
-          </a:p>
-        </p:txBody>
-      </p:sp>
-      <p:sp>
-        <p:nvSpPr>
-          <p:cNvPr id="4" name="Espace réservé de la date 3"/>
+            <a:endParaRPr lang="en-US" dirty="0"/>
+          </a:p>
+        </p:txBody>
+      </p:sp>
+      <p:sp>
+        <p:nvSpPr>
+          <p:cNvPr id="4" name="Date Placeholder 3"/>
           <p:cNvSpPr>
             <a:spLocks noGrp="1"/>
           </p:cNvSpPr>
@@ -767,7 +4115,7 @@
           <a:p>
             <a:fld id="{B7587B24-865D-4771-9029-786DFBF8CB56}" type="datetimeFigureOut">
               <a:rPr lang="fr-FR" smtClean="0"/>
-              <a:t>23/11/2024</a:t>
+              <a:t>02/12/2024</a:t>
             </a:fld>
             <a:endParaRPr lang="fr-FR"/>
           </a:p>
@@ -775,7 +4123,7 @@
       </p:sp>
       <p:sp>
         <p:nvSpPr>
-          <p:cNvPr id="5" name="Espace réservé du pied de page 4"/>
+          <p:cNvPr id="5" name="Footer Placeholder 4"/>
           <p:cNvSpPr>
             <a:spLocks noGrp="1"/>
           </p:cNvSpPr>
@@ -794,7 +4142,7 @@
       </p:sp>
       <p:sp>
         <p:nvSpPr>
-          <p:cNvPr id="6" name="Espace réservé du numéro de diapositive 5"/>
+          <p:cNvPr id="6" name="Slide Number Placeholder 5"/>
           <p:cNvSpPr>
             <a:spLocks noGrp="1"/>
           </p:cNvSpPr>
@@ -818,7 +4166,7 @@
     </p:spTree>
     <p:extLst>
       <p:ext uri="{BB962C8B-B14F-4D97-AF65-F5344CB8AC3E}">
-        <p14:creationId xmlns:p14="http://schemas.microsoft.com/office/powerpoint/2010/main" val="2796337319"/>
+        <p14:creationId xmlns:p14="http://schemas.microsoft.com/office/powerpoint/2010/main" val="3471349140"/>
       </p:ext>
     </p:extLst>
   </p:cSld>
@@ -847,7 +4195,7 @@
       </p:grpSpPr>
       <p:sp>
         <p:nvSpPr>
-          <p:cNvPr id="2" name="Titre 1"/>
+          <p:cNvPr id="2" name="Title 1"/>
           <p:cNvSpPr>
             <a:spLocks noGrp="1"/>
           </p:cNvSpPr>
@@ -857,15 +4205,17 @@
         </p:nvSpPr>
         <p:spPr>
           <a:xfrm>
-            <a:off x="831850" y="1709738"/>
-            <a:ext cx="10515600" cy="2852737"/>
+            <a:off x="685801" y="685800"/>
+            <a:ext cx="10394707" cy="3193487"/>
           </a:xfrm>
         </p:spPr>
         <p:txBody>
-          <a:bodyPr anchor="b"/>
+          <a:bodyPr anchor="b">
+            <a:normAutofit/>
+          </a:bodyPr>
           <a:lstStyle>
-            <a:lvl1pPr>
-              <a:defRPr sz="6000"/>
+            <a:lvl1pPr algn="l">
+              <a:defRPr sz="5400"/>
             </a:lvl1pPr>
           </a:lstStyle>
           <a:p>
@@ -873,13 +4223,13 @@
               <a:rPr lang="fr-FR" smtClean="0"/>
               <a:t>Modifiez le style du titre</a:t>
             </a:r>
-            <a:endParaRPr lang="fr-FR"/>
-          </a:p>
-        </p:txBody>
-      </p:sp>
-      <p:sp>
-        <p:nvSpPr>
-          <p:cNvPr id="3" name="Espace réservé du texte 2"/>
+            <a:endParaRPr lang="en-US" dirty="0"/>
+          </a:p>
+        </p:txBody>
+      </p:sp>
+      <p:sp>
+        <p:nvSpPr>
+          <p:cNvPr id="3" name="Text Placeholder 2"/>
           <p:cNvSpPr>
             <a:spLocks noGrp="1"/>
           </p:cNvSpPr>
@@ -889,19 +4239,21 @@
         </p:nvSpPr>
         <p:spPr>
           <a:xfrm>
-            <a:off x="831850" y="4589463"/>
-            <a:ext cx="10515600" cy="1500187"/>
+            <a:off x="685801" y="3742267"/>
+            <a:ext cx="10394707" cy="1639614"/>
           </a:xfrm>
         </p:spPr>
         <p:txBody>
-          <a:bodyPr/>
+          <a:bodyPr anchor="t">
+            <a:normAutofit/>
+          </a:bodyPr>
           <a:lstStyle>
-            <a:lvl1pPr marL="0" indent="0">
-              <a:buNone/>
-              <a:defRPr sz="2400">
+            <a:lvl1pPr marL="0" indent="0" algn="l">
+              <a:buNone/>
+              <a:defRPr sz="2000">
                 <a:solidFill>
-                  <a:schemeClr val="tx1">
-                    <a:tint val="75000"/>
+                  <a:schemeClr val="bg1">
+                    <a:lumMod val="50000"/>
                   </a:schemeClr>
                 </a:solidFill>
               </a:defRPr>
@@ -998,7 +4350,7 @@
       </p:sp>
       <p:sp>
         <p:nvSpPr>
-          <p:cNvPr id="4" name="Espace réservé de la date 3"/>
+          <p:cNvPr id="4" name="Date Placeholder 3"/>
           <p:cNvSpPr>
             <a:spLocks noGrp="1"/>
           </p:cNvSpPr>
@@ -1013,7 +4365,7 @@
           <a:p>
             <a:fld id="{B7587B24-865D-4771-9029-786DFBF8CB56}" type="datetimeFigureOut">
               <a:rPr lang="fr-FR" smtClean="0"/>
-              <a:t>23/11/2024</a:t>
+              <a:t>02/12/2024</a:t>
             </a:fld>
             <a:endParaRPr lang="fr-FR"/>
           </a:p>
@@ -1021,7 +4373,7 @@
       </p:sp>
       <p:sp>
         <p:nvSpPr>
-          <p:cNvPr id="5" name="Espace réservé du pied de page 4"/>
+          <p:cNvPr id="5" name="Footer Placeholder 4"/>
           <p:cNvSpPr>
             <a:spLocks noGrp="1"/>
           </p:cNvSpPr>
@@ -1040,7 +4392,7 @@
       </p:sp>
       <p:sp>
         <p:nvSpPr>
-          <p:cNvPr id="6" name="Espace réservé du numéro de diapositive 5"/>
+          <p:cNvPr id="6" name="Slide Number Placeholder 5"/>
           <p:cNvSpPr>
             <a:spLocks noGrp="1"/>
           </p:cNvSpPr>
@@ -1064,7 +4416,7 @@
     </p:spTree>
     <p:extLst>
       <p:ext uri="{BB962C8B-B14F-4D97-AF65-F5344CB8AC3E}">
-        <p14:creationId xmlns:p14="http://schemas.microsoft.com/office/powerpoint/2010/main" val="4251408345"/>
+        <p14:creationId xmlns:p14="http://schemas.microsoft.com/office/powerpoint/2010/main" val="3974317887"/>
       </p:ext>
     </p:extLst>
   </p:cSld>
@@ -1093,7 +4445,7 @@
       </p:grpSpPr>
       <p:sp>
         <p:nvSpPr>
-          <p:cNvPr id="2" name="Titre 1"/>
+          <p:cNvPr id="14" name="Title 1"/>
           <p:cNvSpPr>
             <a:spLocks noGrp="1"/>
           </p:cNvSpPr>
@@ -1101,7 +4453,12 @@
             <p:ph type="title"/>
           </p:nvPr>
         </p:nvSpPr>
-        <p:spPr/>
+        <p:spPr>
+          <a:xfrm>
+            <a:off x="685801" y="685800"/>
+            <a:ext cx="10396882" cy="1158140"/>
+          </a:xfrm>
+        </p:spPr>
         <p:txBody>
           <a:bodyPr/>
           <a:lstStyle/>
@@ -1110,169 +4467,169 @@
               <a:rPr lang="fr-FR" smtClean="0"/>
               <a:t>Modifiez le style du titre</a:t>
             </a:r>
-            <a:endParaRPr lang="fr-FR"/>
-          </a:p>
-        </p:txBody>
-      </p:sp>
-      <p:sp>
-        <p:nvSpPr>
-          <p:cNvPr id="3" name="Espace réservé du contenu 2"/>
-          <p:cNvSpPr>
-            <a:spLocks noGrp="1"/>
-          </p:cNvSpPr>
-          <p:nvPr>
-            <p:ph sz="half" idx="1"/>
+            <a:endParaRPr lang="en-US" dirty="0"/>
+          </a:p>
+        </p:txBody>
+      </p:sp>
+      <p:sp>
+        <p:nvSpPr>
+          <p:cNvPr id="12" name="Content Placeholder 2"/>
+          <p:cNvSpPr>
+            <a:spLocks noGrp="1"/>
+          </p:cNvSpPr>
+          <p:nvPr>
+            <p:ph sz="quarter" idx="13"/>
           </p:nvPr>
         </p:nvSpPr>
         <p:spPr>
           <a:xfrm>
-            <a:off x="838200" y="1825625"/>
-            <a:ext cx="5181600" cy="4351338"/>
+            <a:off x="685800" y="2063396"/>
+            <a:ext cx="5088714" cy="3311189"/>
           </a:xfrm>
         </p:spPr>
         <p:txBody>
+          <a:bodyPr anchor="t"/>
+          <a:lstStyle/>
+          <a:p>
+            <a:pPr lvl="0"/>
+            <a:r>
+              <a:rPr lang="fr-FR" smtClean="0"/>
+              <a:t>Modifiez les styles du texte du masque</a:t>
+            </a:r>
+          </a:p>
+          <a:p>
+            <a:pPr lvl="1"/>
+            <a:r>
+              <a:rPr lang="fr-FR" smtClean="0"/>
+              <a:t>Deuxième niveau</a:t>
+            </a:r>
+          </a:p>
+          <a:p>
+            <a:pPr lvl="2"/>
+            <a:r>
+              <a:rPr lang="fr-FR" smtClean="0"/>
+              <a:t>Troisième niveau</a:t>
+            </a:r>
+          </a:p>
+          <a:p>
+            <a:pPr lvl="3"/>
+            <a:r>
+              <a:rPr lang="fr-FR" smtClean="0"/>
+              <a:t>Quatrième niveau</a:t>
+            </a:r>
+          </a:p>
+          <a:p>
+            <a:pPr lvl="4"/>
+            <a:r>
+              <a:rPr lang="fr-FR" smtClean="0"/>
+              <a:t>Cinquième niveau</a:t>
+            </a:r>
+            <a:endParaRPr lang="en-US" dirty="0"/>
+          </a:p>
+        </p:txBody>
+      </p:sp>
+      <p:sp>
+        <p:nvSpPr>
+          <p:cNvPr id="13" name="Content Placeholder 3"/>
+          <p:cNvSpPr>
+            <a:spLocks noGrp="1"/>
+          </p:cNvSpPr>
+          <p:nvPr>
+            <p:ph sz="quarter" idx="14"/>
+          </p:nvPr>
+        </p:nvSpPr>
+        <p:spPr>
+          <a:xfrm>
+            <a:off x="5993971" y="2063396"/>
+            <a:ext cx="5086538" cy="3311189"/>
+          </a:xfrm>
+        </p:spPr>
+        <p:txBody>
+          <a:bodyPr anchor="t"/>
+          <a:lstStyle/>
+          <a:p>
+            <a:pPr lvl="0"/>
+            <a:r>
+              <a:rPr lang="fr-FR" smtClean="0"/>
+              <a:t>Modifiez les styles du texte du masque</a:t>
+            </a:r>
+          </a:p>
+          <a:p>
+            <a:pPr lvl="1"/>
+            <a:r>
+              <a:rPr lang="fr-FR" smtClean="0"/>
+              <a:t>Deuxième niveau</a:t>
+            </a:r>
+          </a:p>
+          <a:p>
+            <a:pPr lvl="2"/>
+            <a:r>
+              <a:rPr lang="fr-FR" smtClean="0"/>
+              <a:t>Troisième niveau</a:t>
+            </a:r>
+          </a:p>
+          <a:p>
+            <a:pPr lvl="3"/>
+            <a:r>
+              <a:rPr lang="fr-FR" smtClean="0"/>
+              <a:t>Quatrième niveau</a:t>
+            </a:r>
+          </a:p>
+          <a:p>
+            <a:pPr lvl="4"/>
+            <a:r>
+              <a:rPr lang="fr-FR" smtClean="0"/>
+              <a:t>Cinquième niveau</a:t>
+            </a:r>
+            <a:endParaRPr lang="en-US" dirty="0"/>
+          </a:p>
+        </p:txBody>
+      </p:sp>
+      <p:sp>
+        <p:nvSpPr>
+          <p:cNvPr id="5" name="Date Placeholder 4"/>
+          <p:cNvSpPr>
+            <a:spLocks noGrp="1"/>
+          </p:cNvSpPr>
+          <p:nvPr>
+            <p:ph type="dt" sz="half" idx="10"/>
+          </p:nvPr>
+        </p:nvSpPr>
+        <p:spPr/>
+        <p:txBody>
           <a:bodyPr/>
           <a:lstStyle/>
           <a:p>
-            <a:pPr lvl="0"/>
-            <a:r>
-              <a:rPr lang="fr-FR" smtClean="0"/>
-              <a:t>Modifiez les styles du texte du masque</a:t>
-            </a:r>
-          </a:p>
-          <a:p>
-            <a:pPr lvl="1"/>
-            <a:r>
-              <a:rPr lang="fr-FR" smtClean="0"/>
-              <a:t>Deuxième niveau</a:t>
-            </a:r>
-          </a:p>
-          <a:p>
-            <a:pPr lvl="2"/>
-            <a:r>
-              <a:rPr lang="fr-FR" smtClean="0"/>
-              <a:t>Troisième niveau</a:t>
-            </a:r>
-          </a:p>
-          <a:p>
-            <a:pPr lvl="3"/>
-            <a:r>
-              <a:rPr lang="fr-FR" smtClean="0"/>
-              <a:t>Quatrième niveau</a:t>
-            </a:r>
-          </a:p>
-          <a:p>
-            <a:pPr lvl="4"/>
-            <a:r>
-              <a:rPr lang="fr-FR" smtClean="0"/>
-              <a:t>Cinquième niveau</a:t>
-            </a:r>
+            <a:fld id="{B7587B24-865D-4771-9029-786DFBF8CB56}" type="datetimeFigureOut">
+              <a:rPr lang="fr-FR" smtClean="0"/>
+              <a:t>02/12/2024</a:t>
+            </a:fld>
             <a:endParaRPr lang="fr-FR"/>
           </a:p>
         </p:txBody>
       </p:sp>
       <p:sp>
         <p:nvSpPr>
-          <p:cNvPr id="4" name="Espace réservé du contenu 3"/>
-          <p:cNvSpPr>
-            <a:spLocks noGrp="1"/>
-          </p:cNvSpPr>
-          <p:nvPr>
-            <p:ph sz="half" idx="2"/>
-          </p:nvPr>
-        </p:nvSpPr>
-        <p:spPr>
-          <a:xfrm>
-            <a:off x="6172200" y="1825625"/>
-            <a:ext cx="5181600" cy="4351338"/>
-          </a:xfrm>
-        </p:spPr>
+          <p:cNvPr id="6" name="Footer Placeholder 5"/>
+          <p:cNvSpPr>
+            <a:spLocks noGrp="1"/>
+          </p:cNvSpPr>
+          <p:nvPr>
+            <p:ph type="ftr" sz="quarter" idx="11"/>
+          </p:nvPr>
+        </p:nvSpPr>
+        <p:spPr/>
         <p:txBody>
           <a:bodyPr/>
           <a:lstStyle/>
           <a:p>
-            <a:pPr lvl="0"/>
-            <a:r>
-              <a:rPr lang="fr-FR" smtClean="0"/>
-              <a:t>Modifiez les styles du texte du masque</a:t>
-            </a:r>
-          </a:p>
-          <a:p>
-            <a:pPr lvl="1"/>
-            <a:r>
-              <a:rPr lang="fr-FR" smtClean="0"/>
-              <a:t>Deuxième niveau</a:t>
-            </a:r>
-          </a:p>
-          <a:p>
-            <a:pPr lvl="2"/>
-            <a:r>
-              <a:rPr lang="fr-FR" smtClean="0"/>
-              <a:t>Troisième niveau</a:t>
-            </a:r>
-          </a:p>
-          <a:p>
-            <a:pPr lvl="3"/>
-            <a:r>
-              <a:rPr lang="fr-FR" smtClean="0"/>
-              <a:t>Quatrième niveau</a:t>
-            </a:r>
-          </a:p>
-          <a:p>
-            <a:pPr lvl="4"/>
-            <a:r>
-              <a:rPr lang="fr-FR" smtClean="0"/>
-              <a:t>Cinquième niveau</a:t>
-            </a:r>
             <a:endParaRPr lang="fr-FR"/>
           </a:p>
         </p:txBody>
       </p:sp>
       <p:sp>
         <p:nvSpPr>
-          <p:cNvPr id="5" name="Espace réservé de la date 4"/>
-          <p:cNvSpPr>
-            <a:spLocks noGrp="1"/>
-          </p:cNvSpPr>
-          <p:nvPr>
-            <p:ph type="dt" sz="half" idx="10"/>
-          </p:nvPr>
-        </p:nvSpPr>
-        <p:spPr/>
-        <p:txBody>
-          <a:bodyPr/>
-          <a:lstStyle/>
-          <a:p>
-            <a:fld id="{B7587B24-865D-4771-9029-786DFBF8CB56}" type="datetimeFigureOut">
-              <a:rPr lang="fr-FR" smtClean="0"/>
-              <a:t>23/11/2024</a:t>
-            </a:fld>
-            <a:endParaRPr lang="fr-FR"/>
-          </a:p>
-        </p:txBody>
-      </p:sp>
-      <p:sp>
-        <p:nvSpPr>
-          <p:cNvPr id="6" name="Espace réservé du pied de page 5"/>
-          <p:cNvSpPr>
-            <a:spLocks noGrp="1"/>
-          </p:cNvSpPr>
-          <p:nvPr>
-            <p:ph type="ftr" sz="quarter" idx="11"/>
-          </p:nvPr>
-        </p:nvSpPr>
-        <p:spPr/>
-        <p:txBody>
-          <a:bodyPr/>
-          <a:lstStyle/>
-          <a:p>
-            <a:endParaRPr lang="fr-FR"/>
-          </a:p>
-        </p:txBody>
-      </p:sp>
-      <p:sp>
-        <p:nvSpPr>
-          <p:cNvPr id="7" name="Espace réservé du numéro de diapositive 6"/>
+          <p:cNvPr id="7" name="Slide Number Placeholder 6"/>
           <p:cNvSpPr>
             <a:spLocks noGrp="1"/>
           </p:cNvSpPr>
@@ -1296,7 +4653,7 @@
     </p:spTree>
     <p:extLst>
       <p:ext uri="{BB962C8B-B14F-4D97-AF65-F5344CB8AC3E}">
-        <p14:creationId xmlns:p14="http://schemas.microsoft.com/office/powerpoint/2010/main" val="1473679637"/>
+        <p14:creationId xmlns:p14="http://schemas.microsoft.com/office/powerpoint/2010/main" val="2954976751"/>
       </p:ext>
     </p:extLst>
   </p:cSld>
@@ -1325,7 +4682,7 @@
       </p:grpSpPr>
       <p:sp>
         <p:nvSpPr>
-          <p:cNvPr id="2" name="Titre 1"/>
+          <p:cNvPr id="14" name="Title 1"/>
           <p:cNvSpPr>
             <a:spLocks noGrp="1"/>
           </p:cNvSpPr>
@@ -1335,8 +4692,8 @@
         </p:nvSpPr>
         <p:spPr>
           <a:xfrm>
-            <a:off x="839788" y="365125"/>
-            <a:ext cx="10515600" cy="1325563"/>
+            <a:off x="685801" y="685800"/>
+            <a:ext cx="10394707" cy="1158140"/>
           </a:xfrm>
         </p:spPr>
         <p:txBody>
@@ -1347,13 +4704,13 @@
               <a:rPr lang="fr-FR" smtClean="0"/>
               <a:t>Modifiez le style du titre</a:t>
             </a:r>
-            <a:endParaRPr lang="fr-FR"/>
-          </a:p>
-        </p:txBody>
-      </p:sp>
-      <p:sp>
-        <p:nvSpPr>
-          <p:cNvPr id="3" name="Espace réservé du texte 2"/>
+            <a:endParaRPr lang="en-US" dirty="0"/>
+          </a:p>
+        </p:txBody>
+      </p:sp>
+      <p:sp>
+        <p:nvSpPr>
+          <p:cNvPr id="3" name="Text Placeholder 2"/>
           <p:cNvSpPr>
             <a:spLocks noGrp="1"/>
           </p:cNvSpPr>
@@ -1363,16 +4720,25 @@
         </p:nvSpPr>
         <p:spPr>
           <a:xfrm>
-            <a:off x="839788" y="1681163"/>
-            <a:ext cx="5157787" cy="823912"/>
+            <a:off x="918356" y="2063396"/>
+            <a:ext cx="4856158" cy="679994"/>
           </a:xfrm>
         </p:spPr>
         <p:txBody>
-          <a:bodyPr anchor="b"/>
+          <a:bodyPr anchor="b">
+            <a:noAutofit/>
+          </a:bodyPr>
           <a:lstStyle>
             <a:lvl1pPr marL="0" indent="0">
-              <a:buNone/>
-              <a:defRPr sz="2400" b="1"/>
+              <a:lnSpc>
+                <a:spcPct val="90000"/>
+              </a:lnSpc>
+              <a:buNone/>
+              <a:defRPr sz="2600" b="0">
+                <a:solidFill>
+                  <a:schemeClr val="accent1"/>
+                </a:solidFill>
+              </a:defRPr>
             </a:lvl1pPr>
             <a:lvl2pPr marL="457200" indent="0">
               <a:buNone/>
@@ -1418,22 +4784,22 @@
       </p:sp>
       <p:sp>
         <p:nvSpPr>
-          <p:cNvPr id="4" name="Espace réservé du contenu 3"/>
-          <p:cNvSpPr>
-            <a:spLocks noGrp="1"/>
-          </p:cNvSpPr>
-          <p:nvPr>
-            <p:ph sz="half" idx="2"/>
+          <p:cNvPr id="12" name="Content Placeholder 3"/>
+          <p:cNvSpPr>
+            <a:spLocks noGrp="1"/>
+          </p:cNvSpPr>
+          <p:nvPr>
+            <p:ph sz="quarter" idx="13"/>
           </p:nvPr>
         </p:nvSpPr>
         <p:spPr>
           <a:xfrm>
-            <a:off x="839788" y="2505075"/>
-            <a:ext cx="5157787" cy="3684588"/>
+            <a:off x="685802" y="2861733"/>
+            <a:ext cx="5088712" cy="2512852"/>
           </a:xfrm>
         </p:spPr>
         <p:txBody>
-          <a:bodyPr/>
+          <a:bodyPr anchor="t"/>
           <a:lstStyle/>
           <a:p>
             <a:pPr lvl="0"/>
@@ -1469,13 +4835,13 @@
               <a:rPr lang="fr-FR" smtClean="0"/>
               <a:t>Cinquième niveau</a:t>
             </a:r>
-            <a:endParaRPr lang="fr-FR"/>
-          </a:p>
-        </p:txBody>
-      </p:sp>
-      <p:sp>
-        <p:nvSpPr>
-          <p:cNvPr id="5" name="Espace réservé du texte 4"/>
+            <a:endParaRPr lang="en-US" dirty="0"/>
+          </a:p>
+        </p:txBody>
+      </p:sp>
+      <p:sp>
+        <p:nvSpPr>
+          <p:cNvPr id="5" name="Text Placeholder 4"/>
           <p:cNvSpPr>
             <a:spLocks noGrp="1"/>
           </p:cNvSpPr>
@@ -1485,16 +4851,25 @@
         </p:nvSpPr>
         <p:spPr>
           <a:xfrm>
-            <a:off x="6172200" y="1681163"/>
-            <a:ext cx="5183188" cy="823912"/>
+            <a:off x="6218191" y="2063396"/>
+            <a:ext cx="4864491" cy="679994"/>
           </a:xfrm>
         </p:spPr>
         <p:txBody>
-          <a:bodyPr anchor="b"/>
+          <a:bodyPr anchor="b">
+            <a:noAutofit/>
+          </a:bodyPr>
           <a:lstStyle>
             <a:lvl1pPr marL="0" indent="0">
-              <a:buNone/>
-              <a:defRPr sz="2400" b="1"/>
+              <a:lnSpc>
+                <a:spcPct val="90000"/>
+              </a:lnSpc>
+              <a:buNone/>
+              <a:defRPr sz="2600" b="0">
+                <a:solidFill>
+                  <a:schemeClr val="accent1"/>
+                </a:solidFill>
+              </a:defRPr>
             </a:lvl1pPr>
             <a:lvl2pPr marL="457200" indent="0">
               <a:buNone/>
@@ -1540,69 +4915,92 @@
       </p:sp>
       <p:sp>
         <p:nvSpPr>
-          <p:cNvPr id="6" name="Espace réservé du contenu 5"/>
-          <p:cNvSpPr>
-            <a:spLocks noGrp="1"/>
-          </p:cNvSpPr>
-          <p:nvPr>
-            <p:ph sz="quarter" idx="4"/>
+          <p:cNvPr id="13" name="Content Placeholder 5"/>
+          <p:cNvSpPr>
+            <a:spLocks noGrp="1"/>
+          </p:cNvSpPr>
+          <p:nvPr>
+            <p:ph sz="quarter" idx="14"/>
           </p:nvPr>
         </p:nvSpPr>
         <p:spPr>
           <a:xfrm>
-            <a:off x="6172200" y="2505075"/>
-            <a:ext cx="5183188" cy="3684588"/>
+            <a:off x="5993969" y="2861733"/>
+            <a:ext cx="5088713" cy="2512852"/>
           </a:xfrm>
         </p:spPr>
         <p:txBody>
+          <a:bodyPr anchor="t"/>
+          <a:lstStyle/>
+          <a:p>
+            <a:pPr lvl="0"/>
+            <a:r>
+              <a:rPr lang="fr-FR" smtClean="0"/>
+              <a:t>Modifiez les styles du texte du masque</a:t>
+            </a:r>
+          </a:p>
+          <a:p>
+            <a:pPr lvl="1"/>
+            <a:r>
+              <a:rPr lang="fr-FR" smtClean="0"/>
+              <a:t>Deuxième niveau</a:t>
+            </a:r>
+          </a:p>
+          <a:p>
+            <a:pPr lvl="2"/>
+            <a:r>
+              <a:rPr lang="fr-FR" smtClean="0"/>
+              <a:t>Troisième niveau</a:t>
+            </a:r>
+          </a:p>
+          <a:p>
+            <a:pPr lvl="3"/>
+            <a:r>
+              <a:rPr lang="fr-FR" smtClean="0"/>
+              <a:t>Quatrième niveau</a:t>
+            </a:r>
+          </a:p>
+          <a:p>
+            <a:pPr lvl="4"/>
+            <a:r>
+              <a:rPr lang="fr-FR" smtClean="0"/>
+              <a:t>Cinquième niveau</a:t>
+            </a:r>
+            <a:endParaRPr lang="en-US" dirty="0"/>
+          </a:p>
+        </p:txBody>
+      </p:sp>
+      <p:sp>
+        <p:nvSpPr>
+          <p:cNvPr id="7" name="Date Placeholder 6"/>
+          <p:cNvSpPr>
+            <a:spLocks noGrp="1"/>
+          </p:cNvSpPr>
+          <p:nvPr>
+            <p:ph type="dt" sz="half" idx="10"/>
+          </p:nvPr>
+        </p:nvSpPr>
+        <p:spPr/>
+        <p:txBody>
           <a:bodyPr/>
           <a:lstStyle/>
           <a:p>
-            <a:pPr lvl="0"/>
-            <a:r>
-              <a:rPr lang="fr-FR" smtClean="0"/>
-              <a:t>Modifiez les styles du texte du masque</a:t>
-            </a:r>
-          </a:p>
-          <a:p>
-            <a:pPr lvl="1"/>
-            <a:r>
-              <a:rPr lang="fr-FR" smtClean="0"/>
-              <a:t>Deuxième niveau</a:t>
-            </a:r>
-          </a:p>
-          <a:p>
-            <a:pPr lvl="2"/>
-            <a:r>
-              <a:rPr lang="fr-FR" smtClean="0"/>
-              <a:t>Troisième niveau</a:t>
-            </a:r>
-          </a:p>
-          <a:p>
-            <a:pPr lvl="3"/>
-            <a:r>
-              <a:rPr lang="fr-FR" smtClean="0"/>
-              <a:t>Quatrième niveau</a:t>
-            </a:r>
-          </a:p>
-          <a:p>
-            <a:pPr lvl="4"/>
-            <a:r>
-              <a:rPr lang="fr-FR" smtClean="0"/>
-              <a:t>Cinquième niveau</a:t>
-            </a:r>
+            <a:fld id="{B7587B24-865D-4771-9029-786DFBF8CB56}" type="datetimeFigureOut">
+              <a:rPr lang="fr-FR" smtClean="0"/>
+              <a:t>02/12/2024</a:t>
+            </a:fld>
             <a:endParaRPr lang="fr-FR"/>
           </a:p>
         </p:txBody>
       </p:sp>
       <p:sp>
         <p:nvSpPr>
-          <p:cNvPr id="7" name="Espace réservé de la date 6"/>
-          <p:cNvSpPr>
-            <a:spLocks noGrp="1"/>
-          </p:cNvSpPr>
-          <p:nvPr>
-            <p:ph type="dt" sz="half" idx="10"/>
+          <p:cNvPr id="8" name="Footer Placeholder 7"/>
+          <p:cNvSpPr>
+            <a:spLocks noGrp="1"/>
+          </p:cNvSpPr>
+          <p:nvPr>
+            <p:ph type="ftr" sz="quarter" idx="11"/>
           </p:nvPr>
         </p:nvSpPr>
         <p:spPr/>
@@ -1610,36 +5008,13 @@
           <a:bodyPr/>
           <a:lstStyle/>
           <a:p>
-            <a:fld id="{B7587B24-865D-4771-9029-786DFBF8CB56}" type="datetimeFigureOut">
-              <a:rPr lang="fr-FR" smtClean="0"/>
-              <a:t>23/11/2024</a:t>
-            </a:fld>
             <a:endParaRPr lang="fr-FR"/>
           </a:p>
         </p:txBody>
       </p:sp>
       <p:sp>
         <p:nvSpPr>
-          <p:cNvPr id="8" name="Espace réservé du pied de page 7"/>
-          <p:cNvSpPr>
-            <a:spLocks noGrp="1"/>
-          </p:cNvSpPr>
-          <p:nvPr>
-            <p:ph type="ftr" sz="quarter" idx="11"/>
-          </p:nvPr>
-        </p:nvSpPr>
-        <p:spPr/>
-        <p:txBody>
-          <a:bodyPr/>
-          <a:lstStyle/>
-          <a:p>
-            <a:endParaRPr lang="fr-FR"/>
-          </a:p>
-        </p:txBody>
-      </p:sp>
-      <p:sp>
-        <p:nvSpPr>
-          <p:cNvPr id="9" name="Espace réservé du numéro de diapositive 8"/>
+          <p:cNvPr id="9" name="Slide Number Placeholder 8"/>
           <p:cNvSpPr>
             <a:spLocks noGrp="1"/>
           </p:cNvSpPr>
@@ -1663,7 +5038,7 @@
     </p:spTree>
     <p:extLst>
       <p:ext uri="{BB962C8B-B14F-4D97-AF65-F5344CB8AC3E}">
-        <p14:creationId xmlns:p14="http://schemas.microsoft.com/office/powerpoint/2010/main" val="3319591228"/>
+        <p14:creationId xmlns:p14="http://schemas.microsoft.com/office/powerpoint/2010/main" val="2966520560"/>
       </p:ext>
     </p:extLst>
   </p:cSld>
@@ -1692,7 +5067,7 @@
       </p:grpSpPr>
       <p:sp>
         <p:nvSpPr>
-          <p:cNvPr id="2" name="Titre 1"/>
+          <p:cNvPr id="2" name="Title 1"/>
           <p:cNvSpPr>
             <a:spLocks noGrp="1"/>
           </p:cNvSpPr>
@@ -1709,13 +5084,13 @@
               <a:rPr lang="fr-FR" smtClean="0"/>
               <a:t>Modifiez le style du titre</a:t>
             </a:r>
-            <a:endParaRPr lang="fr-FR"/>
-          </a:p>
-        </p:txBody>
-      </p:sp>
-      <p:sp>
-        <p:nvSpPr>
-          <p:cNvPr id="3" name="Espace réservé de la date 2"/>
+            <a:endParaRPr lang="en-US" dirty="0"/>
+          </a:p>
+        </p:txBody>
+      </p:sp>
+      <p:sp>
+        <p:nvSpPr>
+          <p:cNvPr id="3" name="Date Placeholder 2"/>
           <p:cNvSpPr>
             <a:spLocks noGrp="1"/>
           </p:cNvSpPr>
@@ -1730,7 +5105,7 @@
           <a:p>
             <a:fld id="{B7587B24-865D-4771-9029-786DFBF8CB56}" type="datetimeFigureOut">
               <a:rPr lang="fr-FR" smtClean="0"/>
-              <a:t>23/11/2024</a:t>
+              <a:t>02/12/2024</a:t>
             </a:fld>
             <a:endParaRPr lang="fr-FR"/>
           </a:p>
@@ -1738,7 +5113,7 @@
       </p:sp>
       <p:sp>
         <p:nvSpPr>
-          <p:cNvPr id="4" name="Espace réservé du pied de page 3"/>
+          <p:cNvPr id="4" name="Footer Placeholder 3"/>
           <p:cNvSpPr>
             <a:spLocks noGrp="1"/>
           </p:cNvSpPr>
@@ -1757,7 +5132,7 @@
       </p:sp>
       <p:sp>
         <p:nvSpPr>
-          <p:cNvPr id="5" name="Espace réservé du numéro de diapositive 4"/>
+          <p:cNvPr id="5" name="Slide Number Placeholder 4"/>
           <p:cNvSpPr>
             <a:spLocks noGrp="1"/>
           </p:cNvSpPr>
@@ -1781,7 +5156,7 @@
     </p:spTree>
     <p:extLst>
       <p:ext uri="{BB962C8B-B14F-4D97-AF65-F5344CB8AC3E}">
-        <p14:creationId xmlns:p14="http://schemas.microsoft.com/office/powerpoint/2010/main" val="1268284938"/>
+        <p14:creationId xmlns:p14="http://schemas.microsoft.com/office/powerpoint/2010/main" val="3523302754"/>
       </p:ext>
     </p:extLst>
   </p:cSld>
@@ -1810,7 +5185,7 @@
       </p:grpSpPr>
       <p:sp>
         <p:nvSpPr>
-          <p:cNvPr id="2" name="Espace réservé de la date 1"/>
+          <p:cNvPr id="2" name="Date Placeholder 1"/>
           <p:cNvSpPr>
             <a:spLocks noGrp="1"/>
           </p:cNvSpPr>
@@ -1825,7 +5200,7 @@
           <a:p>
             <a:fld id="{B7587B24-865D-4771-9029-786DFBF8CB56}" type="datetimeFigureOut">
               <a:rPr lang="fr-FR" smtClean="0"/>
-              <a:t>23/11/2024</a:t>
+              <a:t>02/12/2024</a:t>
             </a:fld>
             <a:endParaRPr lang="fr-FR"/>
           </a:p>
@@ -1833,7 +5208,7 @@
       </p:sp>
       <p:sp>
         <p:nvSpPr>
-          <p:cNvPr id="3" name="Espace réservé du pied de page 2"/>
+          <p:cNvPr id="3" name="Footer Placeholder 2"/>
           <p:cNvSpPr>
             <a:spLocks noGrp="1"/>
           </p:cNvSpPr>
@@ -1852,7 +5227,7 @@
       </p:sp>
       <p:sp>
         <p:nvSpPr>
-          <p:cNvPr id="4" name="Espace réservé du numéro de diapositive 3"/>
+          <p:cNvPr id="4" name="Slide Number Placeholder 3"/>
           <p:cNvSpPr>
             <a:spLocks noGrp="1"/>
           </p:cNvSpPr>
@@ -1876,7 +5251,7 @@
     </p:spTree>
     <p:extLst>
       <p:ext uri="{BB962C8B-B14F-4D97-AF65-F5344CB8AC3E}">
-        <p14:creationId xmlns:p14="http://schemas.microsoft.com/office/powerpoint/2010/main" val="937822768"/>
+        <p14:creationId xmlns:p14="http://schemas.microsoft.com/office/powerpoint/2010/main" val="3350910075"/>
       </p:ext>
     </p:extLst>
   </p:cSld>
@@ -1905,7 +5280,7 @@
       </p:grpSpPr>
       <p:sp>
         <p:nvSpPr>
-          <p:cNvPr id="2" name="Titre 1"/>
+          <p:cNvPr id="2" name="Title 1"/>
           <p:cNvSpPr>
             <a:spLocks noGrp="1"/>
           </p:cNvSpPr>
@@ -1915,15 +5290,17 @@
         </p:nvSpPr>
         <p:spPr>
           <a:xfrm>
-            <a:off x="839788" y="457200"/>
-            <a:ext cx="3932237" cy="1600200"/>
+            <a:off x="693643" y="685800"/>
+            <a:ext cx="4126860" cy="2023252"/>
           </a:xfrm>
         </p:spPr>
         <p:txBody>
-          <a:bodyPr anchor="b"/>
+          <a:bodyPr anchor="b">
+            <a:normAutofit/>
+          </a:bodyPr>
           <a:lstStyle>
-            <a:lvl1pPr>
-              <a:defRPr sz="3200"/>
+            <a:lvl1pPr algn="ctr">
+              <a:defRPr sz="3600"/>
             </a:lvl1pPr>
           </a:lstStyle>
           <a:p>
@@ -1931,57 +5308,29 @@
               <a:rPr lang="fr-FR" smtClean="0"/>
               <a:t>Modifiez le style du titre</a:t>
             </a:r>
-            <a:endParaRPr lang="fr-FR"/>
-          </a:p>
-        </p:txBody>
-      </p:sp>
-      <p:sp>
-        <p:nvSpPr>
-          <p:cNvPr id="3" name="Espace réservé du contenu 2"/>
-          <p:cNvSpPr>
-            <a:spLocks noGrp="1"/>
-          </p:cNvSpPr>
-          <p:nvPr>
-            <p:ph idx="1"/>
+            <a:endParaRPr lang="en-US" dirty="0"/>
+          </a:p>
+        </p:txBody>
+      </p:sp>
+      <p:sp>
+        <p:nvSpPr>
+          <p:cNvPr id="10" name="Content Placeholder 2"/>
+          <p:cNvSpPr>
+            <a:spLocks noGrp="1"/>
+          </p:cNvSpPr>
+          <p:nvPr>
+            <p:ph sz="quarter" idx="13"/>
           </p:nvPr>
         </p:nvSpPr>
         <p:spPr>
           <a:xfrm>
-            <a:off x="5183188" y="987425"/>
-            <a:ext cx="6172200" cy="4873625"/>
+            <a:off x="5046132" y="685800"/>
+            <a:ext cx="6034375" cy="4688785"/>
           </a:xfrm>
         </p:spPr>
         <p:txBody>
           <a:bodyPr/>
-          <a:lstStyle>
-            <a:lvl1pPr>
-              <a:defRPr sz="3200"/>
-            </a:lvl1pPr>
-            <a:lvl2pPr>
-              <a:defRPr sz="2800"/>
-            </a:lvl2pPr>
-            <a:lvl3pPr>
-              <a:defRPr sz="2400"/>
-            </a:lvl3pPr>
-            <a:lvl4pPr>
-              <a:defRPr sz="2000"/>
-            </a:lvl4pPr>
-            <a:lvl5pPr>
-              <a:defRPr sz="2000"/>
-            </a:lvl5pPr>
-            <a:lvl6pPr>
-              <a:defRPr sz="2000"/>
-            </a:lvl6pPr>
-            <a:lvl7pPr>
-              <a:defRPr sz="2000"/>
-            </a:lvl7pPr>
-            <a:lvl8pPr>
-              <a:defRPr sz="2000"/>
-            </a:lvl8pPr>
-            <a:lvl9pPr>
-              <a:defRPr sz="2000"/>
-            </a:lvl9pPr>
-          </a:lstStyle>
+          <a:lstStyle/>
           <a:p>
             <a:pPr lvl="0"/>
             <a:r>
@@ -2016,13 +5365,13 @@
               <a:rPr lang="fr-FR" smtClean="0"/>
               <a:t>Cinquième niveau</a:t>
             </a:r>
-            <a:endParaRPr lang="fr-FR"/>
-          </a:p>
-        </p:txBody>
-      </p:sp>
-      <p:sp>
-        <p:nvSpPr>
-          <p:cNvPr id="4" name="Espace réservé du texte 3"/>
+            <a:endParaRPr lang="en-US" dirty="0"/>
+          </a:p>
+        </p:txBody>
+      </p:sp>
+      <p:sp>
+        <p:nvSpPr>
+          <p:cNvPr id="4" name="Text Placeholder 3"/>
           <p:cNvSpPr>
             <a:spLocks noGrp="1"/>
           </p:cNvSpPr>
@@ -2032,16 +5381,18 @@
         </p:nvSpPr>
         <p:spPr>
           <a:xfrm>
-            <a:off x="839788" y="2057400"/>
-            <a:ext cx="3932237" cy="3811588"/>
+            <a:off x="693642" y="2709052"/>
+            <a:ext cx="4126861" cy="2665533"/>
           </a:xfrm>
         </p:spPr>
         <p:txBody>
-          <a:bodyPr/>
+          <a:bodyPr anchor="t">
+            <a:normAutofit/>
+          </a:bodyPr>
           <a:lstStyle>
-            <a:lvl1pPr marL="0" indent="0">
-              <a:buNone/>
-              <a:defRPr sz="1600"/>
+            <a:lvl1pPr marL="0" indent="0" algn="ctr">
+              <a:buNone/>
+              <a:defRPr sz="1800"/>
             </a:lvl1pPr>
             <a:lvl2pPr marL="457200" indent="0">
               <a:buNone/>
@@ -2087,7 +5438,7 @@
       </p:sp>
       <p:sp>
         <p:nvSpPr>
-          <p:cNvPr id="5" name="Espace réservé de la date 4"/>
+          <p:cNvPr id="5" name="Date Placeholder 4"/>
           <p:cNvSpPr>
             <a:spLocks noGrp="1"/>
           </p:cNvSpPr>
@@ -2102,7 +5453,7 @@
           <a:p>
             <a:fld id="{B7587B24-865D-4771-9029-786DFBF8CB56}" type="datetimeFigureOut">
               <a:rPr lang="fr-FR" smtClean="0"/>
-              <a:t>23/11/2024</a:t>
+              <a:t>02/12/2024</a:t>
             </a:fld>
             <a:endParaRPr lang="fr-FR"/>
           </a:p>
@@ -2110,7 +5461,7 @@
       </p:sp>
       <p:sp>
         <p:nvSpPr>
-          <p:cNvPr id="6" name="Espace réservé du pied de page 5"/>
+          <p:cNvPr id="6" name="Footer Placeholder 5"/>
           <p:cNvSpPr>
             <a:spLocks noGrp="1"/>
           </p:cNvSpPr>
@@ -2129,7 +5480,7 @@
       </p:sp>
       <p:sp>
         <p:nvSpPr>
-          <p:cNvPr id="7" name="Espace réservé du numéro de diapositive 6"/>
+          <p:cNvPr id="7" name="Slide Number Placeholder 6"/>
           <p:cNvSpPr>
             <a:spLocks noGrp="1"/>
           </p:cNvSpPr>
@@ -2153,7 +5504,7 @@
     </p:spTree>
     <p:extLst>
       <p:ext uri="{BB962C8B-B14F-4D97-AF65-F5344CB8AC3E}">
-        <p14:creationId xmlns:p14="http://schemas.microsoft.com/office/powerpoint/2010/main" val="412100783"/>
+        <p14:creationId xmlns:p14="http://schemas.microsoft.com/office/powerpoint/2010/main" val="1660426124"/>
       </p:ext>
     </p:extLst>
   </p:cSld>
@@ -2182,7 +5533,7 @@
       </p:grpSpPr>
       <p:sp>
         <p:nvSpPr>
-          <p:cNvPr id="2" name="Titre 1"/>
+          <p:cNvPr id="2" name="Title 1"/>
           <p:cNvSpPr>
             <a:spLocks noGrp="1"/>
           </p:cNvSpPr>
@@ -2192,15 +5543,17 @@
         </p:nvSpPr>
         <p:spPr>
           <a:xfrm>
-            <a:off x="839788" y="457200"/>
-            <a:ext cx="3932237" cy="1600200"/>
+            <a:off x="685800" y="685800"/>
+            <a:ext cx="6345302" cy="2023252"/>
           </a:xfrm>
         </p:spPr>
         <p:txBody>
-          <a:bodyPr anchor="b"/>
+          <a:bodyPr anchor="b">
+            <a:normAutofit/>
+          </a:bodyPr>
           <a:lstStyle>
-            <a:lvl1pPr>
-              <a:defRPr sz="3200"/>
+            <a:lvl1pPr algn="ctr">
+              <a:defRPr sz="3600"/>
             </a:lvl1pPr>
           </a:lstStyle>
           <a:p>
@@ -2208,15 +5561,15 @@
               <a:rPr lang="fr-FR" smtClean="0"/>
               <a:t>Modifiez le style du titre</a:t>
             </a:r>
-            <a:endParaRPr lang="fr-FR"/>
-          </a:p>
-        </p:txBody>
-      </p:sp>
-      <p:sp>
-        <p:nvSpPr>
-          <p:cNvPr id="3" name="Espace réservé pour une image  2"/>
-          <p:cNvSpPr>
-            <a:spLocks noGrp="1"/>
+            <a:endParaRPr lang="en-US" dirty="0"/>
+          </a:p>
+        </p:txBody>
+      </p:sp>
+      <p:sp>
+        <p:nvSpPr>
+          <p:cNvPr id="3" name="Picture Placeholder 2"/>
+          <p:cNvSpPr>
+            <a:spLocks noGrp="1" noChangeAspect="1"/>
           </p:cNvSpPr>
           <p:nvPr>
             <p:ph type="pic" idx="1"/>
@@ -2224,14 +5577,22 @@
         </p:nvSpPr>
         <p:spPr>
           <a:xfrm>
-            <a:off x="5183188" y="987425"/>
-            <a:ext cx="6172200" cy="4873625"/>
+            <a:off x="7482362" y="0"/>
+            <a:ext cx="3598146" cy="5071533"/>
           </a:xfrm>
+          <a:ln w="57150" cmpd="thinThick">
+            <a:solidFill>
+              <a:schemeClr val="bg1">
+                <a:lumMod val="50000"/>
+              </a:schemeClr>
+            </a:solidFill>
+            <a:miter lim="800000"/>
+          </a:ln>
         </p:spPr>
         <p:txBody>
-          <a:bodyPr/>
+          <a:bodyPr anchor="t"/>
           <a:lstStyle>
-            <a:lvl1pPr marL="0" indent="0">
+            <a:lvl1pPr marL="0" indent="0" algn="ctr">
               <a:buNone/>
               <a:defRPr sz="3200"/>
             </a:lvl1pPr>
@@ -2269,13 +5630,17 @@
             </a:lvl9pPr>
           </a:lstStyle>
           <a:p>
-            <a:endParaRPr lang="fr-FR"/>
-          </a:p>
-        </p:txBody>
-      </p:sp>
-      <p:sp>
-        <p:nvSpPr>
-          <p:cNvPr id="4" name="Espace réservé du texte 3"/>
+            <a:r>
+              <a:rPr lang="fr-FR" smtClean="0"/>
+              <a:t>Cliquez sur l'icône pour ajouter une image</a:t>
+            </a:r>
+            <a:endParaRPr lang="en-US" dirty="0"/>
+          </a:p>
+        </p:txBody>
+      </p:sp>
+      <p:sp>
+        <p:nvSpPr>
+          <p:cNvPr id="4" name="Text Placeholder 3"/>
           <p:cNvSpPr>
             <a:spLocks noGrp="1"/>
           </p:cNvSpPr>
@@ -2285,16 +5650,18 @@
         </p:nvSpPr>
         <p:spPr>
           <a:xfrm>
-            <a:off x="839788" y="2057400"/>
-            <a:ext cx="3932237" cy="3811588"/>
+            <a:off x="685801" y="2709052"/>
+            <a:ext cx="6345301" cy="2362481"/>
           </a:xfrm>
         </p:spPr>
         <p:txBody>
-          <a:bodyPr/>
+          <a:bodyPr anchor="t">
+            <a:normAutofit/>
+          </a:bodyPr>
           <a:lstStyle>
-            <a:lvl1pPr marL="0" indent="0">
-              <a:buNone/>
-              <a:defRPr sz="1600"/>
+            <a:lvl1pPr marL="0" indent="0" algn="ctr">
+              <a:buNone/>
+              <a:defRPr sz="1800"/>
             </a:lvl1pPr>
             <a:lvl2pPr marL="457200" indent="0">
               <a:buNone/>
@@ -2340,7 +5707,7 @@
       </p:sp>
       <p:sp>
         <p:nvSpPr>
-          <p:cNvPr id="5" name="Espace réservé de la date 4"/>
+          <p:cNvPr id="5" name="Date Placeholder 4"/>
           <p:cNvSpPr>
             <a:spLocks noGrp="1"/>
           </p:cNvSpPr>
@@ -2355,7 +5722,7 @@
           <a:p>
             <a:fld id="{B7587B24-865D-4771-9029-786DFBF8CB56}" type="datetimeFigureOut">
               <a:rPr lang="fr-FR" smtClean="0"/>
-              <a:t>23/11/2024</a:t>
+              <a:t>02/12/2024</a:t>
             </a:fld>
             <a:endParaRPr lang="fr-FR"/>
           </a:p>
@@ -2363,7 +5730,7 @@
       </p:sp>
       <p:sp>
         <p:nvSpPr>
-          <p:cNvPr id="6" name="Espace réservé du pied de page 5"/>
+          <p:cNvPr id="6" name="Footer Placeholder 5"/>
           <p:cNvSpPr>
             <a:spLocks noGrp="1"/>
           </p:cNvSpPr>
@@ -2382,7 +5749,7 @@
       </p:sp>
       <p:sp>
         <p:nvSpPr>
-          <p:cNvPr id="7" name="Espace réservé du numéro de diapositive 6"/>
+          <p:cNvPr id="7" name="Slide Number Placeholder 6"/>
           <p:cNvSpPr>
             <a:spLocks noGrp="1"/>
           </p:cNvSpPr>
@@ -2406,7 +5773,7 @@
     </p:spTree>
     <p:extLst>
       <p:ext uri="{BB962C8B-B14F-4D97-AF65-F5344CB8AC3E}">
-        <p14:creationId xmlns:p14="http://schemas.microsoft.com/office/powerpoint/2010/main" val="845633087"/>
+        <p14:creationId xmlns:p14="http://schemas.microsoft.com/office/powerpoint/2010/main" val="4127867040"/>
       </p:ext>
     </p:extLst>
   </p:cSld>
@@ -2420,7 +5787,7 @@
 <p:sldMaster xmlns:a="http://schemas.openxmlformats.org/drawingml/2006/main" xmlns:r="http://schemas.openxmlformats.org/officeDocument/2006/relationships" xmlns:p="http://schemas.openxmlformats.org/presentationml/2006/main">
   <p:cSld>
     <p:bg>
-      <p:bgRef idx="1001">
+      <p:bgRef idx="1003">
         <a:schemeClr val="bg1"/>
       </p:bgRef>
     </p:bg>
@@ -2438,128 +5805,318 @@
           <a:chExt cx="0" cy="0"/>
         </a:xfrm>
       </p:grpSpPr>
-      <p:sp>
-        <p:nvSpPr>
-          <p:cNvPr id="2" name="Espace réservé du titre 1"/>
-          <p:cNvSpPr>
-            <a:spLocks noGrp="1"/>
-          </p:cNvSpPr>
-          <p:nvPr>
-            <p:ph type="title"/>
-          </p:nvPr>
-        </p:nvSpPr>
+      <p:pic>
+        <p:nvPicPr>
+          <p:cNvPr id="7" name="Picture 6" descr="Brickwork-HD-R1a.jpg"/>
+          <p:cNvPicPr>
+            <a:picLocks noChangeAspect="1"/>
+          </p:cNvPicPr>
+          <p:nvPr/>
+        </p:nvPicPr>
+        <p:blipFill>
+          <a:blip r:embed="rId19">
+            <a:extLst>
+              <a:ext uri="{28A0092B-C50C-407E-A947-70E740481C1C}">
+                <a14:useLocalDpi xmlns:a14="http://schemas.microsoft.com/office/drawing/2010/main" val="0"/>
+              </a:ext>
+            </a:extLst>
+          </a:blip>
+          <a:stretch>
+            <a:fillRect/>
+          </a:stretch>
+        </p:blipFill>
         <p:spPr>
           <a:xfrm>
-            <a:off x="838200" y="365125"/>
-            <a:ext cx="10515600" cy="1325563"/>
+            <a:off x="0" y="0"/>
+            <a:ext cx="12192000" cy="6858000"/>
           </a:xfrm>
           <a:prstGeom prst="rect">
             <a:avLst/>
           </a:prstGeom>
         </p:spPr>
-        <p:txBody>
-          <a:bodyPr vert="horz" lIns="91440" tIns="45720" rIns="91440" bIns="45720" rtlCol="0" anchor="ctr">
-            <a:normAutofit/>
-          </a:bodyPr>
-          <a:lstStyle/>
-          <a:p>
-            <a:r>
-              <a:rPr lang="fr-FR" smtClean="0"/>
-              <a:t>Modifiez le style du titre</a:t>
-            </a:r>
-            <a:endParaRPr lang="fr-FR"/>
-          </a:p>
-        </p:txBody>
-      </p:sp>
-      <p:sp>
-        <p:nvSpPr>
-          <p:cNvPr id="3" name="Espace réservé du texte 2"/>
-          <p:cNvSpPr>
-            <a:spLocks noGrp="1"/>
-          </p:cNvSpPr>
-          <p:nvPr>
-            <p:ph type="body" idx="1"/>
+      </p:pic>
+      <p:grpSp>
+        <p:nvGrpSpPr>
+          <p:cNvPr id="10" name="Group 9"/>
+          <p:cNvGrpSpPr/>
+          <p:nvPr/>
+        </p:nvGrpSpPr>
+        <p:grpSpPr>
+          <a:xfrm>
+            <a:off x="-25397" y="0"/>
+            <a:ext cx="12005350" cy="6644081"/>
+            <a:chOff x="-25397" y="0"/>
+            <a:chExt cx="12005350" cy="6644081"/>
+          </a:xfrm>
+        </p:grpSpPr>
+        <p:sp useBgFill="1">
+          <p:nvSpPr>
+            <p:cNvPr id="11" name="Rectangle 10"/>
+            <p:cNvSpPr/>
+            <p:nvPr/>
+          </p:nvSpPr>
+          <p:spPr>
+            <a:xfrm>
+              <a:off x="1" y="0"/>
+              <a:ext cx="11979952" cy="6644081"/>
+            </a:xfrm>
+            <a:prstGeom prst="rect">
+              <a:avLst/>
+            </a:prstGeom>
+            <a:ln>
+              <a:noFill/>
+            </a:ln>
+            <a:effectLst>
+              <a:outerShdw blurRad="98425" dist="76200" dir="4380000" algn="tl" rotWithShape="0">
+                <a:srgbClr val="000000">
+                  <a:alpha val="68000"/>
+                </a:srgbClr>
+              </a:outerShdw>
+            </a:effectLst>
+          </p:spPr>
+          <p:style>
+            <a:lnRef idx="1">
+              <a:schemeClr val="accent1"/>
+            </a:lnRef>
+            <a:fillRef idx="3">
+              <a:schemeClr val="accent1"/>
+            </a:fillRef>
+            <a:effectRef idx="2">
+              <a:schemeClr val="accent1"/>
+            </a:effectRef>
+            <a:fontRef idx="minor">
+              <a:schemeClr val="lt1"/>
+            </a:fontRef>
+          </p:style>
+        </p:sp>
+        <p:sp>
+          <p:nvSpPr>
+            <p:cNvPr id="12" name="Freeform 11"/>
+            <p:cNvSpPr/>
+            <p:nvPr/>
+          </p:nvSpPr>
+          <p:spPr>
+            <a:xfrm>
+              <a:off x="-25397" y="0"/>
+              <a:ext cx="11773291" cy="6419514"/>
+            </a:xfrm>
+            <a:custGeom>
+              <a:avLst/>
+              <a:gdLst/>
+              <a:ahLst/>
+              <a:cxnLst/>
+              <a:rect l="l" t="t" r="r" b="b"/>
+              <a:pathLst>
+                <a:path w="11773291" h="6419514">
+                  <a:moveTo>
+                    <a:pt x="11750059" y="0"/>
+                  </a:moveTo>
+                  <a:lnTo>
+                    <a:pt x="11773291" y="6419514"/>
+                  </a:lnTo>
+                  <a:lnTo>
+                    <a:pt x="0" y="6411047"/>
+                  </a:lnTo>
+                </a:path>
+              </a:pathLst>
+            </a:custGeom>
+            <a:ln w="82550">
+              <a:solidFill>
+                <a:schemeClr val="tx1">
+                  <a:lumMod val="50000"/>
+                  <a:lumOff val="50000"/>
+                </a:schemeClr>
+              </a:solidFill>
+              <a:miter lim="800000"/>
+            </a:ln>
+          </p:spPr>
+          <p:style>
+            <a:lnRef idx="2">
+              <a:schemeClr val="accent1"/>
+            </a:lnRef>
+            <a:fillRef idx="0">
+              <a:schemeClr val="accent1"/>
+            </a:fillRef>
+            <a:effectRef idx="1">
+              <a:schemeClr val="accent1"/>
+            </a:effectRef>
+            <a:fontRef idx="minor">
+              <a:schemeClr val="tx1"/>
+            </a:fontRef>
+          </p:style>
+        </p:sp>
+        <p:sp>
+          <p:nvSpPr>
+            <p:cNvPr id="13" name="Rectangle 12"/>
+            <p:cNvSpPr/>
+            <p:nvPr/>
+          </p:nvSpPr>
+          <p:spPr>
+            <a:xfrm>
+              <a:off x="1" y="5600215"/>
+              <a:ext cx="11706512" cy="780581"/>
+            </a:xfrm>
+            <a:prstGeom prst="rect">
+              <a:avLst/>
+            </a:prstGeom>
+            <a:gradFill flip="none" rotWithShape="1">
+              <a:gsLst>
+                <a:gs pos="34000">
+                  <a:schemeClr val="accent1"/>
+                </a:gs>
+                <a:gs pos="100000">
+                  <a:schemeClr val="accent1">
+                    <a:lumMod val="50000"/>
+                  </a:schemeClr>
+                </a:gs>
+              </a:gsLst>
+              <a:path path="circle">
+                <a:fillToRect l="50000" t="50000" r="50000" b="50000"/>
+              </a:path>
+              <a:tileRect/>
+            </a:gradFill>
+            <a:ln>
+              <a:noFill/>
+            </a:ln>
+          </p:spPr>
+          <p:style>
+            <a:lnRef idx="1">
+              <a:schemeClr val="accent1"/>
+            </a:lnRef>
+            <a:fillRef idx="3">
+              <a:schemeClr val="accent1"/>
+            </a:fillRef>
+            <a:effectRef idx="2">
+              <a:schemeClr val="accent1"/>
+            </a:effectRef>
+            <a:fontRef idx="minor">
+              <a:schemeClr val="lt1"/>
+            </a:fontRef>
+          </p:style>
+        </p:sp>
+      </p:grpSp>
+      <p:sp>
+        <p:nvSpPr>
+          <p:cNvPr id="2" name="Title Placeholder 1"/>
+          <p:cNvSpPr>
+            <a:spLocks noGrp="1"/>
+          </p:cNvSpPr>
+          <p:nvPr>
+            <p:ph type="title"/>
           </p:nvPr>
         </p:nvSpPr>
         <p:spPr>
           <a:xfrm>
-            <a:off x="838200" y="1825625"/>
-            <a:ext cx="10515600" cy="4351338"/>
+            <a:off x="685801" y="685800"/>
+            <a:ext cx="10396882" cy="1151965"/>
           </a:xfrm>
           <a:prstGeom prst="rect">
             <a:avLst/>
           </a:prstGeom>
         </p:spPr>
         <p:txBody>
-          <a:bodyPr vert="horz" lIns="91440" tIns="45720" rIns="91440" bIns="45720" rtlCol="0">
+          <a:bodyPr vert="horz" lIns="91440" tIns="45720" rIns="91440" bIns="45720" rtlCol="0" anchor="ctr">
             <a:normAutofit/>
           </a:bodyPr>
           <a:lstStyle/>
           <a:p>
-            <a:pPr lvl="0"/>
-            <a:r>
-              <a:rPr lang="fr-FR" smtClean="0"/>
-              <a:t>Modifiez les styles du texte du masque</a:t>
-            </a:r>
-          </a:p>
-          <a:p>
-            <a:pPr lvl="1"/>
-            <a:r>
-              <a:rPr lang="fr-FR" smtClean="0"/>
-              <a:t>Deuxième niveau</a:t>
-            </a:r>
-          </a:p>
-          <a:p>
-            <a:pPr lvl="2"/>
-            <a:r>
-              <a:rPr lang="fr-FR" smtClean="0"/>
-              <a:t>Troisième niveau</a:t>
-            </a:r>
-          </a:p>
-          <a:p>
-            <a:pPr lvl="3"/>
-            <a:r>
-              <a:rPr lang="fr-FR" smtClean="0"/>
-              <a:t>Quatrième niveau</a:t>
-            </a:r>
-          </a:p>
-          <a:p>
-            <a:pPr lvl="4"/>
-            <a:r>
-              <a:rPr lang="fr-FR" smtClean="0"/>
-              <a:t>Cinquième niveau</a:t>
-            </a:r>
-            <a:endParaRPr lang="fr-FR"/>
-          </a:p>
-        </p:txBody>
-      </p:sp>
-      <p:sp>
-        <p:nvSpPr>
-          <p:cNvPr id="4" name="Espace réservé de la date 3"/>
-          <p:cNvSpPr>
-            <a:spLocks noGrp="1"/>
-          </p:cNvSpPr>
-          <p:nvPr>
-            <p:ph type="dt" sz="half" idx="2"/>
+            <a:r>
+              <a:rPr lang="fr-FR" smtClean="0"/>
+              <a:t>Modifiez le style du titre</a:t>
+            </a:r>
+            <a:endParaRPr lang="en-US" dirty="0"/>
+          </a:p>
+        </p:txBody>
+      </p:sp>
+      <p:sp>
+        <p:nvSpPr>
+          <p:cNvPr id="3" name="Text Placeholder 2"/>
+          <p:cNvSpPr>
+            <a:spLocks noGrp="1"/>
+          </p:cNvSpPr>
+          <p:nvPr>
+            <p:ph type="body" idx="1"/>
           </p:nvPr>
         </p:nvSpPr>
         <p:spPr>
           <a:xfrm>
-            <a:off x="838200" y="6356350"/>
-            <a:ext cx="2743200" cy="365125"/>
+            <a:off x="685800" y="2063396"/>
+            <a:ext cx="10396883" cy="3311189"/>
           </a:xfrm>
           <a:prstGeom prst="rect">
             <a:avLst/>
           </a:prstGeom>
         </p:spPr>
         <p:txBody>
+          <a:bodyPr vert="horz" lIns="91440" tIns="45720" rIns="91440" bIns="45720" rtlCol="0" anchor="ctr">
+            <a:normAutofit/>
+          </a:bodyPr>
+          <a:lstStyle/>
+          <a:p>
+            <a:pPr lvl="0"/>
+            <a:r>
+              <a:rPr lang="fr-FR" smtClean="0"/>
+              <a:t>Modifiez les styles du texte du masque</a:t>
+            </a:r>
+          </a:p>
+          <a:p>
+            <a:pPr lvl="1"/>
+            <a:r>
+              <a:rPr lang="fr-FR" smtClean="0"/>
+              <a:t>Deuxième niveau</a:t>
+            </a:r>
+          </a:p>
+          <a:p>
+            <a:pPr lvl="2"/>
+            <a:r>
+              <a:rPr lang="fr-FR" smtClean="0"/>
+              <a:t>Troisième niveau</a:t>
+            </a:r>
+          </a:p>
+          <a:p>
+            <a:pPr lvl="3"/>
+            <a:r>
+              <a:rPr lang="fr-FR" smtClean="0"/>
+              <a:t>Quatrième niveau</a:t>
+            </a:r>
+          </a:p>
+          <a:p>
+            <a:pPr lvl="4"/>
+            <a:r>
+              <a:rPr lang="fr-FR" smtClean="0"/>
+              <a:t>Cinquième niveau</a:t>
+            </a:r>
+            <a:endParaRPr lang="en-US" dirty="0"/>
+          </a:p>
+        </p:txBody>
+      </p:sp>
+      <p:sp>
+        <p:nvSpPr>
+          <p:cNvPr id="4" name="Date Placeholder 3"/>
+          <p:cNvSpPr>
+            <a:spLocks noGrp="1"/>
+          </p:cNvSpPr>
+          <p:nvPr>
+            <p:ph type="dt" sz="half" idx="2"/>
+          </p:nvPr>
+        </p:nvSpPr>
+        <p:spPr>
+          <a:xfrm>
+            <a:off x="7298083" y="5757334"/>
+            <a:ext cx="3784600" cy="498470"/>
+          </a:xfrm>
+          <a:prstGeom prst="rect">
+            <a:avLst/>
+          </a:prstGeom>
+        </p:spPr>
+        <p:txBody>
           <a:bodyPr vert="horz" lIns="91440" tIns="45720" rIns="91440" bIns="45720" rtlCol="0" anchor="ctr"/>
           <a:lstStyle>
-            <a:lvl1pPr algn="l">
-              <a:defRPr sz="1200">
+            <a:lvl1pPr algn="r">
+              <a:defRPr sz="3200" cap="all" baseline="0">
                 <a:solidFill>
-                  <a:schemeClr val="tx1">
-                    <a:tint val="75000"/>
+                  <a:schemeClr val="accent1">
+                    <a:lumMod val="50000"/>
                   </a:schemeClr>
                 </a:solidFill>
               </a:defRPr>
@@ -2568,7 +6125,7 @@
           <a:p>
             <a:fld id="{B7587B24-865D-4771-9029-786DFBF8CB56}" type="datetimeFigureOut">
               <a:rPr lang="fr-FR" smtClean="0"/>
-              <a:t>23/11/2024</a:t>
+              <a:t>02/12/2024</a:t>
             </a:fld>
             <a:endParaRPr lang="fr-FR"/>
           </a:p>
@@ -2576,7 +6133,7 @@
       </p:sp>
       <p:sp>
         <p:nvSpPr>
-          <p:cNvPr id="5" name="Espace réservé du pied de page 4"/>
+          <p:cNvPr id="5" name="Footer Placeholder 4"/>
           <p:cNvSpPr>
             <a:spLocks noGrp="1"/>
           </p:cNvSpPr>
@@ -2586,8 +6143,8 @@
         </p:nvSpPr>
         <p:spPr>
           <a:xfrm>
-            <a:off x="4038600" y="6356350"/>
-            <a:ext cx="4114800" cy="365125"/>
+            <a:off x="685801" y="5757334"/>
+            <a:ext cx="5499719" cy="498470"/>
           </a:xfrm>
           <a:prstGeom prst="rect">
             <a:avLst/>
@@ -2596,11 +6153,11 @@
         <p:txBody>
           <a:bodyPr vert="horz" lIns="91440" tIns="45720" rIns="91440" bIns="45720" rtlCol="0" anchor="ctr"/>
           <a:lstStyle>
-            <a:lvl1pPr algn="ctr">
-              <a:defRPr sz="1200">
+            <a:lvl1pPr algn="l">
+              <a:defRPr sz="3200" cap="all" baseline="0">
                 <a:solidFill>
-                  <a:schemeClr val="tx1">
-                    <a:tint val="75000"/>
+                  <a:schemeClr val="accent1">
+                    <a:lumMod val="50000"/>
                   </a:schemeClr>
                 </a:solidFill>
               </a:defRPr>
@@ -2613,7 +6170,7 @@
       </p:sp>
       <p:sp>
         <p:nvSpPr>
-          <p:cNvPr id="6" name="Espace réservé du numéro de diapositive 5"/>
+          <p:cNvPr id="6" name="Slide Number Placeholder 5"/>
           <p:cNvSpPr>
             <a:spLocks noGrp="1"/>
           </p:cNvSpPr>
@@ -2623,8 +6180,8 @@
         </p:nvSpPr>
         <p:spPr>
           <a:xfrm>
-            <a:off x="8610600" y="6356350"/>
-            <a:ext cx="2743200" cy="365125"/>
+            <a:off x="6287121" y="5757334"/>
+            <a:ext cx="907186" cy="498470"/>
           </a:xfrm>
           <a:prstGeom prst="rect">
             <a:avLst/>
@@ -2633,11 +6190,11 @@
         <p:txBody>
           <a:bodyPr vert="horz" lIns="91440" tIns="45720" rIns="91440" bIns="45720" rtlCol="0" anchor="ctr"/>
           <a:lstStyle>
-            <a:lvl1pPr algn="r">
-              <a:defRPr sz="1200">
+            <a:lvl1pPr algn="ctr">
+              <a:defRPr sz="3200" cap="all" baseline="0">
                 <a:solidFill>
-                  <a:schemeClr val="tx1">
-                    <a:tint val="75000"/>
+                  <a:schemeClr val="accent1">
+                    <a:lumMod val="50000"/>
                   </a:schemeClr>
                 </a:solidFill>
               </a:defRPr>
@@ -2655,23 +6212,29 @@
     </p:spTree>
     <p:extLst>
       <p:ext uri="{BB962C8B-B14F-4D97-AF65-F5344CB8AC3E}">
-        <p14:creationId xmlns:p14="http://schemas.microsoft.com/office/powerpoint/2010/main" val="4125586353"/>
+        <p14:creationId xmlns:p14="http://schemas.microsoft.com/office/powerpoint/2010/main" val="3790551016"/>
       </p:ext>
     </p:extLst>
   </p:cSld>
   <p:clrMap bg1="lt1" tx1="dk1" bg2="lt2" tx2="dk2" accent1="accent1" accent2="accent2" accent3="accent3" accent4="accent4" accent5="accent5" accent6="accent6" hlink="hlink" folHlink="folHlink"/>
   <p:sldLayoutIdLst>
-    <p:sldLayoutId id="2147483649" r:id="rId1"/>
-    <p:sldLayoutId id="2147483650" r:id="rId2"/>
-    <p:sldLayoutId id="2147483651" r:id="rId3"/>
-    <p:sldLayoutId id="2147483652" r:id="rId4"/>
-    <p:sldLayoutId id="2147483653" r:id="rId5"/>
-    <p:sldLayoutId id="2147483654" r:id="rId6"/>
-    <p:sldLayoutId id="2147483655" r:id="rId7"/>
-    <p:sldLayoutId id="2147483656" r:id="rId8"/>
-    <p:sldLayoutId id="2147483657" r:id="rId9"/>
-    <p:sldLayoutId id="2147483658" r:id="rId10"/>
-    <p:sldLayoutId id="2147483659" r:id="rId11"/>
+    <p:sldLayoutId id="2147483732" r:id="rId1"/>
+    <p:sldLayoutId id="2147483733" r:id="rId2"/>
+    <p:sldLayoutId id="2147483734" r:id="rId3"/>
+    <p:sldLayoutId id="2147483735" r:id="rId4"/>
+    <p:sldLayoutId id="2147483736" r:id="rId5"/>
+    <p:sldLayoutId id="2147483737" r:id="rId6"/>
+    <p:sldLayoutId id="2147483738" r:id="rId7"/>
+    <p:sldLayoutId id="2147483739" r:id="rId8"/>
+    <p:sldLayoutId id="2147483740" r:id="rId9"/>
+    <p:sldLayoutId id="2147483741" r:id="rId10"/>
+    <p:sldLayoutId id="2147483742" r:id="rId11"/>
+    <p:sldLayoutId id="2147483743" r:id="rId12"/>
+    <p:sldLayoutId id="2147483744" r:id="rId13"/>
+    <p:sldLayoutId id="2147483745" r:id="rId14"/>
+    <p:sldLayoutId id="2147483746" r:id="rId15"/>
+    <p:sldLayoutId id="2147483747" r:id="rId16"/>
+    <p:sldLayoutId id="2147483748" r:id="rId17"/>
   </p:sldLayoutIdLst>
   <p:txStyles>
     <p:titleStyle>
@@ -2683,10 +6246,11 @@
           <a:spcPct val="0"/>
         </a:spcBef>
         <a:buNone/>
-        <a:defRPr sz="4400" kern="1200">
+        <a:defRPr sz="5400" kern="1200" cap="all" baseline="0">
           <a:solidFill>
-            <a:schemeClr val="tx1"/>
+            <a:schemeClr val="accent1"/>
           </a:solidFill>
+          <a:effectLst/>
           <a:latin typeface="+mj-lt"/>
           <a:ea typeface="+mj-ea"/>
           <a:cs typeface="+mj-cs"/>
@@ -2696,17 +6260,22 @@
     <p:bodyStyle>
       <a:lvl1pPr marL="228600" indent="-228600" algn="l" defTabSz="914400" rtl="0" eaLnBrk="1" latinLnBrk="0" hangingPunct="1">
         <a:lnSpc>
-          <a:spcPct val="90000"/>
+          <a:spcPct val="120000"/>
         </a:lnSpc>
         <a:spcBef>
           <a:spcPts val="1000"/>
         </a:spcBef>
+        <a:buClr>
+          <a:schemeClr val="accent1"/>
+        </a:buClr>
+        <a:buSzPct val="160000"/>
         <a:buFont typeface="Arial" panose="020B0604020202020204" pitchFamily="34" charset="0"/>
         <a:buChar char="•"/>
-        <a:defRPr sz="2800" kern="1200">
+        <a:defRPr sz="2000" kern="1200" cap="all" baseline="0">
           <a:solidFill>
             <a:schemeClr val="tx1"/>
           </a:solidFill>
+          <a:effectLst/>
           <a:latin typeface="+mn-lt"/>
           <a:ea typeface="+mn-ea"/>
           <a:cs typeface="+mn-cs"/>
@@ -2714,17 +6283,22 @@
       </a:lvl1pPr>
       <a:lvl2pPr marL="685800" indent="-228600" algn="l" defTabSz="914400" rtl="0" eaLnBrk="1" latinLnBrk="0" hangingPunct="1">
         <a:lnSpc>
-          <a:spcPct val="90000"/>
+          <a:spcPct val="120000"/>
         </a:lnSpc>
         <a:spcBef>
           <a:spcPts val="500"/>
         </a:spcBef>
+        <a:buClr>
+          <a:schemeClr val="accent1"/>
+        </a:buClr>
+        <a:buSzPct val="160000"/>
         <a:buFont typeface="Arial" panose="020B0604020202020204" pitchFamily="34" charset="0"/>
         <a:buChar char="•"/>
-        <a:defRPr sz="2400" kern="1200">
+        <a:defRPr sz="1800" kern="1200" cap="all" baseline="0">
           <a:solidFill>
             <a:schemeClr val="tx1"/>
           </a:solidFill>
+          <a:effectLst/>
           <a:latin typeface="+mn-lt"/>
           <a:ea typeface="+mn-ea"/>
           <a:cs typeface="+mn-cs"/>
@@ -2732,17 +6306,22 @@
       </a:lvl2pPr>
       <a:lvl3pPr marL="1143000" indent="-228600" algn="l" defTabSz="914400" rtl="0" eaLnBrk="1" latinLnBrk="0" hangingPunct="1">
         <a:lnSpc>
-          <a:spcPct val="90000"/>
+          <a:spcPct val="120000"/>
         </a:lnSpc>
         <a:spcBef>
           <a:spcPts val="500"/>
         </a:spcBef>
+        <a:buClr>
+          <a:schemeClr val="accent1"/>
+        </a:buClr>
+        <a:buSzPct val="160000"/>
         <a:buFont typeface="Arial" panose="020B0604020202020204" pitchFamily="34" charset="0"/>
         <a:buChar char="•"/>
-        <a:defRPr sz="2000" kern="1200">
+        <a:defRPr sz="1600" kern="1200" cap="all" baseline="0">
           <a:solidFill>
             <a:schemeClr val="tx1"/>
           </a:solidFill>
+          <a:effectLst/>
           <a:latin typeface="+mn-lt"/>
           <a:ea typeface="+mn-ea"/>
           <a:cs typeface="+mn-cs"/>
@@ -2750,17 +6329,22 @@
       </a:lvl3pPr>
       <a:lvl4pPr marL="1600200" indent="-228600" algn="l" defTabSz="914400" rtl="0" eaLnBrk="1" latinLnBrk="0" hangingPunct="1">
         <a:lnSpc>
-          <a:spcPct val="90000"/>
+          <a:spcPct val="120000"/>
         </a:lnSpc>
         <a:spcBef>
           <a:spcPts val="500"/>
         </a:spcBef>
+        <a:buClr>
+          <a:schemeClr val="accent1"/>
+        </a:buClr>
+        <a:buSzPct val="160000"/>
         <a:buFont typeface="Arial" panose="020B0604020202020204" pitchFamily="34" charset="0"/>
         <a:buChar char="•"/>
-        <a:defRPr sz="1800" kern="1200">
+        <a:defRPr sz="1400" kern="1200" cap="all" baseline="0">
           <a:solidFill>
             <a:schemeClr val="tx1"/>
           </a:solidFill>
+          <a:effectLst/>
           <a:latin typeface="+mn-lt"/>
           <a:ea typeface="+mn-ea"/>
           <a:cs typeface="+mn-cs"/>
@@ -2768,17 +6352,22 @@
       </a:lvl4pPr>
       <a:lvl5pPr marL="2057400" indent="-228600" algn="l" defTabSz="914400" rtl="0" eaLnBrk="1" latinLnBrk="0" hangingPunct="1">
         <a:lnSpc>
-          <a:spcPct val="90000"/>
+          <a:spcPct val="120000"/>
         </a:lnSpc>
         <a:spcBef>
           <a:spcPts val="500"/>
         </a:spcBef>
+        <a:buClr>
+          <a:schemeClr val="accent1"/>
+        </a:buClr>
+        <a:buSzPct val="160000"/>
         <a:buFont typeface="Arial" panose="020B0604020202020204" pitchFamily="34" charset="0"/>
         <a:buChar char="•"/>
-        <a:defRPr sz="1800" kern="1200">
+        <a:defRPr sz="1400" kern="1200" cap="all" baseline="0">
           <a:solidFill>
             <a:schemeClr val="tx1"/>
           </a:solidFill>
+          <a:effectLst/>
           <a:latin typeface="+mn-lt"/>
           <a:ea typeface="+mn-ea"/>
           <a:cs typeface="+mn-cs"/>
@@ -2786,17 +6375,22 @@
       </a:lvl5pPr>
       <a:lvl6pPr marL="2514600" indent="-228600" algn="l" defTabSz="914400" rtl="0" eaLnBrk="1" latinLnBrk="0" hangingPunct="1">
         <a:lnSpc>
-          <a:spcPct val="90000"/>
+          <a:spcPct val="120000"/>
         </a:lnSpc>
         <a:spcBef>
           <a:spcPts val="500"/>
         </a:spcBef>
+        <a:buClr>
+          <a:schemeClr val="accent1"/>
+        </a:buClr>
+        <a:buSzPct val="160000"/>
         <a:buFont typeface="Arial" panose="020B0604020202020204" pitchFamily="34" charset="0"/>
         <a:buChar char="•"/>
-        <a:defRPr sz="1800" kern="1200">
+        <a:defRPr sz="1400" kern="1200" cap="all" baseline="0">
           <a:solidFill>
             <a:schemeClr val="tx1"/>
           </a:solidFill>
+          <a:effectLst/>
           <a:latin typeface="+mn-lt"/>
           <a:ea typeface="+mn-ea"/>
           <a:cs typeface="+mn-cs"/>
@@ -2804,17 +6398,22 @@
       </a:lvl6pPr>
       <a:lvl7pPr marL="2971800" indent="-228600" algn="l" defTabSz="914400" rtl="0" eaLnBrk="1" latinLnBrk="0" hangingPunct="1">
         <a:lnSpc>
-          <a:spcPct val="90000"/>
+          <a:spcPct val="120000"/>
         </a:lnSpc>
         <a:spcBef>
           <a:spcPts val="500"/>
         </a:spcBef>
+        <a:buClr>
+          <a:schemeClr val="accent1"/>
+        </a:buClr>
+        <a:buSzPct val="160000"/>
         <a:buFont typeface="Arial" panose="020B0604020202020204" pitchFamily="34" charset="0"/>
         <a:buChar char="•"/>
-        <a:defRPr sz="1800" kern="1200">
+        <a:defRPr sz="1400" kern="1200" cap="all" baseline="0">
           <a:solidFill>
             <a:schemeClr val="tx1"/>
           </a:solidFill>
+          <a:effectLst/>
           <a:latin typeface="+mn-lt"/>
           <a:ea typeface="+mn-ea"/>
           <a:cs typeface="+mn-cs"/>
@@ -2822,17 +6421,22 @@
       </a:lvl7pPr>
       <a:lvl8pPr marL="3429000" indent="-228600" algn="l" defTabSz="914400" rtl="0" eaLnBrk="1" latinLnBrk="0" hangingPunct="1">
         <a:lnSpc>
-          <a:spcPct val="90000"/>
+          <a:spcPct val="120000"/>
         </a:lnSpc>
         <a:spcBef>
           <a:spcPts val="500"/>
         </a:spcBef>
+        <a:buClr>
+          <a:schemeClr val="accent1"/>
+        </a:buClr>
+        <a:buSzPct val="160000"/>
         <a:buFont typeface="Arial" panose="020B0604020202020204" pitchFamily="34" charset="0"/>
         <a:buChar char="•"/>
-        <a:defRPr sz="1800" kern="1200">
+        <a:defRPr sz="1400" kern="1200" cap="all" baseline="0">
           <a:solidFill>
             <a:schemeClr val="tx1"/>
           </a:solidFill>
+          <a:effectLst/>
           <a:latin typeface="+mn-lt"/>
           <a:ea typeface="+mn-ea"/>
           <a:cs typeface="+mn-cs"/>
@@ -2840,17 +6444,22 @@
       </a:lvl8pPr>
       <a:lvl9pPr marL="3886200" indent="-228600" algn="l" defTabSz="914400" rtl="0" eaLnBrk="1" latinLnBrk="0" hangingPunct="1">
         <a:lnSpc>
-          <a:spcPct val="90000"/>
+          <a:spcPct val="120000"/>
         </a:lnSpc>
         <a:spcBef>
           <a:spcPts val="500"/>
         </a:spcBef>
+        <a:buClr>
+          <a:schemeClr val="accent1"/>
+        </a:buClr>
+        <a:buSzPct val="160000"/>
         <a:buFont typeface="Arial" panose="020B0604020202020204" pitchFamily="34" charset="0"/>
         <a:buChar char="•"/>
-        <a:defRPr sz="1800" kern="1200">
+        <a:defRPr sz="1400" kern="1200" cap="all" baseline="0">
           <a:solidFill>
             <a:schemeClr val="tx1"/>
           </a:solidFill>
+          <a:effectLst/>
           <a:latin typeface="+mn-lt"/>
           <a:ea typeface="+mn-ea"/>
           <a:cs typeface="+mn-cs"/>
@@ -2859,7 +6468,7 @@
     </p:bodyStyle>
     <p:otherStyle>
       <a:defPPr>
-        <a:defRPr lang="fr-FR"/>
+        <a:defRPr lang="en-US"/>
       </a:defPPr>
       <a:lvl1pPr marL="0" algn="l" defTabSz="914400" rtl="0" eaLnBrk="1" latinLnBrk="0" hangingPunct="1">
         <a:defRPr sz="1800" kern="1200">
@@ -3042,7 +6651,7 @@
         </p:spPr>
         <p:txBody>
           <a:bodyPr>
-            <a:normAutofit/>
+            <a:normAutofit fontScale="70000" lnSpcReduction="20000"/>
           </a:bodyPr>
           <a:lstStyle/>
           <a:p>
@@ -3108,6 +6717,260 @@
 </p:sld>
 </file>
 
+<file path=ppt/slides/slide10.xml><?xml version="1.0" encoding="utf-8"?>
+<p:sld xmlns:a="http://schemas.openxmlformats.org/drawingml/2006/main" xmlns:r="http://schemas.openxmlformats.org/officeDocument/2006/relationships" xmlns:p="http://schemas.openxmlformats.org/presentationml/2006/main">
+  <p:cSld>
+    <p:spTree>
+      <p:nvGrpSpPr>
+        <p:cNvPr id="1" name=""/>
+        <p:cNvGrpSpPr/>
+        <p:nvPr/>
+      </p:nvGrpSpPr>
+      <p:grpSpPr>
+        <a:xfrm>
+          <a:off x="0" y="0"/>
+          <a:ext cx="0" cy="0"/>
+          <a:chOff x="0" y="0"/>
+          <a:chExt cx="0" cy="0"/>
+        </a:xfrm>
+      </p:grpSpPr>
+      <p:sp>
+        <p:nvSpPr>
+          <p:cNvPr id="2" name="Titre 1"/>
+          <p:cNvSpPr>
+            <a:spLocks noGrp="1"/>
+          </p:cNvSpPr>
+          <p:nvPr>
+            <p:ph type="title"/>
+          </p:nvPr>
+        </p:nvSpPr>
+        <p:spPr>
+          <a:xfrm>
+            <a:off x="685800" y="126242"/>
+            <a:ext cx="10396882" cy="1151965"/>
+          </a:xfrm>
+          <a:solidFill>
+            <a:schemeClr val="accent1"/>
+          </a:solidFill>
+        </p:spPr>
+        <p:txBody>
+          <a:bodyPr/>
+          <a:lstStyle/>
+          <a:p>
+            <a:pPr algn="ctr"/>
+            <a:r>
+              <a:rPr lang="fr-FR" dirty="0" smtClean="0">
+                <a:solidFill>
+                  <a:schemeClr val="bg1"/>
+                </a:solidFill>
+              </a:rPr>
+              <a:t>Quelques exemples</a:t>
+            </a:r>
+            <a:endParaRPr lang="fr-FR" dirty="0">
+              <a:solidFill>
+                <a:schemeClr val="bg1"/>
+              </a:solidFill>
+            </a:endParaRPr>
+          </a:p>
+        </p:txBody>
+      </p:sp>
+      <p:sp>
+        <p:nvSpPr>
+          <p:cNvPr id="3" name="Espace réservé du contenu 2"/>
+          <p:cNvSpPr>
+            <a:spLocks noGrp="1"/>
+          </p:cNvSpPr>
+          <p:nvPr>
+            <p:ph sz="quarter" idx="13"/>
+          </p:nvPr>
+        </p:nvSpPr>
+        <p:spPr>
+          <a:xfrm>
+            <a:off x="685800" y="1392072"/>
+            <a:ext cx="10394707" cy="3982513"/>
+          </a:xfrm>
+        </p:spPr>
+        <p:txBody>
+          <a:bodyPr>
+            <a:normAutofit fontScale="70000" lnSpcReduction="20000"/>
+          </a:bodyPr>
+          <a:lstStyle/>
+          <a:p>
+            <a:r>
+              <a:rPr lang="fr-FR" dirty="0" smtClean="0"/>
+              <a:t>Pour créer un </a:t>
+            </a:r>
+            <a:r>
+              <a:rPr lang="fr-FR" dirty="0" err="1" smtClean="0"/>
+              <a:t>card</a:t>
+            </a:r>
+            <a:r>
+              <a:rPr lang="fr-FR" dirty="0" smtClean="0"/>
+              <a:t>:</a:t>
+            </a:r>
+          </a:p>
+          <a:p>
+            <a:pPr marL="0" indent="0">
+              <a:buNone/>
+            </a:pPr>
+            <a:r>
+              <a:rPr lang="en-US" dirty="0"/>
+              <a:t>&lt;div class="card" style="width: 300px;"&gt;</a:t>
+            </a:r>
+          </a:p>
+          <a:p>
+            <a:pPr marL="0" indent="0">
+              <a:buNone/>
+            </a:pPr>
+            <a:r>
+              <a:rPr lang="en-US" dirty="0" smtClean="0"/>
+              <a:t>           </a:t>
+            </a:r>
+            <a:r>
+              <a:rPr lang="en-US" dirty="0"/>
+              <a:t>&lt;div class="card-divider"&gt;</a:t>
+            </a:r>
+          </a:p>
+          <a:p>
+            <a:pPr marL="0" indent="0">
+              <a:buNone/>
+            </a:pPr>
+            <a:r>
+              <a:rPr lang="en-US" dirty="0" smtClean="0"/>
+              <a:t>                  </a:t>
+            </a:r>
+            <a:r>
+              <a:rPr lang="en-US" dirty="0"/>
+              <a:t>This is a header</a:t>
+            </a:r>
+          </a:p>
+          <a:p>
+            <a:pPr marL="0" indent="0">
+              <a:buNone/>
+            </a:pPr>
+            <a:r>
+              <a:rPr lang="en-US" dirty="0" smtClean="0"/>
+              <a:t>          &lt;/</a:t>
+            </a:r>
+            <a:r>
+              <a:rPr lang="en-US" dirty="0"/>
+              <a:t>div&gt;</a:t>
+            </a:r>
+          </a:p>
+          <a:p>
+            <a:pPr marL="0" indent="0">
+              <a:buNone/>
+            </a:pPr>
+            <a:r>
+              <a:rPr lang="en-US" dirty="0" smtClean="0"/>
+              <a:t>         </a:t>
+            </a:r>
+            <a:r>
+              <a:rPr lang="en-US" dirty="0"/>
+              <a:t>&lt;</a:t>
+            </a:r>
+            <a:r>
+              <a:rPr lang="en-US" dirty="0" err="1"/>
+              <a:t>img</a:t>
+            </a:r>
+            <a:r>
+              <a:rPr lang="en-US" dirty="0"/>
+              <a:t> </a:t>
+            </a:r>
+            <a:r>
+              <a:rPr lang="en-US" dirty="0" err="1"/>
+              <a:t>src</a:t>
+            </a:r>
+            <a:r>
+              <a:rPr lang="en-US" dirty="0"/>
+              <a:t>="assets/</a:t>
+            </a:r>
+            <a:r>
+              <a:rPr lang="en-US" dirty="0" err="1"/>
+              <a:t>img</a:t>
+            </a:r>
+            <a:r>
+              <a:rPr lang="en-US" dirty="0"/>
+              <a:t>/generic/rectangle-1.jpg"&gt;</a:t>
+            </a:r>
+          </a:p>
+          <a:p>
+            <a:pPr marL="0" indent="0">
+              <a:buNone/>
+            </a:pPr>
+            <a:r>
+              <a:rPr lang="en-US" dirty="0" smtClean="0"/>
+              <a:t>         </a:t>
+            </a:r>
+            <a:r>
+              <a:rPr lang="en-US" dirty="0"/>
+              <a:t>&lt;div class="card-section"&gt;</a:t>
+            </a:r>
+          </a:p>
+          <a:p>
+            <a:pPr marL="0" indent="0">
+              <a:buNone/>
+            </a:pPr>
+            <a:r>
+              <a:rPr lang="en-US" dirty="0" smtClean="0"/>
+              <a:t>                  </a:t>
+            </a:r>
+            <a:r>
+              <a:rPr lang="en-US" dirty="0"/>
+              <a:t>&lt;h4&gt;This is a card.&lt;/h4&gt;</a:t>
+            </a:r>
+          </a:p>
+          <a:p>
+            <a:pPr marL="0" indent="0">
+              <a:buNone/>
+            </a:pPr>
+            <a:r>
+              <a:rPr lang="en-US" dirty="0" smtClean="0"/>
+              <a:t>                 &lt;</a:t>
+            </a:r>
+            <a:r>
+              <a:rPr lang="en-US" dirty="0"/>
+              <a:t>p&gt;It has an easy to override visual style, and is appropriately subdued.&lt;/p&gt;</a:t>
+            </a:r>
+          </a:p>
+          <a:p>
+            <a:pPr marL="0" indent="0">
+              <a:buNone/>
+            </a:pPr>
+            <a:r>
+              <a:rPr lang="en-US" dirty="0" smtClean="0"/>
+              <a:t>        &lt;/</a:t>
+            </a:r>
+            <a:r>
+              <a:rPr lang="en-US" dirty="0"/>
+              <a:t>div&gt;</a:t>
+            </a:r>
+          </a:p>
+          <a:p>
+            <a:pPr marL="0" indent="0">
+              <a:buNone/>
+            </a:pPr>
+            <a:r>
+              <a:rPr lang="en-US" dirty="0"/>
+              <a:t>&lt;/div&gt;</a:t>
+            </a:r>
+            <a:endParaRPr lang="fr-FR" dirty="0" smtClean="0"/>
+          </a:p>
+        </p:txBody>
+      </p:sp>
+    </p:spTree>
+    <p:extLst>
+      <p:ext uri="{BB962C8B-B14F-4D97-AF65-F5344CB8AC3E}">
+        <p14:creationId xmlns:p14="http://schemas.microsoft.com/office/powerpoint/2010/main" val="368430472"/>
+      </p:ext>
+    </p:extLst>
+  </p:cSld>
+  <p:clrMapOvr>
+    <a:masterClrMapping/>
+  </p:clrMapOvr>
+</p:sld>
+</file>
+
 <file path=ppt/slides/slide2.xml><?xml version="1.0" encoding="utf-8"?>
 <p:sld xmlns:a="http://schemas.openxmlformats.org/drawingml/2006/main" xmlns:r="http://schemas.openxmlformats.org/officeDocument/2006/relationships" xmlns:p="http://schemas.openxmlformats.org/presentationml/2006/main">
   <p:cSld>
@@ -3136,6 +6999,136 @@
           </p:nvPr>
         </p:nvSpPr>
         <p:spPr>
+          <a:solidFill>
+            <a:schemeClr val="accent1"/>
+          </a:solidFill>
+        </p:spPr>
+        <p:txBody>
+          <a:bodyPr/>
+          <a:lstStyle/>
+          <a:p>
+            <a:pPr algn="ctr"/>
+            <a:r>
+              <a:rPr lang="fr-FR" dirty="0" smtClean="0">
+                <a:solidFill>
+                  <a:schemeClr val="bg1"/>
+                </a:solidFill>
+              </a:rPr>
+              <a:t>Définitions</a:t>
+            </a:r>
+            <a:endParaRPr lang="fr-FR" dirty="0">
+              <a:solidFill>
+                <a:schemeClr val="bg1"/>
+              </a:solidFill>
+            </a:endParaRPr>
+          </a:p>
+        </p:txBody>
+      </p:sp>
+      <p:sp>
+        <p:nvSpPr>
+          <p:cNvPr id="3" name="Espace réservé du contenu 2"/>
+          <p:cNvSpPr>
+            <a:spLocks noGrp="1"/>
+          </p:cNvSpPr>
+          <p:nvPr>
+            <p:ph sz="quarter" idx="13"/>
+          </p:nvPr>
+        </p:nvSpPr>
+        <p:spPr/>
+        <p:txBody>
+          <a:bodyPr/>
+          <a:lstStyle/>
+          <a:p>
+            <a:pPr>
+              <a:buFont typeface="Wingdings" panose="05000000000000000000" pitchFamily="2" charset="2"/>
+              <a:buChar char="Ø"/>
+            </a:pPr>
+            <a:r>
+              <a:rPr lang="fr-FR" dirty="0"/>
+              <a:t>Framework Front-End </a:t>
+            </a:r>
+            <a:r>
+              <a:rPr lang="fr-FR" dirty="0" smtClean="0"/>
+              <a:t>Réactif</a:t>
+            </a:r>
+          </a:p>
+          <a:p>
+            <a:pPr>
+              <a:buFont typeface="Wingdings" panose="05000000000000000000" pitchFamily="2" charset="2"/>
+              <a:buChar char="Ø"/>
+            </a:pPr>
+            <a:r>
+              <a:rPr lang="fr-FR" dirty="0"/>
+              <a:t>Ensemble d'outils et de composants </a:t>
+            </a:r>
+            <a:r>
+              <a:rPr lang="fr-FR" dirty="0" smtClean="0"/>
+              <a:t>modulaires</a:t>
+            </a:r>
+          </a:p>
+          <a:p>
+            <a:pPr>
+              <a:buFont typeface="Wingdings" panose="05000000000000000000" pitchFamily="2" charset="2"/>
+              <a:buChar char="Ø"/>
+            </a:pPr>
+            <a:r>
+              <a:rPr lang="fr-FR" dirty="0"/>
+              <a:t>Système de conception "Mobile-First"</a:t>
+            </a:r>
+          </a:p>
+        </p:txBody>
+      </p:sp>
+    </p:spTree>
+    <p:extLst>
+      <p:ext uri="{BB962C8B-B14F-4D97-AF65-F5344CB8AC3E}">
+        <p14:creationId xmlns:p14="http://schemas.microsoft.com/office/powerpoint/2010/main" val="575016166"/>
+      </p:ext>
+    </p:extLst>
+  </p:cSld>
+  <p:clrMapOvr>
+    <a:masterClrMapping/>
+  </p:clrMapOvr>
+  <p:timing>
+    <p:tnLst>
+      <p:par>
+        <p:cTn id="1" dur="indefinite" restart="never" nodeType="tmRoot"/>
+      </p:par>
+    </p:tnLst>
+  </p:timing>
+</p:sld>
+</file>
+
+<file path=ppt/slides/slide3.xml><?xml version="1.0" encoding="utf-8"?>
+<p:sld xmlns:a="http://schemas.openxmlformats.org/drawingml/2006/main" xmlns:r="http://schemas.openxmlformats.org/officeDocument/2006/relationships" xmlns:p="http://schemas.openxmlformats.org/presentationml/2006/main">
+  <p:cSld>
+    <p:spTree>
+      <p:nvGrpSpPr>
+        <p:cNvPr id="1" name=""/>
+        <p:cNvGrpSpPr/>
+        <p:nvPr/>
+      </p:nvGrpSpPr>
+      <p:grpSpPr>
+        <a:xfrm>
+          <a:off x="0" y="0"/>
+          <a:ext cx="0" cy="0"/>
+          <a:chOff x="0" y="0"/>
+          <a:chExt cx="0" cy="0"/>
+        </a:xfrm>
+      </p:grpSpPr>
+      <p:sp>
+        <p:nvSpPr>
+          <p:cNvPr id="2" name="Titre 1"/>
+          <p:cNvSpPr>
+            <a:spLocks noGrp="1"/>
+          </p:cNvSpPr>
+          <p:nvPr>
+            <p:ph type="title"/>
+          </p:nvPr>
+        </p:nvSpPr>
+        <p:spPr>
+          <a:solidFill>
+            <a:schemeClr val="accent1"/>
+          </a:solidFill>
           <a:ln/>
         </p:spPr>
         <p:style>
@@ -3155,46 +7148,69 @@
           </a:fontRef>
         </p:style>
         <p:txBody>
-          <a:bodyPr/>
-          <a:lstStyle/>
-          <a:p>
-            <a:pPr algn="ctr"/>
-            <a:r>
-              <a:rPr lang="fr-FR" dirty="0" smtClean="0"/>
-              <a:t>Chapitre </a:t>
-            </a:r>
-            <a:r>
-              <a:rPr lang="fr-FR" dirty="0" smtClean="0"/>
-              <a:t>1</a:t>
-            </a:r>
-            <a:endParaRPr lang="fr-FR" dirty="0"/>
-          </a:p>
-        </p:txBody>
-      </p:sp>
-      <p:sp>
-        <p:nvSpPr>
-          <p:cNvPr id="3" name="Espace réservé du contenu 2"/>
-          <p:cNvSpPr>
-            <a:spLocks noGrp="1"/>
-          </p:cNvSpPr>
-          <p:nvPr>
-            <p:ph idx="1"/>
-          </p:nvPr>
-        </p:nvSpPr>
-        <p:spPr/>
-        <p:txBody>
           <a:bodyPr>
-            <a:normAutofit/>
+            <a:normAutofit fontScale="90000"/>
           </a:bodyPr>
           <a:lstStyle/>
           <a:p>
+            <a:pPr algn="ctr"/>
+            <a:r>
+              <a:rPr lang="fr-FR" dirty="0" smtClean="0"/>
+              <a:t/>
+            </a:r>
+            <a:br>
+              <a:rPr lang="fr-FR" dirty="0" smtClean="0"/>
+            </a:br>
+            <a:r>
+              <a:rPr lang="fr-FR" dirty="0" smtClean="0"/>
+              <a:t>Structure </a:t>
+            </a:r>
+            <a:r>
+              <a:rPr lang="fr-FR" dirty="0"/>
+              <a:t>d’un Projet </a:t>
+            </a:r>
+            <a:r>
+              <a:rPr lang="fr-FR" dirty="0" err="1"/>
+              <a:t>Foundation</a:t>
+            </a:r>
+            <a:r>
+              <a:rPr lang="fr-FR" dirty="0"/>
+              <a:t/>
+            </a:r>
+            <a:br>
+              <a:rPr lang="fr-FR" dirty="0"/>
+            </a:br>
+            <a:endParaRPr lang="fr-FR" dirty="0"/>
+          </a:p>
+        </p:txBody>
+      </p:sp>
+      <p:sp>
+        <p:nvSpPr>
+          <p:cNvPr id="3" name="Espace réservé du contenu 2"/>
+          <p:cNvSpPr>
+            <a:spLocks noGrp="1"/>
+          </p:cNvSpPr>
+          <p:nvPr>
+            <p:ph sz="quarter" idx="13"/>
+          </p:nvPr>
+        </p:nvSpPr>
+        <p:spPr/>
+        <p:txBody>
+          <a:bodyPr>
+            <a:normAutofit fontScale="77500" lnSpcReduction="20000"/>
+          </a:bodyPr>
+          <a:lstStyle/>
+          <a:p>
+            <a:endParaRPr lang="fr-FR" sz="2000" dirty="0" smtClean="0"/>
+          </a:p>
+          <a:p>
+            <a:pPr algn="just">
+              <a:buFont typeface="Wingdings" panose="05000000000000000000" pitchFamily="2" charset="2"/>
+              <a:buChar char="Ø"/>
+            </a:pPr>
             <a:r>
               <a:rPr lang="fr-FR" sz="2000" dirty="0" smtClean="0"/>
-              <a:t>Structure </a:t>
-            </a:r>
-            <a:r>
-              <a:rPr lang="fr-FR" sz="2000" dirty="0" smtClean="0"/>
-              <a:t>d’un Projet </a:t>
+              <a:t>Fichiers HTML: Ce sont les pages de votre site web. Ils contiennent la structure de base de votre contenu et utilisent les classes CSS de </a:t>
             </a:r>
             <a:r>
               <a:rPr lang="fr-FR" sz="2000" dirty="0" err="1"/>
@@ -3204,31 +7220,16 @@
               <a:rPr lang="fr-FR" sz="2000" dirty="0" err="1" smtClean="0"/>
               <a:t>oundation</a:t>
             </a:r>
-            <a:endParaRPr lang="fr-FR" sz="2000" dirty="0"/>
-          </a:p>
-          <a:p>
-            <a:r>
-              <a:rPr lang="fr-FR" sz="2000" dirty="0" smtClean="0"/>
-              <a:t>Fichiers HTML: Ce sont les pages de votre site web. Ils contiennent la structure de base de votr</a:t>
-            </a:r>
-            <a:r>
-              <a:rPr lang="fr-FR" sz="2000" dirty="0" smtClean="0"/>
-              <a:t>e contenu et utilisent les classes CSS de </a:t>
-            </a:r>
-            <a:r>
-              <a:rPr lang="fr-FR" sz="2000" dirty="0" err="1"/>
-              <a:t>F</a:t>
-            </a:r>
-            <a:r>
-              <a:rPr lang="fr-FR" sz="2000" dirty="0" err="1" smtClean="0"/>
-              <a:t>oundation</a:t>
-            </a:r>
             <a:r>
               <a:rPr lang="fr-FR" sz="2000" dirty="0" smtClean="0"/>
               <a:t> pour le style.</a:t>
             </a:r>
           </a:p>
           <a:p>
+            <a:pPr algn="just">
+              <a:buFont typeface="Wingdings" panose="05000000000000000000" pitchFamily="2" charset="2"/>
+              <a:buChar char="Ø"/>
+            </a:pPr>
             <a:r>
               <a:rPr lang="fr-FR" sz="2000" dirty="0" smtClean="0"/>
               <a:t>Fichier CSS: Ces fichiers contiennent les styles CSS de votre projet, y compris ceux de </a:t>
@@ -3243,6 +7244,10 @@
             </a:r>
           </a:p>
           <a:p>
+            <a:pPr algn="just">
+              <a:buFont typeface="Wingdings" panose="05000000000000000000" pitchFamily="2" charset="2"/>
+              <a:buChar char="Ø"/>
+            </a:pPr>
             <a:r>
               <a:rPr lang="fr-FR" sz="2000" dirty="0" smtClean="0"/>
               <a:t>Fichiers </a:t>
@@ -3267,21 +7272,32 @@
               <a:rPr lang="fr-FR" sz="2000" dirty="0" smtClean="0"/>
               <a:t> nécessaires </a:t>
             </a:r>
-            <a:endParaRPr lang="fr-FR" sz="2000" dirty="0" smtClean="0"/>
-          </a:p>
-          <a:p>
+          </a:p>
+          <a:p>
+            <a:pPr algn="just">
+              <a:buFont typeface="Wingdings" panose="05000000000000000000" pitchFamily="2" charset="2"/>
+              <a:buChar char="Ø"/>
+            </a:pPr>
             <a:r>
               <a:rPr lang="fr-FR" sz="2000" dirty="0" smtClean="0"/>
               <a:t>Pour ajouter des fonctionnalités interactives à votre site, tels que des menus déroulants, des modales , etc.</a:t>
             </a:r>
           </a:p>
           <a:p>
+            <a:pPr algn="just">
+              <a:buFont typeface="Wingdings" panose="05000000000000000000" pitchFamily="2" charset="2"/>
+              <a:buChar char="Ø"/>
+            </a:pPr>
             <a:r>
               <a:rPr lang="fr-FR" sz="2000" dirty="0" smtClean="0"/>
               <a:t>Images: Ce dossier contient toutes les images utilisées dans votre projet.</a:t>
             </a:r>
           </a:p>
           <a:p>
+            <a:pPr algn="just">
+              <a:buFont typeface="Wingdings" panose="05000000000000000000" pitchFamily="2" charset="2"/>
+              <a:buChar char="Ø"/>
+            </a:pPr>
             <a:r>
               <a:rPr lang="fr-FR" sz="2000" dirty="0" smtClean="0"/>
               <a:t>Fichiers de configuration: Ces fichiers permettent de personnaliser </a:t>
@@ -3396,211 +7412,6 @@
 </p:sld>
 </file>
 
-<file path=ppt/slides/slide3.xml><?xml version="1.0" encoding="utf-8"?>
-<p:sld xmlns:a="http://schemas.openxmlformats.org/drawingml/2006/main" xmlns:r="http://schemas.openxmlformats.org/officeDocument/2006/relationships" xmlns:p="http://schemas.openxmlformats.org/presentationml/2006/main">
-  <p:cSld>
-    <p:spTree>
-      <p:nvGrpSpPr>
-        <p:cNvPr id="1" name=""/>
-        <p:cNvGrpSpPr/>
-        <p:nvPr/>
-      </p:nvGrpSpPr>
-      <p:grpSpPr>
-        <a:xfrm>
-          <a:off x="0" y="0"/>
-          <a:ext cx="0" cy="0"/>
-          <a:chOff x="0" y="0"/>
-          <a:chExt cx="0" cy="0"/>
-        </a:xfrm>
-      </p:grpSpPr>
-      <p:sp>
-        <p:nvSpPr>
-          <p:cNvPr id="2" name="Titre 1"/>
-          <p:cNvSpPr>
-            <a:spLocks noGrp="1"/>
-          </p:cNvSpPr>
-          <p:nvPr>
-            <p:ph type="title"/>
-          </p:nvPr>
-        </p:nvSpPr>
-        <p:spPr/>
-        <p:style>
-          <a:lnRef idx="3">
-            <a:schemeClr val="lt1"/>
-          </a:lnRef>
-          <a:fillRef idx="1">
-            <a:schemeClr val="accent6"/>
-          </a:fillRef>
-          <a:effectRef idx="1">
-            <a:schemeClr val="accent6"/>
-          </a:effectRef>
-          <a:fontRef idx="minor">
-            <a:schemeClr val="lt1"/>
-          </a:fontRef>
-        </p:style>
-        <p:txBody>
-          <a:bodyPr>
-            <a:noAutofit/>
-          </a:bodyPr>
-          <a:lstStyle/>
-          <a:p>
-            <a:pPr algn="ctr"/>
-            <a:r>
-              <a:rPr lang="fr-FR" dirty="0" smtClean="0"/>
-              <a:t>Chapitre </a:t>
-            </a:r>
-            <a:br>
-              <a:rPr lang="fr-FR" dirty="0" smtClean="0"/>
-            </a:br>
-            <a:r>
-              <a:rPr lang="fr-FR" dirty="0"/>
-              <a:t/>
-            </a:r>
-            <a:br>
-              <a:rPr lang="fr-FR" dirty="0"/>
-            </a:br>
-            <a:r>
-              <a:rPr lang="fr-FR" dirty="0" smtClean="0"/>
-              <a:t/>
-            </a:r>
-            <a:br>
-              <a:rPr lang="fr-FR" dirty="0" smtClean="0"/>
-            </a:br>
-            <a:r>
-              <a:rPr lang="fr-FR" dirty="0"/>
-              <a:t/>
-            </a:r>
-            <a:br>
-              <a:rPr lang="fr-FR" dirty="0"/>
-            </a:br>
-            <a:r>
-              <a:rPr lang="fr-FR" dirty="0" err="1" smtClean="0"/>
-              <a:t>Chapitre</a:t>
-            </a:r>
-            <a:r>
-              <a:rPr lang="fr-FR" dirty="0" smtClean="0"/>
-              <a:t> 2</a:t>
-            </a:r>
-            <a:br>
-              <a:rPr lang="fr-FR" dirty="0" smtClean="0"/>
-            </a:br>
-            <a:r>
-              <a:rPr lang="fr-FR" dirty="0"/>
-              <a:t/>
-            </a:r>
-            <a:br>
-              <a:rPr lang="fr-FR" dirty="0"/>
-            </a:br>
-            <a:r>
-              <a:rPr lang="fr-FR" dirty="0" smtClean="0"/>
-              <a:t/>
-            </a:r>
-            <a:br>
-              <a:rPr lang="fr-FR" dirty="0" smtClean="0"/>
-            </a:br>
-            <a:r>
-              <a:rPr lang="fr-FR" dirty="0"/>
-              <a:t/>
-            </a:r>
-            <a:br>
-              <a:rPr lang="fr-FR" dirty="0"/>
-            </a:br>
-            <a:r>
-              <a:rPr lang="fr-FR" dirty="0" smtClean="0"/>
-              <a:t>++++++++++++++++++++++++++++++2</a:t>
-            </a:r>
-            <a:endParaRPr lang="fr-FR" dirty="0"/>
-          </a:p>
-        </p:txBody>
-      </p:sp>
-      <p:sp>
-        <p:nvSpPr>
-          <p:cNvPr id="3" name="Espace réservé du contenu 2"/>
-          <p:cNvSpPr>
-            <a:spLocks noGrp="1"/>
-          </p:cNvSpPr>
-          <p:nvPr>
-            <p:ph idx="1"/>
-          </p:nvPr>
-        </p:nvSpPr>
-        <p:spPr/>
-        <p:txBody>
-          <a:bodyPr/>
-          <a:lstStyle/>
-          <a:p>
-            <a:r>
-              <a:rPr lang="fr-FR" dirty="0" smtClean="0"/>
-              <a:t>Avantage de </a:t>
-            </a:r>
-            <a:r>
-              <a:rPr lang="fr-FR" dirty="0" err="1" smtClean="0"/>
-              <a:t>Foundation</a:t>
-            </a:r>
-            <a:endParaRPr lang="fr-FR" dirty="0" smtClean="0"/>
-          </a:p>
-          <a:p>
-            <a:r>
-              <a:rPr lang="fr-FR" sz="2000" dirty="0" smtClean="0"/>
-              <a:t>Grille: vous pouvez modifier le nombre de colonnes, les marges et les espacements.</a:t>
-            </a:r>
-          </a:p>
-          <a:p>
-            <a:r>
-              <a:rPr lang="fr-FR" sz="2000" dirty="0" smtClean="0"/>
-              <a:t>Typographie: Choisir les polices, les tailles de caractères et les couleurs.</a:t>
-            </a:r>
-          </a:p>
-          <a:p>
-            <a:r>
-              <a:rPr lang="fr-FR" sz="2000" dirty="0" smtClean="0"/>
-              <a:t>Composants: Personnaliser l’apparence et le comportement des boutons, des formulaires, des modales, etc.</a:t>
-            </a:r>
-          </a:p>
-          <a:p>
-            <a:r>
-              <a:rPr lang="fr-FR" sz="2000" dirty="0" smtClean="0"/>
-              <a:t>Couleurs: Définir  votre propre palette de couleurs.</a:t>
-            </a:r>
-          </a:p>
-          <a:p>
-            <a:r>
-              <a:rPr lang="fr-FR" sz="2000" dirty="0" smtClean="0"/>
-              <a:t>Responsive design adapter automatiquement à </a:t>
-            </a:r>
-            <a:r>
-              <a:rPr lang="fr-FR" sz="2000" dirty="0" err="1" smtClean="0"/>
-              <a:t>different</a:t>
-            </a:r>
-            <a:r>
-              <a:rPr lang="fr-FR" sz="2000" dirty="0" smtClean="0"/>
-              <a:t> tailles d’écran.</a:t>
-            </a:r>
-          </a:p>
-          <a:p>
-            <a:endParaRPr lang="fr-FR" sz="2000" dirty="0" smtClean="0"/>
-          </a:p>
-        </p:txBody>
-      </p:sp>
-    </p:spTree>
-    <p:extLst>
-      <p:ext uri="{BB962C8B-B14F-4D97-AF65-F5344CB8AC3E}">
-        <p14:creationId xmlns:p14="http://schemas.microsoft.com/office/powerpoint/2010/main" val="3405138971"/>
-      </p:ext>
-    </p:extLst>
-  </p:cSld>
-  <p:clrMapOvr>
-    <a:masterClrMapping/>
-  </p:clrMapOvr>
-  <p:timing>
-    <p:tnLst>
-      <p:par>
-        <p:cTn id="1" dur="indefinite" restart="never" nodeType="tmRoot"/>
-      </p:par>
-    </p:tnLst>
-  </p:timing>
-</p:sld>
-</file>
-
 <file path=ppt/slides/slide4.xml><?xml version="1.0" encoding="utf-8"?>
 <p:sld xmlns:a="http://schemas.openxmlformats.org/drawingml/2006/main" xmlns:r="http://schemas.openxmlformats.org/officeDocument/2006/relationships" xmlns:p="http://schemas.openxmlformats.org/presentationml/2006/main">
   <p:cSld>
@@ -3628,35 +7439,36 @@
             <p:ph type="title"/>
           </p:nvPr>
         </p:nvSpPr>
-        <p:spPr/>
-        <p:style>
-          <a:lnRef idx="3">
-            <a:schemeClr val="lt1"/>
-          </a:lnRef>
-          <a:fillRef idx="1">
+        <p:spPr>
+          <a:solidFill>
             <a:schemeClr val="accent1"/>
-          </a:fillRef>
-          <a:effectRef idx="1">
-            <a:schemeClr val="accent1"/>
-          </a:effectRef>
-          <a:fontRef idx="minor">
-            <a:schemeClr val="lt1"/>
-          </a:fontRef>
-        </p:style>
+          </a:solidFill>
+        </p:spPr>
         <p:txBody>
           <a:bodyPr/>
           <a:lstStyle/>
           <a:p>
-            <a:pPr algn="ctr"/>
-            <a:r>
-              <a:rPr lang="fr-FR" dirty="0" smtClean="0"/>
-              <a:t>Méthodes d’installation de </a:t>
-            </a:r>
-            <a:r>
-              <a:rPr lang="fr-FR" dirty="0" err="1" smtClean="0"/>
-              <a:t>Foundation</a:t>
-            </a:r>
-            <a:endParaRPr lang="fr-FR" dirty="0"/>
+            <a:r>
+              <a:rPr lang="fr-FR" dirty="0" smtClean="0">
+                <a:solidFill>
+                  <a:schemeClr val="bg1"/>
+                </a:solidFill>
+              </a:rPr>
+              <a:t>	Objectifs de la </a:t>
+            </a:r>
+            <a:r>
+              <a:rPr lang="fr-FR" dirty="0" err="1" smtClean="0">
+                <a:solidFill>
+                  <a:schemeClr val="bg1"/>
+                </a:solidFill>
+              </a:rPr>
+              <a:t>foundation</a:t>
+            </a:r>
+            <a:endParaRPr lang="fr-FR" dirty="0">
+              <a:solidFill>
+                <a:schemeClr val="bg1"/>
+              </a:solidFill>
+            </a:endParaRPr>
           </a:p>
         </p:txBody>
       </p:sp>
@@ -3667,7 +7479,7 @@
             <a:spLocks noGrp="1"/>
           </p:cNvSpPr>
           <p:nvPr>
-            <p:ph idx="1"/>
+            <p:ph sz="quarter" idx="13"/>
           </p:nvPr>
         </p:nvSpPr>
         <p:spPr/>
@@ -3675,122 +7487,59 @@
           <a:bodyPr/>
           <a:lstStyle/>
           <a:p>
+            <a:pPr>
+              <a:buFont typeface="Wingdings" panose="05000000000000000000" pitchFamily="2" charset="2"/>
+              <a:buChar char="Ø"/>
+            </a:pPr>
+            <a:r>
+              <a:rPr lang="fr-FR" dirty="0"/>
+              <a:t>Création d'interfaces </a:t>
+            </a:r>
             <a:r>
               <a:rPr lang="fr-FR" dirty="0" smtClean="0"/>
-              <a:t>1. Via </a:t>
-            </a:r>
-            <a:r>
-              <a:rPr lang="fr-FR" dirty="0" err="1" smtClean="0"/>
-              <a:t>npm</a:t>
+              <a:t>responsives</a:t>
+            </a:r>
+          </a:p>
+          <a:p>
+            <a:pPr>
+              <a:buFont typeface="Wingdings" panose="05000000000000000000" pitchFamily="2" charset="2"/>
+              <a:buChar char="Ø"/>
+            </a:pPr>
+            <a:r>
+              <a:rPr lang="fr-FR" dirty="0"/>
+              <a:t>Performance </a:t>
             </a:r>
             <a:r>
               <a:rPr lang="fr-FR" dirty="0" smtClean="0"/>
-              <a:t>:</a:t>
-            </a:r>
-          </a:p>
-          <a:p>
+              <a:t>optimisée</a:t>
+            </a:r>
+          </a:p>
+          <a:p>
+            <a:pPr>
+              <a:buFont typeface="Wingdings" panose="05000000000000000000" pitchFamily="2" charset="2"/>
+              <a:buChar char="Ø"/>
+            </a:pPr>
             <a:r>
               <a:rPr lang="fr-FR" dirty="0" smtClean="0"/>
-              <a:t>Assurer-vous d’avoir Node.js et </a:t>
-            </a:r>
-            <a:r>
-              <a:rPr lang="fr-FR" dirty="0" err="1" smtClean="0"/>
-              <a:t>npm</a:t>
-            </a:r>
-            <a:r>
-              <a:rPr lang="fr-FR" dirty="0" smtClean="0"/>
-              <a:t>, vous pouvez les télécharger sur </a:t>
-            </a:r>
-            <a:r>
-              <a:rPr lang="fr-FR" dirty="0" smtClean="0">
-                <a:hlinkClick r:id="rId2"/>
-              </a:rPr>
-              <a:t>https://nodejs.org/</a:t>
-            </a:r>
-            <a:endParaRPr lang="fr-FR" dirty="0" smtClean="0"/>
-          </a:p>
-          <a:p>
-            <a:r>
-              <a:rPr lang="fr-FR" dirty="0" smtClean="0"/>
-              <a:t>Créez un projet dans votre pc local.</a:t>
-            </a:r>
-          </a:p>
-          <a:p>
-            <a:r>
-              <a:rPr lang="fr-FR" dirty="0" smtClean="0"/>
-              <a:t>Installez </a:t>
-            </a:r>
-            <a:r>
-              <a:rPr lang="fr-FR" dirty="0" err="1" smtClean="0"/>
-              <a:t>Foundation</a:t>
-            </a:r>
-            <a:r>
-              <a:rPr lang="fr-FR" dirty="0" smtClean="0"/>
-              <a:t> « </a:t>
-            </a:r>
-            <a:r>
-              <a:rPr lang="fr-FR" dirty="0" err="1" smtClean="0"/>
-              <a:t>npm</a:t>
-            </a:r>
-            <a:r>
-              <a:rPr lang="fr-FR" dirty="0" smtClean="0"/>
-              <a:t> </a:t>
-            </a:r>
-            <a:r>
-              <a:rPr lang="fr-FR" dirty="0" err="1" smtClean="0"/>
-              <a:t>install</a:t>
-            </a:r>
-            <a:r>
-              <a:rPr lang="fr-FR" dirty="0" smtClean="0"/>
-              <a:t> </a:t>
-            </a:r>
-            <a:r>
-              <a:rPr lang="fr-FR" dirty="0" err="1" smtClean="0"/>
-              <a:t>foundation</a:t>
-            </a:r>
-            <a:r>
-              <a:rPr lang="fr-FR" dirty="0" smtClean="0"/>
-              <a:t>-sites »</a:t>
-            </a:r>
-          </a:p>
-          <a:p>
-            <a:r>
-              <a:rPr lang="fr-FR" dirty="0" smtClean="0"/>
-              <a:t>2. Téléchargement direct:</a:t>
-            </a:r>
-          </a:p>
-          <a:p>
-            <a:r>
-              <a:rPr lang="fr-FR" dirty="0" smtClean="0"/>
-              <a:t>Rendez-vous sur le site officiel de </a:t>
-            </a:r>
-            <a:r>
-              <a:rPr lang="fr-FR" dirty="0" err="1" smtClean="0"/>
-              <a:t>Foundation</a:t>
-            </a:r>
-            <a:endParaRPr lang="fr-FR" dirty="0" smtClean="0"/>
-          </a:p>
-          <a:p>
-            <a:r>
-              <a:rPr lang="fr-FR" dirty="0" smtClean="0"/>
-              <a:t>Téléchargez la version souhaitée et </a:t>
-            </a:r>
+              <a:t>Accessibilité</a:t>
+            </a:r>
+          </a:p>
+          <a:p>
+            <a:pPr>
+              <a:buFont typeface="Wingdings" panose="05000000000000000000" pitchFamily="2" charset="2"/>
+              <a:buChar char="Ø"/>
+            </a:pPr>
             <a:r>
               <a:rPr lang="fr-FR" dirty="0"/>
-              <a:t>c</a:t>
-            </a:r>
-            <a:r>
-              <a:rPr lang="fr-FR" dirty="0" smtClean="0"/>
-              <a:t>ompressez-la dans votre projet.</a:t>
-            </a:r>
-            <a:endParaRPr lang="fr-FR" dirty="0"/>
+              <a:t>Flexibilité pour des projets variés</a:t>
+            </a:r>
           </a:p>
         </p:txBody>
       </p:sp>
     </p:spTree>
     <p:extLst>
       <p:ext uri="{BB962C8B-B14F-4D97-AF65-F5344CB8AC3E}">
-        <p14:creationId xmlns:p14="http://schemas.microsoft.com/office/powerpoint/2010/main" val="1971764236"/>
+        <p14:creationId xmlns:p14="http://schemas.microsoft.com/office/powerpoint/2010/main" val="2866413933"/>
       </p:ext>
     </p:extLst>
   </p:cSld>
@@ -3834,6 +7583,510 @@
             <p:ph type="title"/>
           </p:nvPr>
         </p:nvSpPr>
+        <p:spPr>
+          <a:solidFill>
+            <a:schemeClr val="accent1"/>
+          </a:solidFill>
+        </p:spPr>
+        <p:style>
+          <a:lnRef idx="3">
+            <a:schemeClr val="lt1"/>
+          </a:lnRef>
+          <a:fillRef idx="1">
+            <a:schemeClr val="accent6"/>
+          </a:fillRef>
+          <a:effectRef idx="1">
+            <a:schemeClr val="accent6"/>
+          </a:effectRef>
+          <a:fontRef idx="minor">
+            <a:schemeClr val="lt1"/>
+          </a:fontRef>
+        </p:style>
+        <p:txBody>
+          <a:bodyPr>
+            <a:noAutofit/>
+          </a:bodyPr>
+          <a:lstStyle/>
+          <a:p>
+            <a:pPr algn="ctr"/>
+            <a:r>
+              <a:rPr lang="fr-FR" dirty="0" smtClean="0"/>
+              <a:t>Chapitre </a:t>
+            </a:r>
+            <a:br>
+              <a:rPr lang="fr-FR" dirty="0" smtClean="0"/>
+            </a:br>
+            <a:r>
+              <a:rPr lang="fr-FR" dirty="0"/>
+              <a:t/>
+            </a:r>
+            <a:br>
+              <a:rPr lang="fr-FR" dirty="0"/>
+            </a:br>
+            <a:r>
+              <a:rPr lang="fr-FR" dirty="0" smtClean="0"/>
+              <a:t/>
+            </a:r>
+            <a:br>
+              <a:rPr lang="fr-FR" dirty="0" smtClean="0"/>
+            </a:br>
+            <a:r>
+              <a:rPr lang="fr-FR" dirty="0"/>
+              <a:t/>
+            </a:r>
+            <a:br>
+              <a:rPr lang="fr-FR" dirty="0"/>
+            </a:br>
+            <a:r>
+              <a:rPr lang="fr-FR" dirty="0" smtClean="0"/>
+              <a:t/>
+            </a:r>
+            <a:br>
+              <a:rPr lang="fr-FR" dirty="0" smtClean="0"/>
+            </a:br>
+            <a:r>
+              <a:rPr lang="fr-FR" sz="4000" dirty="0" smtClean="0"/>
+              <a:t>Avantages </a:t>
+            </a:r>
+            <a:r>
+              <a:rPr lang="fr-FR" sz="4000" dirty="0"/>
+              <a:t>de </a:t>
+            </a:r>
+            <a:r>
+              <a:rPr lang="fr-FR" sz="4000" dirty="0" err="1"/>
+              <a:t>Foundation</a:t>
+            </a:r>
+            <a:r>
+              <a:rPr lang="fr-FR" dirty="0"/>
+              <a:t/>
+            </a:r>
+            <a:br>
+              <a:rPr lang="fr-FR" dirty="0"/>
+            </a:br>
+            <a:r>
+              <a:rPr lang="fr-FR" dirty="0" smtClean="0"/>
+              <a:t/>
+            </a:r>
+            <a:br>
+              <a:rPr lang="fr-FR" dirty="0" smtClean="0"/>
+            </a:br>
+            <a:r>
+              <a:rPr lang="fr-FR" dirty="0"/>
+              <a:t/>
+            </a:r>
+            <a:br>
+              <a:rPr lang="fr-FR" dirty="0"/>
+            </a:br>
+            <a:r>
+              <a:rPr lang="fr-FR" dirty="0" smtClean="0"/>
+              <a:t/>
+            </a:r>
+            <a:br>
+              <a:rPr lang="fr-FR" dirty="0" smtClean="0"/>
+            </a:br>
+            <a:r>
+              <a:rPr lang="fr-FR" dirty="0"/>
+              <a:t/>
+            </a:r>
+            <a:br>
+              <a:rPr lang="fr-FR" dirty="0"/>
+            </a:br>
+            <a:r>
+              <a:rPr lang="fr-FR" dirty="0" smtClean="0"/>
+              <a:t>+++++++++++++++++++++++++++</a:t>
+            </a:r>
+            <a:endParaRPr lang="fr-FR" dirty="0"/>
+          </a:p>
+        </p:txBody>
+      </p:sp>
+      <p:sp>
+        <p:nvSpPr>
+          <p:cNvPr id="3" name="Espace réservé du contenu 2"/>
+          <p:cNvSpPr>
+            <a:spLocks noGrp="1"/>
+          </p:cNvSpPr>
+          <p:nvPr>
+            <p:ph sz="quarter" idx="13"/>
+          </p:nvPr>
+        </p:nvSpPr>
+        <p:spPr/>
+        <p:txBody>
+          <a:bodyPr>
+            <a:normAutofit fontScale="85000" lnSpcReduction="10000"/>
+          </a:bodyPr>
+          <a:lstStyle/>
+          <a:p>
+            <a:endParaRPr lang="fr-FR" sz="2000" dirty="0" smtClean="0"/>
+          </a:p>
+          <a:p>
+            <a:pPr algn="just">
+              <a:buFont typeface="Wingdings" panose="05000000000000000000" pitchFamily="2" charset="2"/>
+              <a:buChar char="Ø"/>
+            </a:pPr>
+            <a:r>
+              <a:rPr lang="fr-FR" sz="2000" dirty="0" smtClean="0"/>
+              <a:t>Grille: vous pouvez modifier le nombre des colonnes, les marges et les espacements.</a:t>
+            </a:r>
+          </a:p>
+          <a:p>
+            <a:pPr algn="just">
+              <a:buFont typeface="Wingdings" panose="05000000000000000000" pitchFamily="2" charset="2"/>
+              <a:buChar char="Ø"/>
+            </a:pPr>
+            <a:r>
+              <a:rPr lang="fr-FR" sz="2000" dirty="0" smtClean="0"/>
+              <a:t>Typographie: Choisir les polices, les tailles de caractères et les couleurs.</a:t>
+            </a:r>
+          </a:p>
+          <a:p>
+            <a:pPr algn="just">
+              <a:buFont typeface="Wingdings" panose="05000000000000000000" pitchFamily="2" charset="2"/>
+              <a:buChar char="Ø"/>
+            </a:pPr>
+            <a:r>
+              <a:rPr lang="fr-FR" sz="2000" dirty="0" smtClean="0"/>
+              <a:t>Composants: Personnaliser l’apparence et le comportement des boutons, des formulaires, des modales, etc.</a:t>
+            </a:r>
+          </a:p>
+          <a:p>
+            <a:pPr algn="just">
+              <a:buFont typeface="Wingdings" panose="05000000000000000000" pitchFamily="2" charset="2"/>
+              <a:buChar char="Ø"/>
+            </a:pPr>
+            <a:r>
+              <a:rPr lang="fr-FR" sz="2000" dirty="0" smtClean="0"/>
+              <a:t>Couleurs: Définir  votre propre palette de couleurs.</a:t>
+            </a:r>
+          </a:p>
+          <a:p>
+            <a:pPr algn="just">
+              <a:buFont typeface="Wingdings" panose="05000000000000000000" pitchFamily="2" charset="2"/>
+              <a:buChar char="Ø"/>
+            </a:pPr>
+            <a:r>
+              <a:rPr lang="fr-FR" sz="2000" dirty="0" smtClean="0"/>
+              <a:t>Responsive design adapté automatiquement à différent tailles d’écran.</a:t>
+            </a:r>
+          </a:p>
+          <a:p>
+            <a:pPr algn="just">
+              <a:buFont typeface="Wingdings" panose="05000000000000000000" pitchFamily="2" charset="2"/>
+              <a:buChar char="Ø"/>
+            </a:pPr>
+            <a:r>
+              <a:rPr lang="fr-FR" sz="2000" dirty="0"/>
+              <a:t>Intégration facile avec d'autres technologies ou </a:t>
+            </a:r>
+            <a:r>
+              <a:rPr lang="fr-FR" sz="2000" dirty="0" err="1"/>
+              <a:t>frameworks</a:t>
+            </a:r>
+            <a:r>
+              <a:rPr lang="fr-FR" sz="2000" dirty="0"/>
+              <a:t> comme WordPress, </a:t>
+            </a:r>
+            <a:r>
+              <a:rPr lang="fr-FR" sz="2000" dirty="0" err="1"/>
+              <a:t>React</a:t>
+            </a:r>
+            <a:r>
+              <a:rPr lang="fr-FR" sz="2000" dirty="0"/>
+              <a:t>, </a:t>
+            </a:r>
+            <a:r>
+              <a:rPr lang="fr-FR" sz="2000" dirty="0" err="1"/>
+              <a:t>Angular</a:t>
+            </a:r>
+            <a:r>
+              <a:rPr lang="fr-FR" sz="2000" dirty="0"/>
+              <a:t>, ou Vue.js</a:t>
+            </a:r>
+            <a:endParaRPr lang="fr-FR" sz="2000" dirty="0" smtClean="0"/>
+          </a:p>
+          <a:p>
+            <a:pPr algn="just">
+              <a:buFont typeface="Wingdings" panose="05000000000000000000" pitchFamily="2" charset="2"/>
+              <a:buChar char="Ø"/>
+            </a:pPr>
+            <a:endParaRPr lang="fr-FR" sz="2000" dirty="0" smtClean="0"/>
+          </a:p>
+        </p:txBody>
+      </p:sp>
+    </p:spTree>
+    <p:extLst>
+      <p:ext uri="{BB962C8B-B14F-4D97-AF65-F5344CB8AC3E}">
+        <p14:creationId xmlns:p14="http://schemas.microsoft.com/office/powerpoint/2010/main" val="3405138971"/>
+      </p:ext>
+    </p:extLst>
+  </p:cSld>
+  <p:clrMapOvr>
+    <a:masterClrMapping/>
+  </p:clrMapOvr>
+  <p:timing>
+    <p:tnLst>
+      <p:par>
+        <p:cTn id="1" dur="indefinite" restart="never" nodeType="tmRoot"/>
+      </p:par>
+    </p:tnLst>
+  </p:timing>
+</p:sld>
+</file>
+
+<file path=ppt/slides/slide6.xml><?xml version="1.0" encoding="utf-8"?>
+<p:sld xmlns:a="http://schemas.openxmlformats.org/drawingml/2006/main" xmlns:r="http://schemas.openxmlformats.org/officeDocument/2006/relationships" xmlns:p="http://schemas.openxmlformats.org/presentationml/2006/main">
+  <p:cSld>
+    <p:spTree>
+      <p:nvGrpSpPr>
+        <p:cNvPr id="1" name=""/>
+        <p:cNvGrpSpPr/>
+        <p:nvPr/>
+      </p:nvGrpSpPr>
+      <p:grpSpPr>
+        <a:xfrm>
+          <a:off x="0" y="0"/>
+          <a:ext cx="0" cy="0"/>
+          <a:chOff x="0" y="0"/>
+          <a:chExt cx="0" cy="0"/>
+        </a:xfrm>
+      </p:grpSpPr>
+      <p:sp>
+        <p:nvSpPr>
+          <p:cNvPr id="2" name="Titre 1"/>
+          <p:cNvSpPr>
+            <a:spLocks noGrp="1"/>
+          </p:cNvSpPr>
+          <p:nvPr>
+            <p:ph type="title"/>
+          </p:nvPr>
+        </p:nvSpPr>
+        <p:spPr>
+          <a:xfrm>
+            <a:off x="685801" y="154546"/>
+            <a:ext cx="10396882" cy="1683219"/>
+          </a:xfrm>
+        </p:spPr>
+        <p:style>
+          <a:lnRef idx="3">
+            <a:schemeClr val="lt1"/>
+          </a:lnRef>
+          <a:fillRef idx="1">
+            <a:schemeClr val="accent1"/>
+          </a:fillRef>
+          <a:effectRef idx="1">
+            <a:schemeClr val="accent1"/>
+          </a:effectRef>
+          <a:fontRef idx="minor">
+            <a:schemeClr val="lt1"/>
+          </a:fontRef>
+        </p:style>
+        <p:txBody>
+          <a:bodyPr>
+            <a:normAutofit/>
+          </a:bodyPr>
+          <a:lstStyle/>
+          <a:p>
+            <a:pPr algn="ctr"/>
+            <a:r>
+              <a:rPr lang="fr-FR" sz="4400" dirty="0" smtClean="0"/>
+              <a:t>Méthodes d’installation de </a:t>
+            </a:r>
+            <a:r>
+              <a:rPr lang="fr-FR" sz="4400" dirty="0" err="1" smtClean="0"/>
+              <a:t>Foundation</a:t>
+            </a:r>
+            <a:endParaRPr lang="fr-FR" sz="4400" dirty="0"/>
+          </a:p>
+        </p:txBody>
+      </p:sp>
+      <p:sp>
+        <p:nvSpPr>
+          <p:cNvPr id="3" name="Espace réservé du contenu 2"/>
+          <p:cNvSpPr>
+            <a:spLocks noGrp="1"/>
+          </p:cNvSpPr>
+          <p:nvPr>
+            <p:ph sz="quarter" idx="13"/>
+          </p:nvPr>
+        </p:nvSpPr>
+        <p:spPr/>
+        <p:txBody>
+          <a:bodyPr>
+            <a:normAutofit lnSpcReduction="10000"/>
+          </a:bodyPr>
+          <a:lstStyle/>
+          <a:p>
+            <a:pPr algn="just">
+              <a:buFont typeface="Wingdings" panose="05000000000000000000" pitchFamily="2" charset="2"/>
+              <a:buChar char="v"/>
+            </a:pPr>
+            <a:r>
+              <a:rPr lang="fr-FR" dirty="0" smtClean="0"/>
+              <a:t> Via </a:t>
+            </a:r>
+            <a:r>
+              <a:rPr lang="fr-FR" dirty="0" err="1" smtClean="0"/>
+              <a:t>npm</a:t>
+            </a:r>
+            <a:r>
+              <a:rPr lang="fr-FR" dirty="0" smtClean="0"/>
+              <a:t>:</a:t>
+            </a:r>
+          </a:p>
+          <a:p>
+            <a:pPr algn="just"/>
+            <a:r>
+              <a:rPr lang="fr-FR" dirty="0" smtClean="0"/>
+              <a:t>Assurer-vous d’avoir Node.js et </a:t>
+            </a:r>
+            <a:r>
+              <a:rPr lang="fr-FR" dirty="0" err="1" smtClean="0"/>
+              <a:t>npm</a:t>
+            </a:r>
+            <a:r>
+              <a:rPr lang="fr-FR" dirty="0" smtClean="0"/>
+              <a:t>, vous pouvez les télécharger sur </a:t>
+            </a:r>
+            <a:r>
+              <a:rPr lang="fr-FR" dirty="0" smtClean="0">
+                <a:hlinkClick r:id="rId2"/>
+              </a:rPr>
+              <a:t>https://nodejs.org/</a:t>
+            </a:r>
+            <a:endParaRPr lang="fr-FR" dirty="0" smtClean="0"/>
+          </a:p>
+          <a:p>
+            <a:pPr algn="just"/>
+            <a:r>
+              <a:rPr lang="fr-FR" dirty="0" smtClean="0"/>
+              <a:t>Créez un projet dans votre pc local.</a:t>
+            </a:r>
+          </a:p>
+          <a:p>
+            <a:pPr algn="just"/>
+            <a:r>
+              <a:rPr lang="fr-FR" dirty="0" smtClean="0"/>
+              <a:t>Installez </a:t>
+            </a:r>
+            <a:r>
+              <a:rPr lang="fr-FR" dirty="0" err="1" smtClean="0"/>
+              <a:t>Foundation</a:t>
+            </a:r>
+            <a:r>
+              <a:rPr lang="fr-FR" dirty="0" smtClean="0"/>
+              <a:t> « </a:t>
+            </a:r>
+            <a:r>
+              <a:rPr lang="fr-FR" dirty="0" err="1" smtClean="0"/>
+              <a:t>npm</a:t>
+            </a:r>
+            <a:r>
+              <a:rPr lang="fr-FR" dirty="0" smtClean="0"/>
+              <a:t> </a:t>
+            </a:r>
+            <a:r>
+              <a:rPr lang="fr-FR" dirty="0" err="1" smtClean="0"/>
+              <a:t>install</a:t>
+            </a:r>
+            <a:r>
+              <a:rPr lang="fr-FR" dirty="0" smtClean="0"/>
+              <a:t> </a:t>
+            </a:r>
+            <a:r>
+              <a:rPr lang="fr-FR" dirty="0" err="1" smtClean="0"/>
+              <a:t>foundation</a:t>
+            </a:r>
+            <a:r>
+              <a:rPr lang="fr-FR" dirty="0" smtClean="0"/>
+              <a:t>-sites »</a:t>
+            </a:r>
+          </a:p>
+          <a:p>
+            <a:pPr algn="just">
+              <a:buFont typeface="Wingdings" panose="05000000000000000000" pitchFamily="2" charset="2"/>
+              <a:buChar char="v"/>
+            </a:pPr>
+            <a:r>
+              <a:rPr lang="fr-FR" dirty="0" smtClean="0"/>
+              <a:t>Téléchargement direct:</a:t>
+            </a:r>
+          </a:p>
+          <a:p>
+            <a:pPr algn="just"/>
+            <a:r>
+              <a:rPr lang="fr-FR" dirty="0" smtClean="0"/>
+              <a:t>Rendez-vous sur le site officiel de </a:t>
+            </a:r>
+            <a:r>
+              <a:rPr lang="fr-FR" dirty="0" err="1" smtClean="0"/>
+              <a:t>Foundation</a:t>
+            </a:r>
+            <a:endParaRPr lang="fr-FR" dirty="0" smtClean="0"/>
+          </a:p>
+          <a:p>
+            <a:pPr algn="just"/>
+            <a:r>
+              <a:rPr lang="fr-FR" dirty="0" smtClean="0"/>
+              <a:t>Téléchargez la version souhaitée et </a:t>
+            </a:r>
+            <a:r>
+              <a:rPr lang="fr-FR" dirty="0"/>
+              <a:t>c</a:t>
+            </a:r>
+            <a:r>
+              <a:rPr lang="fr-FR" dirty="0" smtClean="0"/>
+              <a:t>ompressez-la dans votre projet.</a:t>
+            </a:r>
+            <a:endParaRPr lang="fr-FR" dirty="0"/>
+          </a:p>
+        </p:txBody>
+      </p:sp>
+    </p:spTree>
+    <p:extLst>
+      <p:ext uri="{BB962C8B-B14F-4D97-AF65-F5344CB8AC3E}">
+        <p14:creationId xmlns:p14="http://schemas.microsoft.com/office/powerpoint/2010/main" val="1971764236"/>
+      </p:ext>
+    </p:extLst>
+  </p:cSld>
+  <p:clrMapOvr>
+    <a:masterClrMapping/>
+  </p:clrMapOvr>
+  <p:timing>
+    <p:tnLst>
+      <p:par>
+        <p:cTn id="1" dur="indefinite" restart="never" nodeType="tmRoot"/>
+      </p:par>
+    </p:tnLst>
+  </p:timing>
+</p:sld>
+</file>
+
+<file path=ppt/slides/slide7.xml><?xml version="1.0" encoding="utf-8"?>
+<p:sld xmlns:a="http://schemas.openxmlformats.org/drawingml/2006/main" xmlns:r="http://schemas.openxmlformats.org/officeDocument/2006/relationships" xmlns:p="http://schemas.openxmlformats.org/presentationml/2006/main">
+  <p:cSld>
+    <p:spTree>
+      <p:nvGrpSpPr>
+        <p:cNvPr id="1" name=""/>
+        <p:cNvGrpSpPr/>
+        <p:nvPr/>
+      </p:nvGrpSpPr>
+      <p:grpSpPr>
+        <a:xfrm>
+          <a:off x="0" y="0"/>
+          <a:ext cx="0" cy="0"/>
+          <a:chOff x="0" y="0"/>
+          <a:chExt cx="0" cy="0"/>
+        </a:xfrm>
+      </p:grpSpPr>
+      <p:sp>
+        <p:nvSpPr>
+          <p:cNvPr id="2" name="Titre 1"/>
+          <p:cNvSpPr>
+            <a:spLocks noGrp="1"/>
+          </p:cNvSpPr>
+          <p:nvPr>
+            <p:ph type="title"/>
+          </p:nvPr>
+        </p:nvSpPr>
         <p:spPr/>
         <p:style>
           <a:lnRef idx="3">
@@ -3873,10 +8126,14 @@
             <a:spLocks noGrp="1"/>
           </p:cNvSpPr>
           <p:nvPr>
-            <p:ph idx="1"/>
-          </p:nvPr>
-        </p:nvSpPr>
-        <p:spPr/>
+            <p:ph sz="quarter" idx="13"/>
+          </p:nvPr>
+        </p:nvSpPr>
+        <p:spPr>
+          <a:ln>
+            <a:noFill/>
+          </a:ln>
+        </p:spPr>
         <p:style>
           <a:lnRef idx="2">
             <a:schemeClr val="accent1"/>
@@ -3897,54 +8154,50 @@
           </a:bodyPr>
           <a:lstStyle/>
           <a:p>
+            <a:endParaRPr lang="fr-FR" sz="2000" dirty="0" smtClean="0"/>
+          </a:p>
+          <a:p>
+            <a:pPr algn="just">
+              <a:buFont typeface="Wingdings" panose="05000000000000000000" pitchFamily="2" charset="2"/>
+              <a:buChar char="Ø"/>
+            </a:pPr>
             <a:r>
               <a:rPr lang="fr-FR" sz="2000" dirty="0" smtClean="0"/>
-              <a:t>Il faut avoir une parfaite de HTML et CSS pour pouvoir bien l’exploiter </a:t>
-            </a:r>
-          </a:p>
-          <a:p>
+              <a:t>Il faut avoir une parfaite maîtrise de HTML et CSS pour pouvoir bien l’exploiter.</a:t>
+            </a:r>
+          </a:p>
+          <a:p>
+            <a:pPr algn="just">
+              <a:buFont typeface="Wingdings" panose="05000000000000000000" pitchFamily="2" charset="2"/>
+              <a:buChar char="Ø"/>
+            </a:pPr>
+            <a:r>
+              <a:rPr lang="fr-FR" sz="2000" dirty="0"/>
+              <a:t>Pas compatible avec les versions anciennes d’Internet </a:t>
+            </a:r>
+            <a:r>
+              <a:rPr lang="fr-FR" sz="2000" dirty="0" smtClean="0"/>
+              <a:t>Explorer</a:t>
+            </a:r>
+          </a:p>
+          <a:p>
+            <a:pPr algn="just">
+              <a:buFont typeface="Wingdings" panose="05000000000000000000" pitchFamily="2" charset="2"/>
+              <a:buChar char="Ø"/>
+            </a:pPr>
             <a:r>
               <a:rPr lang="fr-FR" sz="2000" dirty="0" smtClean="0"/>
               <a:t>Ces fichiers sont volumineux et peut ralentir le chargement des pages surtout dans les mobiles.</a:t>
             </a:r>
           </a:p>
           <a:p>
+            <a:pPr algn="just">
+              <a:buFont typeface="Wingdings" panose="05000000000000000000" pitchFamily="2" charset="2"/>
+              <a:buChar char="Ø"/>
+            </a:pPr>
             <a:r>
               <a:rPr lang="fr-FR" sz="2000" dirty="0" smtClean="0"/>
               <a:t>Votre design n’est pas très unique si vous ne changer pas en profondeur le Framework.</a:t>
-            </a:r>
-          </a:p>
-          <a:p>
-            <a:pPr marL="0" indent="0">
-              <a:buNone/>
-            </a:pPr>
-            <a:r>
-              <a:rPr lang="fr-FR" sz="2000" dirty="0" smtClean="0"/>
-              <a:t>Donc il faut </a:t>
-            </a:r>
-            <a:r>
-              <a:rPr lang="fr-FR" sz="2000" dirty="0"/>
-              <a:t>é</a:t>
-            </a:r>
-            <a:r>
-              <a:rPr lang="fr-FR" sz="2000" dirty="0" smtClean="0"/>
-              <a:t>viter d’utiliser </a:t>
-            </a:r>
-            <a:r>
-              <a:rPr lang="fr-FR" sz="2000" dirty="0" err="1" smtClean="0"/>
-              <a:t>Foundation</a:t>
-            </a:r>
-            <a:r>
-              <a:rPr lang="fr-FR" sz="2000" dirty="0" smtClean="0"/>
-              <a:t> pour des projets simple sans beaucoup de contenue dynamique, en plus si votre objectif principal et la vitesse </a:t>
-            </a:r>
-            <a:r>
-              <a:rPr lang="fr-FR" sz="2000" dirty="0" err="1" smtClean="0"/>
-              <a:t>Foundation</a:t>
-            </a:r>
-            <a:r>
-              <a:rPr lang="fr-FR" sz="2000" dirty="0" smtClean="0"/>
-              <a:t> n’est pas la meilleur choix à faire. </a:t>
             </a:r>
           </a:p>
           <a:p>
@@ -3972,7 +8225,1110 @@
 </p:sld>
 </file>
 
+<file path=ppt/slides/slide8.xml><?xml version="1.0" encoding="utf-8"?>
+<p:sld xmlns:a="http://schemas.openxmlformats.org/drawingml/2006/main" xmlns:r="http://schemas.openxmlformats.org/officeDocument/2006/relationships" xmlns:p="http://schemas.openxmlformats.org/presentationml/2006/main">
+  <p:cSld>
+    <p:spTree>
+      <p:nvGrpSpPr>
+        <p:cNvPr id="1" name=""/>
+        <p:cNvGrpSpPr/>
+        <p:nvPr/>
+      </p:nvGrpSpPr>
+      <p:grpSpPr>
+        <a:xfrm>
+          <a:off x="0" y="0"/>
+          <a:ext cx="0" cy="0"/>
+          <a:chOff x="0" y="0"/>
+          <a:chExt cx="0" cy="0"/>
+        </a:xfrm>
+      </p:grpSpPr>
+      <p:sp>
+        <p:nvSpPr>
+          <p:cNvPr id="2" name="Titre 1"/>
+          <p:cNvSpPr>
+            <a:spLocks noGrp="1"/>
+          </p:cNvSpPr>
+          <p:nvPr>
+            <p:ph type="title"/>
+          </p:nvPr>
+        </p:nvSpPr>
+        <p:spPr>
+          <a:xfrm>
+            <a:off x="685800" y="0"/>
+            <a:ext cx="10396882" cy="914399"/>
+          </a:xfrm>
+          <a:solidFill>
+            <a:schemeClr val="accent1"/>
+          </a:solidFill>
+        </p:spPr>
+        <p:txBody>
+          <a:bodyPr/>
+          <a:lstStyle/>
+          <a:p>
+            <a:pPr algn="ctr"/>
+            <a:r>
+              <a:rPr lang="fr-FR" dirty="0" smtClean="0">
+                <a:solidFill>
+                  <a:schemeClr val="bg1"/>
+                </a:solidFill>
+              </a:rPr>
+              <a:t>Quelques exemples</a:t>
+            </a:r>
+            <a:endParaRPr lang="fr-FR" dirty="0">
+              <a:solidFill>
+                <a:schemeClr val="bg1"/>
+              </a:solidFill>
+            </a:endParaRPr>
+          </a:p>
+        </p:txBody>
+      </p:sp>
+      <p:sp>
+        <p:nvSpPr>
+          <p:cNvPr id="3" name="Espace réservé du contenu 2"/>
+          <p:cNvSpPr>
+            <a:spLocks noGrp="1"/>
+          </p:cNvSpPr>
+          <p:nvPr>
+            <p:ph sz="quarter" idx="13"/>
+          </p:nvPr>
+        </p:nvSpPr>
+        <p:spPr>
+          <a:xfrm>
+            <a:off x="685800" y="1009933"/>
+            <a:ext cx="10394707" cy="4681183"/>
+          </a:xfrm>
+        </p:spPr>
+        <p:txBody>
+          <a:bodyPr>
+            <a:normAutofit fontScale="62500" lnSpcReduction="20000"/>
+          </a:bodyPr>
+          <a:lstStyle/>
+          <a:p>
+            <a:r>
+              <a:rPr lang="fr-FR" dirty="0" smtClean="0"/>
+              <a:t>Pour créer un </a:t>
+            </a:r>
+            <a:r>
+              <a:rPr lang="fr-FR" dirty="0" err="1" smtClean="0"/>
+              <a:t>navbar</a:t>
+            </a:r>
+            <a:r>
+              <a:rPr lang="fr-FR" dirty="0" smtClean="0"/>
+              <a:t>:</a:t>
+            </a:r>
+          </a:p>
+          <a:p>
+            <a:pPr marL="0" indent="0">
+              <a:buNone/>
+            </a:pPr>
+            <a:r>
+              <a:rPr lang="fr-FR" dirty="0"/>
+              <a:t>&lt;div class="</a:t>
+            </a:r>
+            <a:r>
+              <a:rPr lang="fr-FR" dirty="0" err="1"/>
+              <a:t>title</a:t>
+            </a:r>
+            <a:r>
+              <a:rPr lang="fr-FR" dirty="0"/>
+              <a:t>-bar" data-responsive-</a:t>
+            </a:r>
+            <a:r>
+              <a:rPr lang="fr-FR" dirty="0" err="1"/>
+              <a:t>toggle</a:t>
+            </a:r>
+            <a:r>
+              <a:rPr lang="fr-FR" dirty="0"/>
+              <a:t>="</a:t>
+            </a:r>
+            <a:r>
+              <a:rPr lang="fr-FR" dirty="0" err="1"/>
+              <a:t>example</a:t>
+            </a:r>
+            <a:r>
+              <a:rPr lang="fr-FR" dirty="0"/>
+              <a:t>-menu" data-</a:t>
+            </a:r>
+            <a:r>
+              <a:rPr lang="fr-FR" dirty="0" err="1"/>
+              <a:t>hide</a:t>
+            </a:r>
+            <a:r>
+              <a:rPr lang="fr-FR" dirty="0"/>
+              <a:t>-for="medium"&gt;</a:t>
+            </a:r>
+          </a:p>
+          <a:p>
+            <a:pPr marL="0" indent="0">
+              <a:buNone/>
+            </a:pPr>
+            <a:r>
+              <a:rPr lang="fr-FR" dirty="0" smtClean="0"/>
+              <a:t>         </a:t>
+            </a:r>
+            <a:r>
+              <a:rPr lang="fr-FR" dirty="0"/>
+              <a:t>&lt;</a:t>
+            </a:r>
+            <a:r>
+              <a:rPr lang="fr-FR" dirty="0" err="1"/>
+              <a:t>button</a:t>
+            </a:r>
+            <a:r>
+              <a:rPr lang="fr-FR" dirty="0"/>
+              <a:t> class="menu-</a:t>
+            </a:r>
+            <a:r>
+              <a:rPr lang="fr-FR" dirty="0" err="1"/>
+              <a:t>icon</a:t>
+            </a:r>
+            <a:r>
+              <a:rPr lang="fr-FR" dirty="0"/>
+              <a:t>" type="</a:t>
+            </a:r>
+            <a:r>
+              <a:rPr lang="fr-FR" dirty="0" err="1"/>
+              <a:t>button</a:t>
+            </a:r>
+            <a:r>
+              <a:rPr lang="fr-FR" dirty="0"/>
+              <a:t>" data-</a:t>
+            </a:r>
+            <a:r>
+              <a:rPr lang="fr-FR" dirty="0" err="1"/>
+              <a:t>toggle</a:t>
+            </a:r>
+            <a:r>
+              <a:rPr lang="fr-FR" dirty="0"/>
+              <a:t>="</a:t>
+            </a:r>
+            <a:r>
+              <a:rPr lang="fr-FR" dirty="0" err="1"/>
+              <a:t>example</a:t>
+            </a:r>
+            <a:r>
+              <a:rPr lang="fr-FR" dirty="0"/>
+              <a:t>-menu"&gt;&lt;/</a:t>
+            </a:r>
+            <a:r>
+              <a:rPr lang="fr-FR" dirty="0" err="1"/>
+              <a:t>button</a:t>
+            </a:r>
+            <a:r>
+              <a:rPr lang="fr-FR" dirty="0"/>
+              <a:t>&gt;</a:t>
+            </a:r>
+          </a:p>
+          <a:p>
+            <a:pPr marL="0" indent="0">
+              <a:buNone/>
+            </a:pPr>
+            <a:r>
+              <a:rPr lang="fr-FR" dirty="0" smtClean="0"/>
+              <a:t>          </a:t>
+            </a:r>
+            <a:r>
+              <a:rPr lang="fr-FR" dirty="0"/>
+              <a:t>&lt;div class="</a:t>
+            </a:r>
+            <a:r>
+              <a:rPr lang="fr-FR" dirty="0" err="1"/>
+              <a:t>title</a:t>
+            </a:r>
+            <a:r>
+              <a:rPr lang="fr-FR" dirty="0"/>
+              <a:t>-bar-</a:t>
+            </a:r>
+            <a:r>
+              <a:rPr lang="fr-FR" dirty="0" err="1"/>
+              <a:t>title</a:t>
+            </a:r>
+            <a:r>
+              <a:rPr lang="fr-FR" dirty="0"/>
+              <a:t>"&gt;Menu&lt;/div</a:t>
+            </a:r>
+            <a:r>
+              <a:rPr lang="fr-FR" dirty="0" smtClean="0"/>
+              <a:t>&gt;</a:t>
+            </a:r>
+          </a:p>
+          <a:p>
+            <a:pPr marL="0" indent="0">
+              <a:buNone/>
+            </a:pPr>
+            <a:r>
+              <a:rPr lang="fr-FR" dirty="0" smtClean="0"/>
+              <a:t>&lt;/div&gt;</a:t>
+            </a:r>
+          </a:p>
+          <a:p>
+            <a:pPr marL="0" indent="0">
+              <a:buNone/>
+            </a:pPr>
+            <a:r>
+              <a:rPr lang="fr-FR" dirty="0" smtClean="0"/>
+              <a:t>&lt;</a:t>
+            </a:r>
+            <a:r>
+              <a:rPr lang="fr-FR" dirty="0"/>
+              <a:t>div class="top-bar" id="</a:t>
+            </a:r>
+            <a:r>
+              <a:rPr lang="fr-FR" dirty="0" err="1"/>
+              <a:t>example</a:t>
+            </a:r>
+            <a:r>
+              <a:rPr lang="fr-FR" dirty="0"/>
+              <a:t>-menu"&gt;</a:t>
+            </a:r>
+          </a:p>
+          <a:p>
+            <a:pPr marL="0" indent="0">
+              <a:buNone/>
+            </a:pPr>
+            <a:r>
+              <a:rPr lang="fr-FR" dirty="0" smtClean="0"/>
+              <a:t>        </a:t>
+            </a:r>
+            <a:r>
+              <a:rPr lang="fr-FR" dirty="0"/>
+              <a:t>&lt;div class="top-bar-</a:t>
+            </a:r>
+            <a:r>
+              <a:rPr lang="fr-FR" dirty="0" err="1"/>
+              <a:t>left</a:t>
+            </a:r>
+            <a:r>
+              <a:rPr lang="fr-FR" dirty="0"/>
+              <a:t>"&gt;</a:t>
+            </a:r>
+          </a:p>
+          <a:p>
+            <a:pPr marL="0" indent="0">
+              <a:buNone/>
+            </a:pPr>
+            <a:r>
+              <a:rPr lang="fr-FR" dirty="0" smtClean="0"/>
+              <a:t>                </a:t>
+            </a:r>
+            <a:r>
+              <a:rPr lang="fr-FR" dirty="0"/>
+              <a:t>&lt;</a:t>
+            </a:r>
+            <a:r>
+              <a:rPr lang="fr-FR" dirty="0" err="1"/>
+              <a:t>ul</a:t>
+            </a:r>
+            <a:r>
+              <a:rPr lang="fr-FR" dirty="0"/>
+              <a:t> class="</a:t>
+            </a:r>
+            <a:r>
+              <a:rPr lang="fr-FR" dirty="0" err="1"/>
+              <a:t>dropdown</a:t>
+            </a:r>
+            <a:r>
+              <a:rPr lang="fr-FR" dirty="0"/>
+              <a:t> menu" data-</a:t>
+            </a:r>
+            <a:r>
+              <a:rPr lang="fr-FR" dirty="0" err="1"/>
+              <a:t>dropdown</a:t>
+            </a:r>
+            <a:r>
+              <a:rPr lang="fr-FR" dirty="0"/>
+              <a:t>-menu</a:t>
+            </a:r>
+            <a:r>
+              <a:rPr lang="fr-FR" dirty="0" smtClean="0"/>
+              <a:t>&gt;</a:t>
+            </a:r>
+          </a:p>
+          <a:p>
+            <a:pPr marL="0" indent="0">
+              <a:buNone/>
+            </a:pPr>
+            <a:r>
+              <a:rPr lang="fr-FR" dirty="0" smtClean="0"/>
+              <a:t>                          </a:t>
+            </a:r>
+            <a:r>
+              <a:rPr lang="fr-FR" dirty="0"/>
+              <a:t>&lt;li class="menu-</a:t>
+            </a:r>
+            <a:r>
+              <a:rPr lang="fr-FR" dirty="0" err="1"/>
+              <a:t>text</a:t>
+            </a:r>
+            <a:r>
+              <a:rPr lang="fr-FR" dirty="0"/>
+              <a:t>"&gt;Site </a:t>
+            </a:r>
+            <a:r>
+              <a:rPr lang="fr-FR" dirty="0" err="1"/>
+              <a:t>Title</a:t>
+            </a:r>
+            <a:r>
+              <a:rPr lang="fr-FR" dirty="0"/>
+              <a:t>&lt;/li&gt;</a:t>
+            </a:r>
+          </a:p>
+          <a:p>
+            <a:pPr marL="0" indent="0">
+              <a:buNone/>
+            </a:pPr>
+            <a:r>
+              <a:rPr lang="fr-FR" dirty="0" smtClean="0"/>
+              <a:t>                         &lt;</a:t>
+            </a:r>
+            <a:r>
+              <a:rPr lang="fr-FR" dirty="0"/>
+              <a:t>li&gt;&lt;a </a:t>
+            </a:r>
+            <a:r>
+              <a:rPr lang="fr-FR" dirty="0" err="1"/>
+              <a:t>href</a:t>
+            </a:r>
+            <a:r>
+              <a:rPr lang="fr-FR" dirty="0"/>
+              <a:t>="#"&gt;One&lt;/a&gt;&lt;/li&gt;</a:t>
+            </a:r>
+          </a:p>
+          <a:p>
+            <a:pPr marL="0" indent="0">
+              <a:buNone/>
+            </a:pPr>
+            <a:r>
+              <a:rPr lang="fr-FR" dirty="0" smtClean="0"/>
+              <a:t>                        </a:t>
+            </a:r>
+            <a:r>
+              <a:rPr lang="fr-FR" dirty="0"/>
+              <a:t>&lt;li&gt;&lt;a </a:t>
+            </a:r>
+            <a:r>
+              <a:rPr lang="fr-FR" dirty="0" err="1"/>
+              <a:t>href</a:t>
+            </a:r>
+            <a:r>
+              <a:rPr lang="fr-FR" dirty="0"/>
+              <a:t>="#"&gt;</a:t>
+            </a:r>
+            <a:r>
+              <a:rPr lang="fr-FR" dirty="0" err="1"/>
+              <a:t>Two</a:t>
+            </a:r>
+            <a:r>
+              <a:rPr lang="fr-FR" dirty="0"/>
+              <a:t>&lt;/a&gt;&lt;/li&gt;</a:t>
+            </a:r>
+          </a:p>
+          <a:p>
+            <a:pPr marL="0" indent="0">
+              <a:buNone/>
+            </a:pPr>
+            <a:r>
+              <a:rPr lang="fr-FR" dirty="0" smtClean="0"/>
+              <a:t>              &lt;/</a:t>
+            </a:r>
+            <a:r>
+              <a:rPr lang="fr-FR" dirty="0" err="1"/>
+              <a:t>ul</a:t>
+            </a:r>
+            <a:r>
+              <a:rPr lang="fr-FR" dirty="0"/>
+              <a:t>&gt;</a:t>
+            </a:r>
+          </a:p>
+          <a:p>
+            <a:pPr marL="0" indent="0">
+              <a:buNone/>
+            </a:pPr>
+            <a:r>
+              <a:rPr lang="fr-FR" dirty="0"/>
+              <a:t> </a:t>
+            </a:r>
+            <a:r>
+              <a:rPr lang="fr-FR" dirty="0" smtClean="0"/>
+              <a:t>      </a:t>
+            </a:r>
+            <a:r>
+              <a:rPr lang="fr-FR" dirty="0"/>
+              <a:t>&lt;/div&gt;</a:t>
+            </a:r>
+          </a:p>
+          <a:p>
+            <a:pPr marL="0" indent="0">
+              <a:buNone/>
+            </a:pPr>
+            <a:r>
+              <a:rPr lang="fr-FR" dirty="0"/>
+              <a:t>&lt;/div&gt;</a:t>
+            </a:r>
+            <a:endParaRPr lang="fr-FR" dirty="0" smtClean="0"/>
+          </a:p>
+        </p:txBody>
+      </p:sp>
+    </p:spTree>
+    <p:extLst>
+      <p:ext uri="{BB962C8B-B14F-4D97-AF65-F5344CB8AC3E}">
+        <p14:creationId xmlns:p14="http://schemas.microsoft.com/office/powerpoint/2010/main" val="1304406061"/>
+      </p:ext>
+    </p:extLst>
+  </p:cSld>
+  <p:clrMapOvr>
+    <a:masterClrMapping/>
+  </p:clrMapOvr>
+</p:sld>
+</file>
+
+<file path=ppt/slides/slide9.xml><?xml version="1.0" encoding="utf-8"?>
+<p:sld xmlns:a="http://schemas.openxmlformats.org/drawingml/2006/main" xmlns:r="http://schemas.openxmlformats.org/officeDocument/2006/relationships" xmlns:p="http://schemas.openxmlformats.org/presentationml/2006/main">
+  <p:cSld>
+    <p:spTree>
+      <p:nvGrpSpPr>
+        <p:cNvPr id="1" name=""/>
+        <p:cNvGrpSpPr/>
+        <p:nvPr/>
+      </p:nvGrpSpPr>
+      <p:grpSpPr>
+        <a:xfrm>
+          <a:off x="0" y="0"/>
+          <a:ext cx="0" cy="0"/>
+          <a:chOff x="0" y="0"/>
+          <a:chExt cx="0" cy="0"/>
+        </a:xfrm>
+      </p:grpSpPr>
+      <p:sp>
+        <p:nvSpPr>
+          <p:cNvPr id="2" name="Titre 1"/>
+          <p:cNvSpPr>
+            <a:spLocks noGrp="1"/>
+          </p:cNvSpPr>
+          <p:nvPr>
+            <p:ph type="title"/>
+          </p:nvPr>
+        </p:nvSpPr>
+        <p:spPr>
+          <a:xfrm>
+            <a:off x="685800" y="126241"/>
+            <a:ext cx="10396882" cy="1151965"/>
+          </a:xfrm>
+          <a:solidFill>
+            <a:schemeClr val="accent1"/>
+          </a:solidFill>
+        </p:spPr>
+        <p:txBody>
+          <a:bodyPr/>
+          <a:lstStyle/>
+          <a:p>
+            <a:pPr algn="ctr"/>
+            <a:r>
+              <a:rPr lang="fr-FR" dirty="0" smtClean="0">
+                <a:solidFill>
+                  <a:schemeClr val="bg1"/>
+                </a:solidFill>
+              </a:rPr>
+              <a:t>QUELQUES EXEMPLES</a:t>
+            </a:r>
+            <a:endParaRPr lang="fr-FR" dirty="0">
+              <a:solidFill>
+                <a:schemeClr val="bg1"/>
+              </a:solidFill>
+            </a:endParaRPr>
+          </a:p>
+        </p:txBody>
+      </p:sp>
+      <p:sp>
+        <p:nvSpPr>
+          <p:cNvPr id="3" name="Espace réservé du contenu 2"/>
+          <p:cNvSpPr>
+            <a:spLocks noGrp="1"/>
+          </p:cNvSpPr>
+          <p:nvPr>
+            <p:ph sz="quarter" idx="13"/>
+          </p:nvPr>
+        </p:nvSpPr>
+        <p:spPr>
+          <a:xfrm>
+            <a:off x="685800" y="1392072"/>
+            <a:ext cx="10394707" cy="4176215"/>
+          </a:xfrm>
+        </p:spPr>
+        <p:txBody>
+          <a:bodyPr>
+            <a:normAutofit fontScale="85000" lnSpcReduction="20000"/>
+          </a:bodyPr>
+          <a:lstStyle/>
+          <a:p>
+            <a:endParaRPr lang="fr-FR" dirty="0" smtClean="0"/>
+          </a:p>
+          <a:p>
+            <a:r>
+              <a:rPr lang="fr-FR" dirty="0" smtClean="0"/>
+              <a:t>Pour créer un slide image:</a:t>
+            </a:r>
+          </a:p>
+          <a:p>
+            <a:pPr marL="457200" lvl="1" indent="0">
+              <a:buNone/>
+            </a:pPr>
+            <a:r>
+              <a:rPr lang="fr-FR" dirty="0"/>
+              <a:t>&lt;div id="accueil" class="</a:t>
+            </a:r>
+            <a:r>
+              <a:rPr lang="fr-FR" dirty="0" err="1"/>
+              <a:t>orbit</a:t>
+            </a:r>
+            <a:r>
+              <a:rPr lang="fr-FR" dirty="0"/>
+              <a:t>" </a:t>
+            </a:r>
+            <a:r>
+              <a:rPr lang="fr-FR" dirty="0" err="1"/>
+              <a:t>role</a:t>
+            </a:r>
+            <a:r>
+              <a:rPr lang="fr-FR" dirty="0"/>
+              <a:t>="</a:t>
+            </a:r>
+            <a:r>
+              <a:rPr lang="fr-FR" dirty="0" err="1"/>
+              <a:t>region</a:t>
+            </a:r>
+            <a:r>
+              <a:rPr lang="fr-FR" dirty="0"/>
+              <a:t>" aria-label="Image </a:t>
+            </a:r>
+            <a:r>
+              <a:rPr lang="fr-FR" dirty="0" err="1"/>
+              <a:t>slider</a:t>
+            </a:r>
+            <a:r>
+              <a:rPr lang="fr-FR" dirty="0"/>
+              <a:t>" data-</a:t>
+            </a:r>
+            <a:r>
+              <a:rPr lang="fr-FR" dirty="0" err="1"/>
+              <a:t>orbit</a:t>
+            </a:r>
+            <a:r>
+              <a:rPr lang="fr-FR" dirty="0"/>
+              <a:t>&gt;</a:t>
+            </a:r>
+          </a:p>
+          <a:p>
+            <a:pPr marL="457200" lvl="1" indent="0">
+              <a:buNone/>
+            </a:pPr>
+            <a:r>
+              <a:rPr lang="fr-FR" dirty="0"/>
+              <a:t>        &lt;</a:t>
+            </a:r>
+            <a:r>
+              <a:rPr lang="fr-FR" dirty="0" err="1"/>
+              <a:t>ul</a:t>
+            </a:r>
+            <a:r>
+              <a:rPr lang="fr-FR" dirty="0"/>
+              <a:t> class="</a:t>
+            </a:r>
+            <a:r>
+              <a:rPr lang="fr-FR" dirty="0" err="1"/>
+              <a:t>orbit</a:t>
+            </a:r>
+            <a:r>
+              <a:rPr lang="fr-FR" dirty="0"/>
+              <a:t>-container"&gt;</a:t>
+            </a:r>
+          </a:p>
+          <a:p>
+            <a:pPr marL="457200" lvl="1" indent="0">
+              <a:buNone/>
+            </a:pPr>
+            <a:r>
+              <a:rPr lang="fr-FR" dirty="0"/>
+              <a:t>          </a:t>
+            </a:r>
+            <a:r>
+              <a:rPr lang="fr-FR" dirty="0" smtClean="0"/>
+              <a:t>	&lt;</a:t>
+            </a:r>
+            <a:r>
+              <a:rPr lang="fr-FR" dirty="0"/>
+              <a:t>li class="</a:t>
+            </a:r>
+            <a:r>
+              <a:rPr lang="fr-FR" dirty="0" err="1"/>
+              <a:t>orbit</a:t>
+            </a:r>
+            <a:r>
+              <a:rPr lang="fr-FR" dirty="0"/>
+              <a:t>-slide"&gt;</a:t>
+            </a:r>
+          </a:p>
+          <a:p>
+            <a:pPr marL="457200" lvl="1" indent="0">
+              <a:buNone/>
+            </a:pPr>
+            <a:r>
+              <a:rPr lang="fr-FR" dirty="0"/>
+              <a:t>            </a:t>
+            </a:r>
+            <a:r>
+              <a:rPr lang="fr-FR" dirty="0" smtClean="0"/>
+              <a:t>	        &lt;</a:t>
+            </a:r>
+            <a:r>
+              <a:rPr lang="fr-FR" dirty="0" err="1"/>
+              <a:t>img</a:t>
+            </a:r>
+            <a:r>
+              <a:rPr lang="fr-FR" dirty="0"/>
+              <a:t> </a:t>
+            </a:r>
+            <a:r>
+              <a:rPr lang="fr-FR" dirty="0" err="1"/>
+              <a:t>src</a:t>
+            </a:r>
+            <a:r>
+              <a:rPr lang="fr-FR" dirty="0"/>
+              <a:t>="images/7.jpg" </a:t>
+            </a:r>
+            <a:r>
+              <a:rPr lang="fr-FR" dirty="0" err="1"/>
+              <a:t>alt</a:t>
+            </a:r>
+            <a:r>
+              <a:rPr lang="fr-FR" dirty="0"/>
+              <a:t>="Première image"&gt;</a:t>
+            </a:r>
+          </a:p>
+          <a:p>
+            <a:pPr marL="457200" lvl="1" indent="0">
+              <a:buNone/>
+            </a:pPr>
+            <a:r>
+              <a:rPr lang="fr-FR" dirty="0"/>
+              <a:t>          </a:t>
+            </a:r>
+            <a:r>
+              <a:rPr lang="fr-FR" dirty="0" smtClean="0"/>
+              <a:t>	&lt;/</a:t>
+            </a:r>
+            <a:r>
+              <a:rPr lang="fr-FR" dirty="0"/>
+              <a:t>li&gt;</a:t>
+            </a:r>
+          </a:p>
+          <a:p>
+            <a:pPr marL="457200" lvl="1" indent="0">
+              <a:buNone/>
+            </a:pPr>
+            <a:r>
+              <a:rPr lang="fr-FR" dirty="0"/>
+              <a:t>        </a:t>
+            </a:r>
+            <a:r>
+              <a:rPr lang="fr-FR" dirty="0" smtClean="0"/>
+              <a:t>&lt;/</a:t>
+            </a:r>
+            <a:r>
+              <a:rPr lang="fr-FR" dirty="0" err="1"/>
+              <a:t>ul</a:t>
+            </a:r>
+            <a:r>
+              <a:rPr lang="fr-FR" dirty="0"/>
+              <a:t>&gt;</a:t>
+            </a:r>
+          </a:p>
+          <a:p>
+            <a:pPr marL="457200" lvl="1" indent="0">
+              <a:buNone/>
+            </a:pPr>
+            <a:r>
+              <a:rPr lang="fr-FR" dirty="0"/>
+              <a:t>        &lt;</a:t>
+            </a:r>
+            <a:r>
+              <a:rPr lang="fr-FR" dirty="0" err="1"/>
+              <a:t>nav</a:t>
+            </a:r>
+            <a:r>
+              <a:rPr lang="fr-FR" dirty="0"/>
+              <a:t> class="</a:t>
+            </a:r>
+            <a:r>
+              <a:rPr lang="fr-FR" dirty="0" err="1"/>
+              <a:t>orbit-nav</a:t>
+            </a:r>
+            <a:r>
+              <a:rPr lang="fr-FR" dirty="0"/>
+              <a:t>"&gt;</a:t>
+            </a:r>
+          </a:p>
+          <a:p>
+            <a:pPr marL="457200" lvl="1" indent="0">
+              <a:buNone/>
+            </a:pPr>
+            <a:r>
+              <a:rPr lang="fr-FR" dirty="0"/>
+              <a:t>          </a:t>
+            </a:r>
+            <a:r>
+              <a:rPr lang="fr-FR" dirty="0" smtClean="0"/>
+              <a:t> 	&lt;</a:t>
+            </a:r>
+            <a:r>
+              <a:rPr lang="fr-FR" dirty="0" err="1"/>
+              <a:t>button</a:t>
+            </a:r>
+            <a:r>
+              <a:rPr lang="fr-FR" dirty="0"/>
+              <a:t> class="</a:t>
+            </a:r>
+            <a:r>
+              <a:rPr lang="fr-FR" dirty="0" err="1"/>
+              <a:t>orbit-previous</a:t>
+            </a:r>
+            <a:r>
+              <a:rPr lang="fr-FR" dirty="0"/>
+              <a:t>"&gt;Précédent&lt;/</a:t>
+            </a:r>
+            <a:r>
+              <a:rPr lang="fr-FR" dirty="0" err="1"/>
+              <a:t>button</a:t>
+            </a:r>
+            <a:r>
+              <a:rPr lang="fr-FR" dirty="0"/>
+              <a:t>&gt;</a:t>
+            </a:r>
+          </a:p>
+          <a:p>
+            <a:pPr marL="457200" lvl="1" indent="0">
+              <a:buNone/>
+            </a:pPr>
+            <a:r>
+              <a:rPr lang="fr-FR" dirty="0"/>
+              <a:t>          </a:t>
+            </a:r>
+            <a:r>
+              <a:rPr lang="fr-FR" dirty="0" smtClean="0"/>
+              <a:t>	&lt;</a:t>
+            </a:r>
+            <a:r>
+              <a:rPr lang="fr-FR" dirty="0" err="1"/>
+              <a:t>button</a:t>
+            </a:r>
+            <a:r>
+              <a:rPr lang="fr-FR" dirty="0"/>
+              <a:t> class="</a:t>
+            </a:r>
+            <a:r>
+              <a:rPr lang="fr-FR" dirty="0" err="1"/>
+              <a:t>orbit-next</a:t>
+            </a:r>
+            <a:r>
+              <a:rPr lang="fr-FR" dirty="0"/>
+              <a:t>"&gt;Suivant&lt;/</a:t>
+            </a:r>
+            <a:r>
+              <a:rPr lang="fr-FR" dirty="0" err="1"/>
+              <a:t>button</a:t>
+            </a:r>
+            <a:r>
+              <a:rPr lang="fr-FR" dirty="0"/>
+              <a:t>&gt;</a:t>
+            </a:r>
+          </a:p>
+          <a:p>
+            <a:pPr marL="457200" lvl="1" indent="0">
+              <a:buNone/>
+            </a:pPr>
+            <a:r>
+              <a:rPr lang="fr-FR" dirty="0"/>
+              <a:t>        &lt;/</a:t>
+            </a:r>
+            <a:r>
+              <a:rPr lang="fr-FR" dirty="0" err="1"/>
+              <a:t>nav</a:t>
+            </a:r>
+            <a:r>
+              <a:rPr lang="fr-FR" dirty="0"/>
+              <a:t>&gt;</a:t>
+            </a:r>
+          </a:p>
+          <a:p>
+            <a:pPr marL="457200" lvl="1" indent="0">
+              <a:buNone/>
+            </a:pPr>
+            <a:r>
+              <a:rPr lang="fr-FR" dirty="0"/>
+              <a:t>   </a:t>
+            </a:r>
+            <a:r>
+              <a:rPr lang="fr-FR" dirty="0" smtClean="0"/>
+              <a:t>&lt;/</a:t>
+            </a:r>
+            <a:r>
+              <a:rPr lang="fr-FR" dirty="0"/>
+              <a:t>div&gt;</a:t>
+            </a:r>
+          </a:p>
+          <a:p>
+            <a:endParaRPr lang="fr-FR" dirty="0"/>
+          </a:p>
+        </p:txBody>
+      </p:sp>
+    </p:spTree>
+    <p:extLst>
+      <p:ext uri="{BB962C8B-B14F-4D97-AF65-F5344CB8AC3E}">
+        <p14:creationId xmlns:p14="http://schemas.microsoft.com/office/powerpoint/2010/main" val="2012253714"/>
+      </p:ext>
+    </p:extLst>
+  </p:cSld>
+  <p:clrMapOvr>
+    <a:masterClrMapping/>
+  </p:clrMapOvr>
+  <p:timing>
+    <p:tnLst>
+      <p:par>
+        <p:cTn id="1" dur="indefinite" restart="never" nodeType="tmRoot"/>
+      </p:par>
+    </p:tnLst>
+  </p:timing>
+</p:sld>
+</file>
+
 <file path=ppt/theme/theme1.xml><?xml version="1.0" encoding="utf-8"?>
+<a:theme xmlns:a="http://schemas.openxmlformats.org/drawingml/2006/main" name="Grand événement">
+  <a:themeElements>
+    <a:clrScheme name="Grand événement">
+      <a:dk1>
+        <a:sysClr val="windowText" lastClr="000000"/>
+      </a:dk1>
+      <a:lt1>
+        <a:sysClr val="window" lastClr="FFFFFF"/>
+      </a:lt1>
+      <a:dk2>
+        <a:srgbClr val="424242"/>
+      </a:dk2>
+      <a:lt2>
+        <a:srgbClr val="C8C8C8"/>
+      </a:lt2>
+      <a:accent1>
+        <a:srgbClr val="B80E0F"/>
+      </a:accent1>
+      <a:accent2>
+        <a:srgbClr val="A6987D"/>
+      </a:accent2>
+      <a:accent3>
+        <a:srgbClr val="7F9A71"/>
+      </a:accent3>
+      <a:accent4>
+        <a:srgbClr val="64969F"/>
+      </a:accent4>
+      <a:accent5>
+        <a:srgbClr val="9B75B2"/>
+      </a:accent5>
+      <a:accent6>
+        <a:srgbClr val="80737A"/>
+      </a:accent6>
+      <a:hlink>
+        <a:srgbClr val="F21213"/>
+      </a:hlink>
+      <a:folHlink>
+        <a:srgbClr val="B6A394"/>
+      </a:folHlink>
+    </a:clrScheme>
+    <a:fontScheme name="Grand événement">
+      <a:majorFont>
+        <a:latin typeface="Impact" panose="020B0806030902050204"/>
+        <a:ea typeface=""/>
+        <a:cs typeface=""/>
+        <a:font script="Jpan" typeface="ＭＳ Ｐゴシック"/>
+        <a:font script="Hang" typeface="맑은 고딕"/>
+        <a:font script="Hans" typeface="宋体"/>
+        <a:font script="Hant" typeface="新細明體"/>
+        <a:font script="Arab" typeface="Times New Roman"/>
+        <a:font script="Hebr" typeface="Times New Roman"/>
+        <a:font script="Thai" typeface="Angsana New"/>
+        <a:font script="Ethi" typeface="Nyala"/>
+        <a:font script="Beng" typeface="Vrinda"/>
+        <a:font script="Gujr" typeface="Shruti"/>
+        <a:font script="Khmr" typeface="MoolBoran"/>
+        <a:font script="Knda" typeface="Tunga"/>
+        <a:font script="Guru" typeface="Raavi"/>
+        <a:font script="Cans" typeface="Euphemia"/>
+        <a:font script="Cher" typeface="Plantagenet Cherokee"/>
+        <a:font script="Yiii" typeface="Microsoft Yi Baiti"/>
+        <a:font script="Tibt" typeface="Microsoft Himalaya"/>
+        <a:font script="Thaa" typeface="MV Boli"/>
+        <a:font script="Deva" typeface="Mangal"/>
+        <a:font script="Telu" typeface="Gautami"/>
+        <a:font script="Taml" typeface="Latha"/>
+        <a:font script="Syrc" typeface="Estrangelo Edessa"/>
+        <a:font script="Orya" typeface="Kalinga"/>
+        <a:font script="Mlym" typeface="Kartika"/>
+        <a:font script="Laoo" typeface="DokChampa"/>
+        <a:font script="Sinh" typeface="Iskoola Pota"/>
+        <a:font script="Mong" typeface="Mongolian Baiti"/>
+        <a:font script="Viet" typeface="Times New Roman"/>
+        <a:font script="Uigh" typeface="Microsoft Uighur"/>
+        <a:font script="Geor" typeface="Sylfaen"/>
+      </a:majorFont>
+      <a:minorFont>
+        <a:latin typeface="Impact" panose="020B0806030902050204"/>
+        <a:ea typeface=""/>
+        <a:cs typeface=""/>
+        <a:font script="Jpan" typeface="ＭＳ Ｐゴシック"/>
+        <a:font script="Hang" typeface="맑은 고딕"/>
+        <a:font script="Hans" typeface="宋体"/>
+        <a:font script="Hant" typeface="新細明體"/>
+        <a:font script="Arab" typeface="Arial"/>
+        <a:font script="Hebr" typeface="Arial"/>
+        <a:font script="Thai" typeface="Cordia New"/>
+        <a:font script="Ethi" typeface="Nyala"/>
+        <a:font script="Beng" typeface="Vrinda"/>
+        <a:font script="Gujr" typeface="Shruti"/>
+        <a:font script="Khmr" typeface="DaunPenh"/>
+        <a:font script="Knda" typeface="Tunga"/>
+        <a:font script="Guru" typeface="Raavi"/>
+        <a:font script="Cans" typeface="Euphemia"/>
+        <a:font script="Cher" typeface="Plantagenet Cherokee"/>
+        <a:font script="Yiii" typeface="Microsoft Yi Baiti"/>
+        <a:font script="Tibt" typeface="Microsoft Himalaya"/>
+        <a:font script="Thaa" typeface="MV Boli"/>
+        <a:font script="Deva" typeface="Mangal"/>
+        <a:font script="Telu" typeface="Gautami"/>
+        <a:font script="Taml" typeface="Latha"/>
+        <a:font script="Syrc" typeface="Estrangelo Edessa"/>
+        <a:font script="Orya" typeface="Kalinga"/>
+        <a:font script="Mlym" typeface="Kartika"/>
+        <a:font script="Laoo" typeface="DokChampa"/>
+        <a:font script="Sinh" typeface="Iskoola Pota"/>
+        <a:font script="Mong" typeface="Mongolian Baiti"/>
+        <a:font script="Viet" typeface="Arial"/>
+        <a:font script="Uigh" typeface="Microsoft Uighur"/>
+        <a:font script="Geor" typeface="Sylfaen"/>
+      </a:minorFont>
+    </a:fontScheme>
+    <a:fmtScheme name="Grand événement">
+      <a:fillStyleLst>
+        <a:solidFill>
+          <a:schemeClr val="phClr"/>
+        </a:solidFill>
+        <a:solidFill>
+          <a:schemeClr val="phClr">
+            <a:tint val="69000"/>
+            <a:satMod val="105000"/>
+            <a:lumMod val="110000"/>
+          </a:schemeClr>
+        </a:solidFill>
+        <a:blipFill>
+          <a:blip xmlns:r="http://schemas.openxmlformats.org/officeDocument/2006/relationships" r:embed="rId1">
+            <a:duotone>
+              <a:schemeClr val="phClr">
+                <a:shade val="88000"/>
+                <a:lumMod val="88000"/>
+              </a:schemeClr>
+              <a:schemeClr val="phClr"/>
+            </a:duotone>
+          </a:blip>
+          <a:tile tx="0" ty="0" sx="100000" sy="100000" flip="none" algn="tl"/>
+        </a:blipFill>
+      </a:fillStyleLst>
+      <a:lnStyleLst>
+        <a:ln w="9525" cap="flat" cmpd="sng" algn="ctr">
+          <a:solidFill>
+            <a:schemeClr val="phClr">
+              <a:shade val="60000"/>
+            </a:schemeClr>
+          </a:solidFill>
+          <a:prstDash val="solid"/>
+        </a:ln>
+        <a:ln w="19050" cap="flat" cmpd="sng" algn="ctr">
+          <a:solidFill>
+            <a:schemeClr val="phClr"/>
+          </a:solidFill>
+          <a:prstDash val="solid"/>
+        </a:ln>
+        <a:ln w="25400" cap="flat" cmpd="sng" algn="ctr">
+          <a:solidFill>
+            <a:schemeClr val="phClr"/>
+          </a:solidFill>
+          <a:prstDash val="solid"/>
+        </a:ln>
+      </a:lnStyleLst>
+      <a:effectStyleLst>
+        <a:effectStyle>
+          <a:effectLst/>
+        </a:effectStyle>
+        <a:effectStyle>
+          <a:effectLst/>
+        </a:effectStyle>
+        <a:effectStyle>
+          <a:effectLst>
+            <a:outerShdw blurRad="25400" dist="12700" dir="5400000" rotWithShape="0">
+              <a:srgbClr val="000000">
+                <a:alpha val="60000"/>
+              </a:srgbClr>
+            </a:outerShdw>
+          </a:effectLst>
+        </a:effectStyle>
+      </a:effectStyleLst>
+      <a:bgFillStyleLst>
+        <a:solidFill>
+          <a:schemeClr val="phClr"/>
+        </a:solidFill>
+        <a:gradFill rotWithShape="1">
+          <a:gsLst>
+            <a:gs pos="0">
+              <a:schemeClr val="phClr">
+                <a:tint val="90000"/>
+                <a:lumMod val="110000"/>
+              </a:schemeClr>
+            </a:gs>
+            <a:gs pos="100000">
+              <a:schemeClr val="phClr">
+                <a:shade val="88000"/>
+                <a:lumMod val="88000"/>
+              </a:schemeClr>
+            </a:gs>
+          </a:gsLst>
+          <a:lin ang="5400000" scaled="0"/>
+        </a:gradFill>
+        <a:blipFill>
+          <a:blip xmlns:r="http://schemas.openxmlformats.org/officeDocument/2006/relationships" r:embed="rId2">
+            <a:duotone>
+              <a:schemeClr val="phClr">
+                <a:shade val="48000"/>
+                <a:satMod val="110000"/>
+                <a:lumMod val="40000"/>
+              </a:schemeClr>
+              <a:schemeClr val="phClr">
+                <a:tint val="90000"/>
+                <a:lumMod val="106000"/>
+              </a:schemeClr>
+            </a:duotone>
+          </a:blip>
+          <a:stretch/>
+        </a:blipFill>
+      </a:bgFillStyleLst>
+    </a:fmtScheme>
+  </a:themeElements>
+  <a:objectDefaults/>
+  <a:extraClrSchemeLst/>
+  <a:extLst>
+    <a:ext uri="{05A4C25C-085E-4340-85A3-A5531E510DB2}">
+      <thm15:themeFamily xmlns:thm15="http://schemas.microsoft.com/office/thememl/2012/main" name="Main Event" id="{AC372BB4-D83D-411E-B849-B641926BA760}" vid="{F1EFBDE3-1A95-4E3D-81AD-1F53D65BEA01}"/>
+    </a:ext>
+  </a:extLst>
+</a:theme>
+</file>
+
+<file path=ppt/theme/theme2.xml><?xml version="1.0" encoding="utf-8"?>
 <a:theme xmlns:a="http://schemas.openxmlformats.org/drawingml/2006/main" name="Thème Office">
   <a:themeElements>
     <a:clrScheme name="Office">
